--- a/Review1/iPCA - Review 1.pptx
+++ b/Review1/iPCA - Review 1.pptx
@@ -5,7 +5,7 @@
     <p:sldMasterId id="2147483648" r:id="rId1"/>
   </p:sldMasterIdLst>
   <p:notesMasterIdLst>
-    <p:notesMasterId r:id="rId8"/>
+    <p:notesMasterId r:id="rId9"/>
   </p:notesMasterIdLst>
   <p:sldIdLst>
     <p:sldId id="256" r:id="rId2"/>
@@ -13,7 +13,8 @@
     <p:sldId id="258" r:id="rId4"/>
     <p:sldId id="259" r:id="rId5"/>
     <p:sldId id="260" r:id="rId6"/>
-    <p:sldId id="261" r:id="rId7"/>
+    <p:sldId id="262" r:id="rId7"/>
+    <p:sldId id="261" r:id="rId8"/>
   </p:sldIdLst>
   <p:sldSz cx="12192000" cy="6858000"/>
   <p:notesSz cx="6858000" cy="9144000"/>
@@ -112,7 +113,16 @@
       </a:defRPr>
     </a:lvl9pPr>
   </p:defaultTextStyle>
+  <p:extLst>
+    <p:ext uri="{EFAFB233-063F-42B5-8137-9DF3F51BA10A}">
+      <p15:sldGuideLst xmlns:p15="http://schemas.microsoft.com/office/powerpoint/2012/main"/>
+    </p:ext>
+  </p:extLst>
 </p:presentation>
+</file>
+
+<file path=ppt/revisionInfo.xml><?xml version="1.0" encoding="utf-8"?>
+<p1510:revInfo xmlns:a="http://schemas.openxmlformats.org/drawingml/2006/main" xmlns:r="http://schemas.openxmlformats.org/officeDocument/2006/relationships" xmlns:p1510="http://schemas.microsoft.com/office/powerpoint/2015/10/main"/>
 </file>
 
 <file path=ppt/diagrams/colors1.xml><?xml version="1.0" encoding="utf-8"?>
@@ -4109,7 +4119,7 @@
           <a:p>
             <a:fld id="{3548EAF5-4C39-4673-BCE3-407473262372}" type="datetimeFigureOut">
               <a:rPr lang="en-US" smtClean="0"/>
-              <a:t>12/6/2017</a:t>
+              <a:t>12/7/2017</a:t>
             </a:fld>
             <a:endParaRPr lang="en-US"/>
           </a:p>
@@ -4562,7 +4572,7 @@
           <a:p>
             <a:fld id="{8F85DC60-CFB0-45A1-9609-E0ABC7C96C2D}" type="datetime1">
               <a:rPr lang="en-US" smtClean="0"/>
-              <a:t>12/6/2017</a:t>
+              <a:t>12/7/2017</a:t>
             </a:fld>
             <a:endParaRPr lang="en-US" dirty="0"/>
           </a:p>
@@ -4832,7 +4842,7 @@
           <a:p>
             <a:fld id="{C3E6DF42-6833-4A47-934D-F85DBB3F7B36}" type="datetime1">
               <a:rPr lang="en-US" smtClean="0"/>
-              <a:t>12/6/2017</a:t>
+              <a:t>12/7/2017</a:t>
             </a:fld>
             <a:endParaRPr lang="en-US" dirty="0"/>
           </a:p>
@@ -5021,7 +5031,7 @@
           <a:p>
             <a:fld id="{705C9F6F-5764-47EA-A441-099BB024234C}" type="datetime1">
               <a:rPr lang="en-US" smtClean="0"/>
-              <a:t>12/6/2017</a:t>
+              <a:t>12/7/2017</a:t>
             </a:fld>
             <a:endParaRPr lang="en-US" dirty="0"/>
           </a:p>
@@ -5289,7 +5299,7 @@
           <a:p>
             <a:fld id="{3149734F-53E1-4A40-98F7-FB9158A97B65}" type="datetime1">
               <a:rPr lang="en-US" smtClean="0"/>
-              <a:t>12/6/2017</a:t>
+              <a:t>12/7/2017</a:t>
             </a:fld>
             <a:endParaRPr lang="en-US" dirty="0"/>
           </a:p>
@@ -5625,7 +5635,7 @@
           <a:p>
             <a:fld id="{37A696E0-170E-49DB-8D8E-B37F32A427A4}" type="datetime1">
               <a:rPr lang="en-US" smtClean="0"/>
-              <a:t>12/6/2017</a:t>
+              <a:t>12/7/2017</a:t>
             </a:fld>
             <a:endParaRPr lang="en-US" dirty="0"/>
           </a:p>
@@ -6243,7 +6253,7 @@
           <a:p>
             <a:fld id="{5EF17213-37EF-4AAA-885A-625C7BE5416A}" type="datetime1">
               <a:rPr lang="en-US" smtClean="0"/>
-              <a:t>12/6/2017</a:t>
+              <a:t>12/7/2017</a:t>
             </a:fld>
             <a:endParaRPr lang="en-US" dirty="0"/>
           </a:p>
@@ -7098,7 +7108,7 @@
           <a:p>
             <a:fld id="{60D26089-D2F7-441A-A714-B88E4CC4D1AF}" type="datetime1">
               <a:rPr lang="en-US" smtClean="0"/>
-              <a:t>12/6/2017</a:t>
+              <a:t>12/7/2017</a:t>
             </a:fld>
             <a:endParaRPr lang="en-US" dirty="0"/>
           </a:p>
@@ -7263,7 +7273,7 @@
           <a:p>
             <a:fld id="{AA128ABF-0DC7-4C01-876F-5F672661E249}" type="datetime1">
               <a:rPr lang="en-US" smtClean="0"/>
-              <a:t>12/6/2017</a:t>
+              <a:t>12/7/2017</a:t>
             </a:fld>
             <a:endParaRPr lang="en-US" dirty="0"/>
           </a:p>
@@ -7438,7 +7448,7 @@
           <a:p>
             <a:fld id="{51F4783D-E931-4299-8E45-C3737C45551F}" type="datetime1">
               <a:rPr lang="en-US" smtClean="0"/>
-              <a:t>12/6/2017</a:t>
+              <a:t>12/7/2017</a:t>
             </a:fld>
             <a:endParaRPr lang="en-US" dirty="0"/>
           </a:p>
@@ -7603,7 +7613,7 @@
           <a:p>
             <a:fld id="{893AA037-9FCD-45E8-A676-DDA8AB11BECA}" type="datetime1">
               <a:rPr lang="en-US" smtClean="0"/>
-              <a:t>12/6/2017</a:t>
+              <a:t>12/7/2017</a:t>
             </a:fld>
             <a:endParaRPr lang="en-US" dirty="0"/>
           </a:p>
@@ -7845,7 +7855,7 @@
           <a:p>
             <a:fld id="{828AF198-5E54-4152-A158-D3E5E6E3B662}" type="datetime1">
               <a:rPr lang="en-US" smtClean="0"/>
-              <a:t>12/6/2017</a:t>
+              <a:t>12/7/2017</a:t>
             </a:fld>
             <a:endParaRPr lang="en-US" dirty="0"/>
           </a:p>
@@ -8132,7 +8142,7 @@
           <a:p>
             <a:fld id="{B9F94D97-FDCD-48A6-86A1-5A0F65BC2A0D}" type="datetime1">
               <a:rPr lang="en-US" smtClean="0"/>
-              <a:t>12/6/2017</a:t>
+              <a:t>12/7/2017</a:t>
             </a:fld>
             <a:endParaRPr lang="en-US" dirty="0"/>
           </a:p>
@@ -8571,7 +8581,7 @@
           <a:p>
             <a:fld id="{021D57E6-FAA3-4D7A-8DF6-915E5BC5F775}" type="datetime1">
               <a:rPr lang="en-US" smtClean="0"/>
-              <a:t>12/6/2017</a:t>
+              <a:t>12/7/2017</a:t>
             </a:fld>
             <a:endParaRPr lang="en-US" dirty="0"/>
           </a:p>
@@ -8684,7 +8694,7 @@
           <a:p>
             <a:fld id="{10C48878-DDD1-4330-AD41-A71769B03C06}" type="datetime1">
               <a:rPr lang="en-US" smtClean="0"/>
-              <a:t>12/6/2017</a:t>
+              <a:t>12/7/2017</a:t>
             </a:fld>
             <a:endParaRPr lang="en-US" dirty="0"/>
           </a:p>
@@ -8774,7 +8784,7 @@
           <a:p>
             <a:fld id="{B7AF4D66-1BDD-486F-8BCE-6127F7911DFC}" type="datetime1">
               <a:rPr lang="en-US" smtClean="0"/>
-              <a:t>12/6/2017</a:t>
+              <a:t>12/7/2017</a:t>
             </a:fld>
             <a:endParaRPr lang="en-US" dirty="0"/>
           </a:p>
@@ -9048,7 +9058,7 @@
           <a:p>
             <a:fld id="{81F7C6F6-8055-497B-8013-4828E0AC7AA2}" type="datetime1">
               <a:rPr lang="en-US" smtClean="0"/>
-              <a:t>12/6/2017</a:t>
+              <a:t>12/7/2017</a:t>
             </a:fld>
             <a:endParaRPr lang="en-US" dirty="0"/>
           </a:p>
@@ -9318,7 +9328,7 @@
           <a:p>
             <a:fld id="{90D1BBD4-DAC6-4877-AED1-4A943F724FC4}" type="datetime1">
               <a:rPr lang="en-US" smtClean="0"/>
-              <a:t>12/6/2017</a:t>
+              <a:t>12/7/2017</a:t>
             </a:fld>
             <a:endParaRPr lang="en-US" dirty="0"/>
           </a:p>
@@ -9742,7 +9752,7 @@
           <a:p>
             <a:fld id="{4FEA0733-BB84-4757-9CD4-8DBCD2C8DD65}" type="datetime1">
               <a:rPr lang="en-US" smtClean="0"/>
-              <a:t>12/6/2017</a:t>
+              <a:t>12/7/2017</a:t>
             </a:fld>
             <a:endParaRPr lang="en-US" dirty="0"/>
           </a:p>
@@ -14245,6 +14255,1429 @@
   <p:cSld>
     <p:bg>
       <p:bgPr>
+        <a:solidFill>
+          <a:schemeClr val="bg1"/>
+        </a:solidFill>
+        <a:effectLst/>
+      </p:bgPr>
+    </p:bg>
+    <p:spTree>
+      <p:nvGrpSpPr>
+        <p:cNvPr id="1" name=""/>
+        <p:cNvGrpSpPr/>
+        <p:nvPr/>
+      </p:nvGrpSpPr>
+      <p:grpSpPr>
+        <a:xfrm>
+          <a:off x="0" y="0"/>
+          <a:ext cx="0" cy="0"/>
+          <a:chOff x="0" y="0"/>
+          <a:chExt cx="0" cy="0"/>
+        </a:xfrm>
+      </p:grpSpPr>
+      <p:pic>
+        <p:nvPicPr>
+          <p:cNvPr id="11" name="Picture 10">
+            <a:extLst>
+              <a:ext uri="{FF2B5EF4-FFF2-40B4-BE49-F238E27FC236}">
+                <a16:creationId xmlns:a16="http://schemas.microsoft.com/office/drawing/2014/main" id="{41B68C77-138E-4BF7-A276-BD0C78A4219F}"/>
+              </a:ext>
+            </a:extLst>
+          </p:cNvPr>
+          <p:cNvPicPr>
+            <a:picLocks noGrp="1" noRot="1" noChangeAspect="1" noMove="1" noResize="1" noEditPoints="1" noAdjustHandles="1" noChangeArrowheads="1" noChangeShapeType="1" noCrop="1"/>
+          </p:cNvPicPr>
+          <p:nvPr>
+            <p:extLst>
+              <p:ext uri="{386F3935-93C4-4BCD-93E2-E3B085C9AB24}">
+                <p16:designElem xmlns:p16="http://schemas.microsoft.com/office/powerpoint/2015/main" val="1"/>
+              </p:ext>
+            </p:extLst>
+          </p:nvPr>
+        </p:nvPicPr>
+        <p:blipFill rotWithShape="1">
+          <a:blip r:embed="rId2">
+            <a:extLst>
+              <a:ext uri="{28A0092B-C50C-407E-A947-70E740481C1C}">
+                <a14:useLocalDpi xmlns:a14="http://schemas.microsoft.com/office/drawing/2010/main" val="0"/>
+              </a:ext>
+            </a:extLst>
+          </a:blip>
+          <a:srcRect l="3613"/>
+          <a:stretch/>
+        </p:blipFill>
+        <p:spPr>
+          <a:xfrm>
+            <a:off x="0" y="2669685"/>
+            <a:ext cx="4037012" cy="4188315"/>
+          </a:xfrm>
+          <a:prstGeom prst="rect">
+            <a:avLst/>
+          </a:prstGeom>
+        </p:spPr>
+      </p:pic>
+      <p:pic>
+        <p:nvPicPr>
+          <p:cNvPr id="13" name="Picture 12">
+            <a:extLst>
+              <a:ext uri="{FF2B5EF4-FFF2-40B4-BE49-F238E27FC236}">
+                <a16:creationId xmlns:a16="http://schemas.microsoft.com/office/drawing/2014/main" id="{7C268552-D473-46ED-B1B8-422042C4DEF1}"/>
+              </a:ext>
+            </a:extLst>
+          </p:cNvPr>
+          <p:cNvPicPr>
+            <a:picLocks noGrp="1" noRot="1" noChangeAspect="1" noMove="1" noResize="1" noEditPoints="1" noAdjustHandles="1" noChangeArrowheads="1" noChangeShapeType="1" noCrop="1"/>
+          </p:cNvPicPr>
+          <p:nvPr>
+            <p:extLst>
+              <p:ext uri="{386F3935-93C4-4BCD-93E2-E3B085C9AB24}">
+                <p16:designElem xmlns:p16="http://schemas.microsoft.com/office/powerpoint/2015/main" val="1"/>
+              </p:ext>
+            </p:extLst>
+          </p:nvPr>
+        </p:nvPicPr>
+        <p:blipFill rotWithShape="1">
+          <a:blip r:embed="rId3">
+            <a:extLst>
+              <a:ext uri="{28A0092B-C50C-407E-A947-70E740481C1C}">
+                <a14:useLocalDpi xmlns:a14="http://schemas.microsoft.com/office/drawing/2010/main" val="0"/>
+              </a:ext>
+            </a:extLst>
+          </a:blip>
+          <a:srcRect l="35640"/>
+          <a:stretch/>
+        </p:blipFill>
+        <p:spPr>
+          <a:xfrm>
+            <a:off x="0" y="2892347"/>
+            <a:ext cx="1522412" cy="2365453"/>
+          </a:xfrm>
+          <a:prstGeom prst="rect">
+            <a:avLst/>
+          </a:prstGeom>
+        </p:spPr>
+      </p:pic>
+      <p:sp>
+        <p:nvSpPr>
+          <p:cNvPr id="15" name="Oval 14">
+            <a:extLst>
+              <a:ext uri="{FF2B5EF4-FFF2-40B4-BE49-F238E27FC236}">
+                <a16:creationId xmlns:a16="http://schemas.microsoft.com/office/drawing/2014/main" id="{4AC0CD9D-7610-4620-93B4-798CCD9AB581}"/>
+              </a:ext>
+            </a:extLst>
+          </p:cNvPr>
+          <p:cNvSpPr>
+            <a:spLocks noGrp="1" noRot="1" noChangeAspect="1" noMove="1" noResize="1" noEditPoints="1" noAdjustHandles="1" noChangeArrowheads="1" noChangeShapeType="1" noTextEdit="1"/>
+          </p:cNvSpPr>
+          <p:nvPr>
+            <p:extLst>
+              <p:ext uri="{386F3935-93C4-4BCD-93E2-E3B085C9AB24}">
+                <p16:designElem xmlns:p16="http://schemas.microsoft.com/office/powerpoint/2015/main" val="1"/>
+              </p:ext>
+            </p:extLst>
+          </p:nvPr>
+        </p:nvSpPr>
+        <p:spPr>
+          <a:xfrm>
+            <a:off x="8609012" y="1676400"/>
+            <a:ext cx="2819400" cy="2819400"/>
+          </a:xfrm>
+          <a:prstGeom prst="ellipse">
+            <a:avLst/>
+          </a:prstGeom>
+          <a:gradFill flip="none" rotWithShape="1">
+            <a:gsLst>
+              <a:gs pos="0">
+                <a:schemeClr val="bg2">
+                  <a:lumMod val="60000"/>
+                  <a:lumOff val="40000"/>
+                  <a:alpha val="7000"/>
+                </a:schemeClr>
+              </a:gs>
+              <a:gs pos="69000">
+                <a:schemeClr val="bg2">
+                  <a:lumMod val="60000"/>
+                  <a:lumOff val="40000"/>
+                  <a:alpha val="0"/>
+                </a:schemeClr>
+              </a:gs>
+              <a:gs pos="36000">
+                <a:schemeClr val="bg2">
+                  <a:lumMod val="60000"/>
+                  <a:lumOff val="40000"/>
+                  <a:alpha val="6000"/>
+                </a:schemeClr>
+              </a:gs>
+            </a:gsLst>
+            <a:path path="circle">
+              <a:fillToRect l="50000" t="50000" r="50000" b="50000"/>
+            </a:path>
+            <a:tileRect/>
+          </a:gradFill>
+          <a:ln>
+            <a:noFill/>
+          </a:ln>
+          <a:effectLst/>
+        </p:spPr>
+        <p:style>
+          <a:lnRef idx="1">
+            <a:schemeClr val="accent1"/>
+          </a:lnRef>
+          <a:fillRef idx="3">
+            <a:schemeClr val="accent1"/>
+          </a:fillRef>
+          <a:effectRef idx="2">
+            <a:schemeClr val="accent1"/>
+          </a:effectRef>
+          <a:fontRef idx="minor">
+            <a:schemeClr val="lt1"/>
+          </a:fontRef>
+        </p:style>
+      </p:sp>
+      <p:pic>
+        <p:nvPicPr>
+          <p:cNvPr id="17" name="Picture 16">
+            <a:extLst>
+              <a:ext uri="{FF2B5EF4-FFF2-40B4-BE49-F238E27FC236}">
+                <a16:creationId xmlns:a16="http://schemas.microsoft.com/office/drawing/2014/main" id="{B9238B3E-24AA-439A-B527-6C5DF6D72145}"/>
+              </a:ext>
+            </a:extLst>
+          </p:cNvPr>
+          <p:cNvPicPr>
+            <a:picLocks noGrp="1" noRot="1" noChangeAspect="1" noMove="1" noResize="1" noEditPoints="1" noAdjustHandles="1" noChangeArrowheads="1" noChangeShapeType="1" noCrop="1"/>
+          </p:cNvPicPr>
+          <p:nvPr>
+            <p:extLst>
+              <p:ext uri="{386F3935-93C4-4BCD-93E2-E3B085C9AB24}">
+                <p16:designElem xmlns:p16="http://schemas.microsoft.com/office/powerpoint/2015/main" val="1"/>
+              </p:ext>
+            </p:extLst>
+          </p:nvPr>
+        </p:nvPicPr>
+        <p:blipFill rotWithShape="1">
+          <a:blip r:embed="rId4">
+            <a:extLst>
+              <a:ext uri="{28A0092B-C50C-407E-A947-70E740481C1C}">
+                <a14:useLocalDpi xmlns:a14="http://schemas.microsoft.com/office/drawing/2010/main" val="0"/>
+              </a:ext>
+            </a:extLst>
+          </a:blip>
+          <a:srcRect t="28813"/>
+          <a:stretch/>
+        </p:blipFill>
+        <p:spPr>
+          <a:xfrm>
+            <a:off x="7999412" y="0"/>
+            <a:ext cx="1603387" cy="1141407"/>
+          </a:xfrm>
+          <a:prstGeom prst="rect">
+            <a:avLst/>
+          </a:prstGeom>
+        </p:spPr>
+      </p:pic>
+      <p:pic>
+        <p:nvPicPr>
+          <p:cNvPr id="19" name="Picture 18">
+            <a:extLst>
+              <a:ext uri="{FF2B5EF4-FFF2-40B4-BE49-F238E27FC236}">
+                <a16:creationId xmlns:a16="http://schemas.microsoft.com/office/drawing/2014/main" id="{69F01145-BEA3-4CBF-AA21-10077B948CA8}"/>
+              </a:ext>
+            </a:extLst>
+          </p:cNvPr>
+          <p:cNvPicPr>
+            <a:picLocks noGrp="1" noRot="1" noChangeAspect="1" noMove="1" noResize="1" noEditPoints="1" noAdjustHandles="1" noChangeArrowheads="1" noChangeShapeType="1" noCrop="1"/>
+          </p:cNvPicPr>
+          <p:nvPr>
+            <p:extLst>
+              <p:ext uri="{386F3935-93C4-4BCD-93E2-E3B085C9AB24}">
+                <p16:designElem xmlns:p16="http://schemas.microsoft.com/office/powerpoint/2015/main" val="1"/>
+              </p:ext>
+            </p:extLst>
+          </p:nvPr>
+        </p:nvPicPr>
+        <p:blipFill rotWithShape="1">
+          <a:blip r:embed="rId5">
+            <a:extLst>
+              <a:ext uri="{28A0092B-C50C-407E-A947-70E740481C1C}">
+                <a14:useLocalDpi xmlns:a14="http://schemas.microsoft.com/office/drawing/2010/main" val="0"/>
+              </a:ext>
+            </a:extLst>
+          </a:blip>
+          <a:srcRect b="23320"/>
+          <a:stretch/>
+        </p:blipFill>
+        <p:spPr>
+          <a:xfrm>
+            <a:off x="8605878" y="6096000"/>
+            <a:ext cx="993734" cy="762000"/>
+          </a:xfrm>
+          <a:prstGeom prst="rect">
+            <a:avLst/>
+          </a:prstGeom>
+        </p:spPr>
+      </p:pic>
+      <p:sp>
+        <p:nvSpPr>
+          <p:cNvPr id="21" name="Rectangle 20">
+            <a:extLst>
+              <a:ext uri="{FF2B5EF4-FFF2-40B4-BE49-F238E27FC236}">
+                <a16:creationId xmlns:a16="http://schemas.microsoft.com/office/drawing/2014/main" id="{DE4D62F9-188E-4530-84C2-24BDEE4BEB82}"/>
+              </a:ext>
+            </a:extLst>
+          </p:cNvPr>
+          <p:cNvSpPr>
+            <a:spLocks noGrp="1" noRot="1" noChangeAspect="1" noMove="1" noResize="1" noEditPoints="1" noAdjustHandles="1" noChangeArrowheads="1" noChangeShapeType="1" noTextEdit="1"/>
+          </p:cNvSpPr>
+          <p:nvPr>
+            <p:extLst>
+              <p:ext uri="{386F3935-93C4-4BCD-93E2-E3B085C9AB24}">
+                <p16:designElem xmlns:p16="http://schemas.microsoft.com/office/powerpoint/2015/main" val="1"/>
+              </p:ext>
+            </p:extLst>
+          </p:nvPr>
+        </p:nvSpPr>
+        <p:spPr>
+          <a:xfrm>
+            <a:off x="10437812" y="0"/>
+            <a:ext cx="685800" cy="1143000"/>
+          </a:xfrm>
+          <a:prstGeom prst="rect">
+            <a:avLst/>
+          </a:prstGeom>
+          <a:solidFill>
+            <a:schemeClr val="accent1"/>
+          </a:solidFill>
+          <a:ln>
+            <a:noFill/>
+          </a:ln>
+        </p:spPr>
+        <p:style>
+          <a:lnRef idx="1">
+            <a:schemeClr val="accent1"/>
+          </a:lnRef>
+          <a:fillRef idx="3">
+            <a:schemeClr val="accent1"/>
+          </a:fillRef>
+          <a:effectRef idx="2">
+            <a:schemeClr val="accent1"/>
+          </a:effectRef>
+          <a:fontRef idx="minor">
+            <a:schemeClr val="lt1"/>
+          </a:fontRef>
+        </p:style>
+      </p:sp>
+      <p:sp useBgFill="1">
+        <p:nvSpPr>
+          <p:cNvPr id="23" name="Rectangle 22">
+            <a:extLst>
+              <a:ext uri="{FF2B5EF4-FFF2-40B4-BE49-F238E27FC236}">
+                <a16:creationId xmlns:a16="http://schemas.microsoft.com/office/drawing/2014/main" id="{D27CF008-4B18-436D-B2D5-C1346C12438E}"/>
+              </a:ext>
+            </a:extLst>
+          </p:cNvPr>
+          <p:cNvSpPr>
+            <a:spLocks noGrp="1" noRot="1" noChangeAspect="1" noMove="1" noResize="1" noEditPoints="1" noAdjustHandles="1" noChangeArrowheads="1" noChangeShapeType="1" noTextEdit="1"/>
+          </p:cNvSpPr>
+          <p:nvPr>
+            <p:extLst>
+              <p:ext uri="{386F3935-93C4-4BCD-93E2-E3B085C9AB24}">
+                <p16:designElem xmlns:p16="http://schemas.microsoft.com/office/powerpoint/2015/main" val="1"/>
+              </p:ext>
+            </p:extLst>
+          </p:nvPr>
+        </p:nvSpPr>
+        <p:spPr>
+          <a:xfrm>
+            <a:off x="0" y="-5"/>
+            <a:ext cx="12191695" cy="4730744"/>
+          </a:xfrm>
+          <a:prstGeom prst="rect">
+            <a:avLst/>
+          </a:prstGeom>
+          <a:ln>
+            <a:noFill/>
+          </a:ln>
+        </p:spPr>
+        <p:style>
+          <a:lnRef idx="2">
+            <a:schemeClr val="accent1">
+              <a:shade val="50000"/>
+            </a:schemeClr>
+          </a:lnRef>
+          <a:fillRef idx="1">
+            <a:schemeClr val="accent1"/>
+          </a:fillRef>
+          <a:effectRef idx="0">
+            <a:schemeClr val="accent1"/>
+          </a:effectRef>
+          <a:fontRef idx="minor">
+            <a:schemeClr val="lt1"/>
+          </a:fontRef>
+        </p:style>
+        <p:txBody>
+          <a:bodyPr rtlCol="0" anchor="ctr"/>
+          <a:lstStyle/>
+          <a:p>
+            <a:pPr algn="ctr"/>
+            <a:endParaRPr lang="en-US"/>
+          </a:p>
+        </p:txBody>
+      </p:sp>
+      <p:sp>
+        <p:nvSpPr>
+          <p:cNvPr id="25" name="Rectangle 24">
+            <a:extLst>
+              <a:ext uri="{FF2B5EF4-FFF2-40B4-BE49-F238E27FC236}">
+                <a16:creationId xmlns:a16="http://schemas.microsoft.com/office/drawing/2014/main" id="{CE22DAD8-5F67-4B73-ADA9-06EF381F7AD6}"/>
+              </a:ext>
+            </a:extLst>
+          </p:cNvPr>
+          <p:cNvSpPr>
+            <a:spLocks noGrp="1" noRot="1" noChangeAspect="1" noMove="1" noResize="1" noEditPoints="1" noAdjustHandles="1" noChangeArrowheads="1" noChangeShapeType="1" noTextEdit="1"/>
+          </p:cNvSpPr>
+          <p:nvPr>
+            <p:extLst>
+              <p:ext uri="{386F3935-93C4-4BCD-93E2-E3B085C9AB24}">
+                <p16:designElem xmlns:p16="http://schemas.microsoft.com/office/powerpoint/2015/main" val="1"/>
+              </p:ext>
+            </p:extLst>
+          </p:nvPr>
+        </p:nvSpPr>
+        <p:spPr>
+          <a:xfrm>
+            <a:off x="10437812" y="0"/>
+            <a:ext cx="685800" cy="1143000"/>
+          </a:xfrm>
+          <a:prstGeom prst="rect">
+            <a:avLst/>
+          </a:prstGeom>
+          <a:solidFill>
+            <a:schemeClr val="accent1"/>
+          </a:solidFill>
+          <a:ln>
+            <a:noFill/>
+          </a:ln>
+        </p:spPr>
+        <p:style>
+          <a:lnRef idx="1">
+            <a:schemeClr val="accent1"/>
+          </a:lnRef>
+          <a:fillRef idx="3">
+            <a:schemeClr val="accent1"/>
+          </a:fillRef>
+          <a:effectRef idx="2">
+            <a:schemeClr val="accent1"/>
+          </a:effectRef>
+          <a:fontRef idx="minor">
+            <a:schemeClr val="lt1"/>
+          </a:fontRef>
+        </p:style>
+      </p:sp>
+      <p:sp>
+        <p:nvSpPr>
+          <p:cNvPr id="27" name="Freeform 16">
+            <a:extLst>
+              <a:ext uri="{FF2B5EF4-FFF2-40B4-BE49-F238E27FC236}">
+                <a16:creationId xmlns:a16="http://schemas.microsoft.com/office/drawing/2014/main" id="{E4F17063-EDA4-417B-946F-BA357F3B390D}"/>
+              </a:ext>
+            </a:extLst>
+          </p:cNvPr>
+          <p:cNvSpPr>
+            <a:spLocks noGrp="1" noRot="1" noChangeAspect="1" noMove="1" noResize="1" noEditPoints="1" noAdjustHandles="1" noChangeArrowheads="1" noChangeShapeType="1" noTextEdit="1"/>
+          </p:cNvSpPr>
+          <p:nvPr>
+            <p:extLst>
+              <p:ext uri="{386F3935-93C4-4BCD-93E2-E3B085C9AB24}">
+                <p16:designElem xmlns:p16="http://schemas.microsoft.com/office/powerpoint/2015/main" val="1"/>
+              </p:ext>
+            </p:extLst>
+          </p:nvPr>
+        </p:nvSpPr>
+        <p:spPr>
+          <a:xfrm>
+            <a:off x="8719939" y="3753695"/>
+            <a:ext cx="3472060" cy="825932"/>
+          </a:xfrm>
+          <a:custGeom>
+            <a:avLst/>
+            <a:gdLst>
+              <a:gd name="connsiteX0" fmla="*/ 3470310 w 3472060"/>
+              <a:gd name="connsiteY0" fmla="*/ 0 h 825932"/>
+              <a:gd name="connsiteX1" fmla="*/ 3472060 w 3472060"/>
+              <a:gd name="connsiteY1" fmla="*/ 12850 h 825932"/>
+              <a:gd name="connsiteX2" fmla="*/ 3472060 w 3472060"/>
+              <a:gd name="connsiteY2" fmla="*/ 480529 h 825932"/>
+              <a:gd name="connsiteX3" fmla="*/ 3363699 w 3472060"/>
+              <a:gd name="connsiteY3" fmla="*/ 498471 h 825932"/>
+              <a:gd name="connsiteX4" fmla="*/ 42060 w 3472060"/>
+              <a:gd name="connsiteY4" fmla="*/ 824486 h 825932"/>
+              <a:gd name="connsiteX5" fmla="*/ 0 w 3472060"/>
+              <a:gd name="connsiteY5" fmla="*/ 758452 h 825932"/>
+              <a:gd name="connsiteX6" fmla="*/ 188014 w 3472060"/>
+              <a:gd name="connsiteY6" fmla="*/ 735602 h 825932"/>
+              <a:gd name="connsiteX7" fmla="*/ 284087 w 3472060"/>
+              <a:gd name="connsiteY7" fmla="*/ 722590 h 825932"/>
+              <a:gd name="connsiteX8" fmla="*/ 382288 w 3472060"/>
+              <a:gd name="connsiteY8" fmla="*/ 709392 h 825932"/>
+              <a:gd name="connsiteX9" fmla="*/ 481858 w 3472060"/>
+              <a:gd name="connsiteY9" fmla="*/ 695774 h 825932"/>
+              <a:gd name="connsiteX10" fmla="*/ 581897 w 3472060"/>
+              <a:gd name="connsiteY10" fmla="*/ 680711 h 825932"/>
+              <a:gd name="connsiteX11" fmla="*/ 683670 w 3472060"/>
+              <a:gd name="connsiteY11" fmla="*/ 665256 h 825932"/>
+              <a:gd name="connsiteX12" fmla="*/ 787206 w 3472060"/>
+              <a:gd name="connsiteY12" fmla="*/ 649587 h 825932"/>
+              <a:gd name="connsiteX13" fmla="*/ 892019 w 3472060"/>
+              <a:gd name="connsiteY13" fmla="*/ 632968 h 825932"/>
+              <a:gd name="connsiteX14" fmla="*/ 997620 w 3472060"/>
+              <a:gd name="connsiteY14" fmla="*/ 614667 h 825932"/>
+              <a:gd name="connsiteX15" fmla="*/ 1104727 w 3472060"/>
+              <a:gd name="connsiteY15" fmla="*/ 596741 h 825932"/>
+              <a:gd name="connsiteX16" fmla="*/ 1212669 w 3472060"/>
+              <a:gd name="connsiteY16" fmla="*/ 577397 h 825932"/>
+              <a:gd name="connsiteX17" fmla="*/ 1321506 w 3472060"/>
+              <a:gd name="connsiteY17" fmla="*/ 556988 h 825932"/>
+              <a:gd name="connsiteX18" fmla="*/ 1430709 w 3472060"/>
+              <a:gd name="connsiteY18" fmla="*/ 536607 h 825932"/>
+              <a:gd name="connsiteX19" fmla="*/ 1541050 w 3472060"/>
+              <a:gd name="connsiteY19" fmla="*/ 514481 h 825932"/>
+              <a:gd name="connsiteX20" fmla="*/ 1652805 w 3472060"/>
+              <a:gd name="connsiteY20" fmla="*/ 492202 h 825932"/>
+              <a:gd name="connsiteX21" fmla="*/ 1763708 w 3472060"/>
+              <a:gd name="connsiteY21" fmla="*/ 469161 h 825932"/>
+              <a:gd name="connsiteX22" fmla="*/ 1875795 w 3472060"/>
+              <a:gd name="connsiteY22" fmla="*/ 444641 h 825932"/>
+              <a:gd name="connsiteX23" fmla="*/ 1989128 w 3472060"/>
+              <a:gd name="connsiteY23" fmla="*/ 418995 h 825932"/>
+              <a:gd name="connsiteX24" fmla="*/ 2102476 w 3472060"/>
+              <a:gd name="connsiteY24" fmla="*/ 393438 h 825932"/>
+              <a:gd name="connsiteX25" fmla="*/ 2215549 w 3472060"/>
+              <a:gd name="connsiteY25" fmla="*/ 366291 h 825932"/>
+              <a:gd name="connsiteX26" fmla="*/ 2330490 w 3472060"/>
+              <a:gd name="connsiteY26" fmla="*/ 337455 h 825932"/>
+              <a:gd name="connsiteX27" fmla="*/ 2443333 w 3472060"/>
+              <a:gd name="connsiteY27" fmla="*/ 308983 h 825932"/>
+              <a:gd name="connsiteX28" fmla="*/ 2558014 w 3472060"/>
+              <a:gd name="connsiteY28" fmla="*/ 278646 h 825932"/>
+              <a:gd name="connsiteX29" fmla="*/ 2673621 w 3472060"/>
+              <a:gd name="connsiteY29" fmla="*/ 247421 h 825932"/>
+              <a:gd name="connsiteX30" fmla="*/ 2787008 w 3472060"/>
+              <a:gd name="connsiteY30" fmla="*/ 215853 h 825932"/>
+              <a:gd name="connsiteX31" fmla="*/ 2901442 w 3472060"/>
+              <a:gd name="connsiteY31" fmla="*/ 182011 h 825932"/>
+              <a:gd name="connsiteX32" fmla="*/ 3015722 w 3472060"/>
+              <a:gd name="connsiteY32" fmla="*/ 147286 h 825932"/>
+              <a:gd name="connsiteX33" fmla="*/ 3130018 w 3472060"/>
+              <a:gd name="connsiteY33" fmla="*/ 112649 h 825932"/>
+              <a:gd name="connsiteX34" fmla="*/ 3243551 w 3472060"/>
+              <a:gd name="connsiteY34" fmla="*/ 75688 h 825932"/>
+              <a:gd name="connsiteX35" fmla="*/ 3356992 w 3472060"/>
+              <a:gd name="connsiteY35" fmla="*/ 38197 h 825932"/>
+              <a:gd name="connsiteX36" fmla="*/ 3470310 w 3472060"/>
+              <a:gd name="connsiteY36" fmla="*/ 0 h 825932"/>
+            </a:gdLst>
+            <a:ahLst/>
+            <a:cxnLst>
+              <a:cxn ang="0">
+                <a:pos x="connsiteX0" y="connsiteY0"/>
+              </a:cxn>
+              <a:cxn ang="0">
+                <a:pos x="connsiteX1" y="connsiteY1"/>
+              </a:cxn>
+              <a:cxn ang="0">
+                <a:pos x="connsiteX2" y="connsiteY2"/>
+              </a:cxn>
+              <a:cxn ang="0">
+                <a:pos x="connsiteX3" y="connsiteY3"/>
+              </a:cxn>
+              <a:cxn ang="0">
+                <a:pos x="connsiteX4" y="connsiteY4"/>
+              </a:cxn>
+              <a:cxn ang="0">
+                <a:pos x="connsiteX5" y="connsiteY5"/>
+              </a:cxn>
+              <a:cxn ang="0">
+                <a:pos x="connsiteX6" y="connsiteY6"/>
+              </a:cxn>
+              <a:cxn ang="0">
+                <a:pos x="connsiteX7" y="connsiteY7"/>
+              </a:cxn>
+              <a:cxn ang="0">
+                <a:pos x="connsiteX8" y="connsiteY8"/>
+              </a:cxn>
+              <a:cxn ang="0">
+                <a:pos x="connsiteX9" y="connsiteY9"/>
+              </a:cxn>
+              <a:cxn ang="0">
+                <a:pos x="connsiteX10" y="connsiteY10"/>
+              </a:cxn>
+              <a:cxn ang="0">
+                <a:pos x="connsiteX11" y="connsiteY11"/>
+              </a:cxn>
+              <a:cxn ang="0">
+                <a:pos x="connsiteX12" y="connsiteY12"/>
+              </a:cxn>
+              <a:cxn ang="0">
+                <a:pos x="connsiteX13" y="connsiteY13"/>
+              </a:cxn>
+              <a:cxn ang="0">
+                <a:pos x="connsiteX14" y="connsiteY14"/>
+              </a:cxn>
+              <a:cxn ang="0">
+                <a:pos x="connsiteX15" y="connsiteY15"/>
+              </a:cxn>
+              <a:cxn ang="0">
+                <a:pos x="connsiteX16" y="connsiteY16"/>
+              </a:cxn>
+              <a:cxn ang="0">
+                <a:pos x="connsiteX17" y="connsiteY17"/>
+              </a:cxn>
+              <a:cxn ang="0">
+                <a:pos x="connsiteX18" y="connsiteY18"/>
+              </a:cxn>
+              <a:cxn ang="0">
+                <a:pos x="connsiteX19" y="connsiteY19"/>
+              </a:cxn>
+              <a:cxn ang="0">
+                <a:pos x="connsiteX20" y="connsiteY20"/>
+              </a:cxn>
+              <a:cxn ang="0">
+                <a:pos x="connsiteX21" y="connsiteY21"/>
+              </a:cxn>
+              <a:cxn ang="0">
+                <a:pos x="connsiteX22" y="connsiteY22"/>
+              </a:cxn>
+              <a:cxn ang="0">
+                <a:pos x="connsiteX23" y="connsiteY23"/>
+              </a:cxn>
+              <a:cxn ang="0">
+                <a:pos x="connsiteX24" y="connsiteY24"/>
+              </a:cxn>
+              <a:cxn ang="0">
+                <a:pos x="connsiteX25" y="connsiteY25"/>
+              </a:cxn>
+              <a:cxn ang="0">
+                <a:pos x="connsiteX26" y="connsiteY26"/>
+              </a:cxn>
+              <a:cxn ang="0">
+                <a:pos x="connsiteX27" y="connsiteY27"/>
+              </a:cxn>
+              <a:cxn ang="0">
+                <a:pos x="connsiteX28" y="connsiteY28"/>
+              </a:cxn>
+              <a:cxn ang="0">
+                <a:pos x="connsiteX29" y="connsiteY29"/>
+              </a:cxn>
+              <a:cxn ang="0">
+                <a:pos x="connsiteX30" y="connsiteY30"/>
+              </a:cxn>
+              <a:cxn ang="0">
+                <a:pos x="connsiteX31" y="connsiteY31"/>
+              </a:cxn>
+              <a:cxn ang="0">
+                <a:pos x="connsiteX32" y="connsiteY32"/>
+              </a:cxn>
+              <a:cxn ang="0">
+                <a:pos x="connsiteX33" y="connsiteY33"/>
+              </a:cxn>
+              <a:cxn ang="0">
+                <a:pos x="connsiteX34" y="connsiteY34"/>
+              </a:cxn>
+              <a:cxn ang="0">
+                <a:pos x="connsiteX35" y="connsiteY35"/>
+              </a:cxn>
+              <a:cxn ang="0">
+                <a:pos x="connsiteX36" y="connsiteY36"/>
+              </a:cxn>
+            </a:cxnLst>
+            <a:rect l="l" t="t" r="r" b="b"/>
+            <a:pathLst>
+              <a:path w="3472060" h="825932">
+                <a:moveTo>
+                  <a:pt x="3470310" y="0"/>
+                </a:moveTo>
+                <a:lnTo>
+                  <a:pt x="3472060" y="12850"/>
+                </a:lnTo>
+                <a:lnTo>
+                  <a:pt x="3472060" y="480529"/>
+                </a:lnTo>
+                <a:lnTo>
+                  <a:pt x="3363699" y="498471"/>
+                </a:lnTo>
+                <a:cubicBezTo>
+                  <a:pt x="2435623" y="645518"/>
+                  <a:pt x="603076" y="844866"/>
+                  <a:pt x="42060" y="824486"/>
+                </a:cubicBezTo>
+                <a:cubicBezTo>
+                  <a:pt x="28151" y="802425"/>
+                  <a:pt x="13909" y="780513"/>
+                  <a:pt x="0" y="758452"/>
+                </a:cubicBezTo>
+                <a:lnTo>
+                  <a:pt x="188014" y="735602"/>
+                </a:lnTo>
+                <a:lnTo>
+                  <a:pt x="284087" y="722590"/>
+                </a:lnTo>
+                <a:lnTo>
+                  <a:pt x="382288" y="709392"/>
+                </a:lnTo>
+                <a:lnTo>
+                  <a:pt x="481858" y="695774"/>
+                </a:lnTo>
+                <a:lnTo>
+                  <a:pt x="581897" y="680711"/>
+                </a:lnTo>
+                <a:lnTo>
+                  <a:pt x="683670" y="665256"/>
+                </a:lnTo>
+                <a:lnTo>
+                  <a:pt x="787206" y="649587"/>
+                </a:lnTo>
+                <a:lnTo>
+                  <a:pt x="892019" y="632968"/>
+                </a:lnTo>
+                <a:lnTo>
+                  <a:pt x="997620" y="614667"/>
+                </a:lnTo>
+                <a:lnTo>
+                  <a:pt x="1104727" y="596741"/>
+                </a:lnTo>
+                <a:lnTo>
+                  <a:pt x="1212669" y="577397"/>
+                </a:lnTo>
+                <a:lnTo>
+                  <a:pt x="1321506" y="556988"/>
+                </a:lnTo>
+                <a:lnTo>
+                  <a:pt x="1430709" y="536607"/>
+                </a:lnTo>
+                <a:lnTo>
+                  <a:pt x="1541050" y="514481"/>
+                </a:lnTo>
+                <a:lnTo>
+                  <a:pt x="1652805" y="492202"/>
+                </a:lnTo>
+                <a:lnTo>
+                  <a:pt x="1763708" y="469161"/>
+                </a:lnTo>
+                <a:lnTo>
+                  <a:pt x="1875795" y="444641"/>
+                </a:lnTo>
+                <a:lnTo>
+                  <a:pt x="1989128" y="418995"/>
+                </a:lnTo>
+                <a:lnTo>
+                  <a:pt x="2102476" y="393438"/>
+                </a:lnTo>
+                <a:lnTo>
+                  <a:pt x="2215549" y="366291"/>
+                </a:lnTo>
+                <a:lnTo>
+                  <a:pt x="2330490" y="337455"/>
+                </a:lnTo>
+                <a:lnTo>
+                  <a:pt x="2443333" y="308983"/>
+                </a:lnTo>
+                <a:lnTo>
+                  <a:pt x="2558014" y="278646"/>
+                </a:lnTo>
+                <a:lnTo>
+                  <a:pt x="2673621" y="247421"/>
+                </a:lnTo>
+                <a:lnTo>
+                  <a:pt x="2787008" y="215853"/>
+                </a:lnTo>
+                <a:lnTo>
+                  <a:pt x="2901442" y="182011"/>
+                </a:lnTo>
+                <a:lnTo>
+                  <a:pt x="3015722" y="147286"/>
+                </a:lnTo>
+                <a:lnTo>
+                  <a:pt x="3130018" y="112649"/>
+                </a:lnTo>
+                <a:lnTo>
+                  <a:pt x="3243551" y="75688"/>
+                </a:lnTo>
+                <a:lnTo>
+                  <a:pt x="3356992" y="38197"/>
+                </a:lnTo>
+                <a:lnTo>
+                  <a:pt x="3470310" y="0"/>
+                </a:lnTo>
+                <a:close/>
+              </a:path>
+            </a:pathLst>
+          </a:custGeom>
+          <a:solidFill>
+            <a:schemeClr val="tx2">
+              <a:alpha val="20000"/>
+            </a:schemeClr>
+          </a:solidFill>
+          <a:ln>
+            <a:noFill/>
+          </a:ln>
+        </p:spPr>
+        <p:txBody>
+          <a:bodyPr rtlCol="0" anchor="ctr"/>
+          <a:lstStyle/>
+          <a:p>
+            <a:pPr algn="ctr"/>
+            <a:endParaRPr lang="en-US">
+              <a:solidFill>
+                <a:schemeClr val="tx1"/>
+              </a:solidFill>
+            </a:endParaRPr>
+          </a:p>
+        </p:txBody>
+      </p:sp>
+      <p:pic>
+        <p:nvPicPr>
+          <p:cNvPr id="6" name="Content Placeholder 5" descr="A picture containing object&#10;&#10;Description generated with high confidence">
+            <a:extLst>
+              <a:ext uri="{FF2B5EF4-FFF2-40B4-BE49-F238E27FC236}">
+                <a16:creationId xmlns:a16="http://schemas.microsoft.com/office/drawing/2014/main" id="{0993B50D-1BCD-41DC-8253-4F72D43AA8C2}"/>
+              </a:ext>
+            </a:extLst>
+          </p:cNvPr>
+          <p:cNvPicPr>
+            <a:picLocks noGrp="1" noChangeAspect="1"/>
+          </p:cNvPicPr>
+          <p:nvPr>
+            <p:ph idx="1"/>
+          </p:nvPr>
+        </p:nvPicPr>
+        <p:blipFill>
+          <a:blip r:embed="rId6"/>
+          <a:stretch>
+            <a:fillRect/>
+          </a:stretch>
+        </p:blipFill>
+        <p:spPr>
+          <a:xfrm>
+            <a:off x="635458" y="640081"/>
+            <a:ext cx="8229610" cy="3291844"/>
+          </a:xfrm>
+          <a:prstGeom prst="rect">
+            <a:avLst/>
+          </a:prstGeom>
+          <a:effectLst/>
+        </p:spPr>
+      </p:pic>
+      <p:sp>
+        <p:nvSpPr>
+          <p:cNvPr id="29" name="Freeform: Shape 28">
+            <a:extLst>
+              <a:ext uri="{FF2B5EF4-FFF2-40B4-BE49-F238E27FC236}">
+                <a16:creationId xmlns:a16="http://schemas.microsoft.com/office/drawing/2014/main" id="{D36F3EEA-55D4-4677-80E7-92D00B8F343B}"/>
+              </a:ext>
+            </a:extLst>
+          </p:cNvPr>
+          <p:cNvSpPr>
+            <a:spLocks noGrp="1" noRot="1" noChangeAspect="1" noMove="1" noResize="1" noEditPoints="1" noAdjustHandles="1" noChangeArrowheads="1" noChangeShapeType="1" noTextEdit="1"/>
+          </p:cNvSpPr>
+          <p:nvPr>
+            <p:extLst>
+              <p:ext uri="{386F3935-93C4-4BCD-93E2-E3B085C9AB24}">
+                <p16:designElem xmlns:p16="http://schemas.microsoft.com/office/powerpoint/2015/main" val="1"/>
+              </p:ext>
+            </p:extLst>
+          </p:nvPr>
+        </p:nvSpPr>
+        <p:spPr>
+          <a:xfrm>
+            <a:off x="0" y="4055533"/>
+            <a:ext cx="12192000" cy="2802467"/>
+          </a:xfrm>
+          <a:custGeom>
+            <a:avLst/>
+            <a:gdLst>
+              <a:gd name="connsiteX0" fmla="*/ 1 w 12192000"/>
+              <a:gd name="connsiteY0" fmla="*/ 0 h 2802467"/>
+              <a:gd name="connsiteX1" fmla="*/ 71932 w 12192000"/>
+              <a:gd name="connsiteY1" fmla="*/ 12261 h 2802467"/>
+              <a:gd name="connsiteX2" fmla="*/ 282848 w 12192000"/>
+              <a:gd name="connsiteY2" fmla="*/ 48342 h 2802467"/>
+              <a:gd name="connsiteX3" fmla="*/ 436464 w 12192000"/>
+              <a:gd name="connsiteY3" fmla="*/ 73565 h 2802467"/>
+              <a:gd name="connsiteX4" fmla="*/ 619339 w 12192000"/>
+              <a:gd name="connsiteY4" fmla="*/ 100188 h 2802467"/>
+              <a:gd name="connsiteX5" fmla="*/ 836351 w 12192000"/>
+              <a:gd name="connsiteY5" fmla="*/ 132066 h 2802467"/>
+              <a:gd name="connsiteX6" fmla="*/ 1076528 w 12192000"/>
+              <a:gd name="connsiteY6" fmla="*/ 165696 h 2802467"/>
+              <a:gd name="connsiteX7" fmla="*/ 1347183 w 12192000"/>
+              <a:gd name="connsiteY7" fmla="*/ 201077 h 2802467"/>
+              <a:gd name="connsiteX8" fmla="*/ 1642223 w 12192000"/>
+              <a:gd name="connsiteY8" fmla="*/ 238560 h 2802467"/>
+              <a:gd name="connsiteX9" fmla="*/ 1962864 w 12192000"/>
+              <a:gd name="connsiteY9" fmla="*/ 276043 h 2802467"/>
+              <a:gd name="connsiteX10" fmla="*/ 2304232 w 12192000"/>
+              <a:gd name="connsiteY10" fmla="*/ 314226 h 2802467"/>
+              <a:gd name="connsiteX11" fmla="*/ 2672421 w 12192000"/>
+              <a:gd name="connsiteY11" fmla="*/ 349608 h 2802467"/>
+              <a:gd name="connsiteX12" fmla="*/ 3057678 w 12192000"/>
+              <a:gd name="connsiteY12" fmla="*/ 383587 h 2802467"/>
+              <a:gd name="connsiteX13" fmla="*/ 3464881 w 12192000"/>
+              <a:gd name="connsiteY13" fmla="*/ 414415 h 2802467"/>
+              <a:gd name="connsiteX14" fmla="*/ 3889152 w 12192000"/>
+              <a:gd name="connsiteY14" fmla="*/ 443840 h 2802467"/>
+              <a:gd name="connsiteX15" fmla="*/ 4331710 w 12192000"/>
+              <a:gd name="connsiteY15" fmla="*/ 471515 h 2802467"/>
+              <a:gd name="connsiteX16" fmla="*/ 4558476 w 12192000"/>
+              <a:gd name="connsiteY16" fmla="*/ 481323 h 2802467"/>
+              <a:gd name="connsiteX17" fmla="*/ 4790118 w 12192000"/>
+              <a:gd name="connsiteY17" fmla="*/ 492183 h 2802467"/>
+              <a:gd name="connsiteX18" fmla="*/ 5025418 w 12192000"/>
+              <a:gd name="connsiteY18" fmla="*/ 502342 h 2802467"/>
+              <a:gd name="connsiteX19" fmla="*/ 5261937 w 12192000"/>
+              <a:gd name="connsiteY19" fmla="*/ 508998 h 2802467"/>
+              <a:gd name="connsiteX20" fmla="*/ 5503332 w 12192000"/>
+              <a:gd name="connsiteY20" fmla="*/ 514953 h 2802467"/>
+              <a:gd name="connsiteX21" fmla="*/ 5747166 w 12192000"/>
+              <a:gd name="connsiteY21" fmla="*/ 521259 h 2802467"/>
+              <a:gd name="connsiteX22" fmla="*/ 5995877 w 12192000"/>
+              <a:gd name="connsiteY22" fmla="*/ 525462 h 2802467"/>
+              <a:gd name="connsiteX23" fmla="*/ 6247026 w 12192000"/>
+              <a:gd name="connsiteY23" fmla="*/ 525462 h 2802467"/>
+              <a:gd name="connsiteX24" fmla="*/ 6500613 w 12192000"/>
+              <a:gd name="connsiteY24" fmla="*/ 527564 h 2802467"/>
+              <a:gd name="connsiteX25" fmla="*/ 6756639 w 12192000"/>
+              <a:gd name="connsiteY25" fmla="*/ 525462 h 2802467"/>
+              <a:gd name="connsiteX26" fmla="*/ 7016322 w 12192000"/>
+              <a:gd name="connsiteY26" fmla="*/ 521259 h 2802467"/>
+              <a:gd name="connsiteX27" fmla="*/ 7276005 w 12192000"/>
+              <a:gd name="connsiteY27" fmla="*/ 517405 h 2802467"/>
+              <a:gd name="connsiteX28" fmla="*/ 7539345 w 12192000"/>
+              <a:gd name="connsiteY28" fmla="*/ 508998 h 2802467"/>
+              <a:gd name="connsiteX29" fmla="*/ 7805124 w 12192000"/>
+              <a:gd name="connsiteY29" fmla="*/ 500240 h 2802467"/>
+              <a:gd name="connsiteX30" fmla="*/ 8070903 w 12192000"/>
+              <a:gd name="connsiteY30" fmla="*/ 490081 h 2802467"/>
+              <a:gd name="connsiteX31" fmla="*/ 8339121 w 12192000"/>
+              <a:gd name="connsiteY31" fmla="*/ 475719 h 2802467"/>
+              <a:gd name="connsiteX32" fmla="*/ 8609776 w 12192000"/>
+              <a:gd name="connsiteY32" fmla="*/ 458553 h 2802467"/>
+              <a:gd name="connsiteX33" fmla="*/ 8881651 w 12192000"/>
+              <a:gd name="connsiteY33" fmla="*/ 442089 h 2802467"/>
+              <a:gd name="connsiteX34" fmla="*/ 9153526 w 12192000"/>
+              <a:gd name="connsiteY34" fmla="*/ 421070 h 2802467"/>
+              <a:gd name="connsiteX35" fmla="*/ 9429058 w 12192000"/>
+              <a:gd name="connsiteY35" fmla="*/ 395848 h 2802467"/>
+              <a:gd name="connsiteX36" fmla="*/ 9700933 w 12192000"/>
+              <a:gd name="connsiteY36" fmla="*/ 370626 h 2802467"/>
+              <a:gd name="connsiteX37" fmla="*/ 9977684 w 12192000"/>
+              <a:gd name="connsiteY37" fmla="*/ 341550 h 2802467"/>
+              <a:gd name="connsiteX38" fmla="*/ 10255655 w 12192000"/>
+              <a:gd name="connsiteY38" fmla="*/ 309672 h 2802467"/>
+              <a:gd name="connsiteX39" fmla="*/ 10529968 w 12192000"/>
+              <a:gd name="connsiteY39" fmla="*/ 276043 h 2802467"/>
+              <a:gd name="connsiteX40" fmla="*/ 10807939 w 12192000"/>
+              <a:gd name="connsiteY40" fmla="*/ 236808 h 2802467"/>
+              <a:gd name="connsiteX41" fmla="*/ 11084690 w 12192000"/>
+              <a:gd name="connsiteY41" fmla="*/ 194771 h 2802467"/>
+              <a:gd name="connsiteX42" fmla="*/ 11362661 w 12192000"/>
+              <a:gd name="connsiteY42" fmla="*/ 153085 h 2802467"/>
+              <a:gd name="connsiteX43" fmla="*/ 11639412 w 12192000"/>
+              <a:gd name="connsiteY43" fmla="*/ 104392 h 2802467"/>
+              <a:gd name="connsiteX44" fmla="*/ 11914945 w 12192000"/>
+              <a:gd name="connsiteY44" fmla="*/ 54648 h 2802467"/>
+              <a:gd name="connsiteX45" fmla="*/ 12191696 w 12192000"/>
+              <a:gd name="connsiteY45" fmla="*/ 2452 h 2802467"/>
+              <a:gd name="connsiteX46" fmla="*/ 12191696 w 12192000"/>
+              <a:gd name="connsiteY46" fmla="*/ 2236410 h 2802467"/>
+              <a:gd name="connsiteX47" fmla="*/ 12192000 w 12192000"/>
+              <a:gd name="connsiteY47" fmla="*/ 2236410 h 2802467"/>
+              <a:gd name="connsiteX48" fmla="*/ 12192000 w 12192000"/>
+              <a:gd name="connsiteY48" fmla="*/ 2802467 h 2802467"/>
+              <a:gd name="connsiteX49" fmla="*/ 12191696 w 12192000"/>
+              <a:gd name="connsiteY49" fmla="*/ 2802467 h 2802467"/>
+              <a:gd name="connsiteX50" fmla="*/ 0 w 12192000"/>
+              <a:gd name="connsiteY50" fmla="*/ 2802467 h 2802467"/>
+              <a:gd name="connsiteX51" fmla="*/ 0 w 12192000"/>
+              <a:gd name="connsiteY51" fmla="*/ 2236410 h 2802467"/>
+              <a:gd name="connsiteX52" fmla="*/ 1 w 12192000"/>
+              <a:gd name="connsiteY52" fmla="*/ 2236410 h 2802467"/>
+            </a:gdLst>
+            <a:ahLst/>
+            <a:cxnLst>
+              <a:cxn ang="0">
+                <a:pos x="connsiteX0" y="connsiteY0"/>
+              </a:cxn>
+              <a:cxn ang="0">
+                <a:pos x="connsiteX1" y="connsiteY1"/>
+              </a:cxn>
+              <a:cxn ang="0">
+                <a:pos x="connsiteX2" y="connsiteY2"/>
+              </a:cxn>
+              <a:cxn ang="0">
+                <a:pos x="connsiteX3" y="connsiteY3"/>
+              </a:cxn>
+              <a:cxn ang="0">
+                <a:pos x="connsiteX4" y="connsiteY4"/>
+              </a:cxn>
+              <a:cxn ang="0">
+                <a:pos x="connsiteX5" y="connsiteY5"/>
+              </a:cxn>
+              <a:cxn ang="0">
+                <a:pos x="connsiteX6" y="connsiteY6"/>
+              </a:cxn>
+              <a:cxn ang="0">
+                <a:pos x="connsiteX7" y="connsiteY7"/>
+              </a:cxn>
+              <a:cxn ang="0">
+                <a:pos x="connsiteX8" y="connsiteY8"/>
+              </a:cxn>
+              <a:cxn ang="0">
+                <a:pos x="connsiteX9" y="connsiteY9"/>
+              </a:cxn>
+              <a:cxn ang="0">
+                <a:pos x="connsiteX10" y="connsiteY10"/>
+              </a:cxn>
+              <a:cxn ang="0">
+                <a:pos x="connsiteX11" y="connsiteY11"/>
+              </a:cxn>
+              <a:cxn ang="0">
+                <a:pos x="connsiteX12" y="connsiteY12"/>
+              </a:cxn>
+              <a:cxn ang="0">
+                <a:pos x="connsiteX13" y="connsiteY13"/>
+              </a:cxn>
+              <a:cxn ang="0">
+                <a:pos x="connsiteX14" y="connsiteY14"/>
+              </a:cxn>
+              <a:cxn ang="0">
+                <a:pos x="connsiteX15" y="connsiteY15"/>
+              </a:cxn>
+              <a:cxn ang="0">
+                <a:pos x="connsiteX16" y="connsiteY16"/>
+              </a:cxn>
+              <a:cxn ang="0">
+                <a:pos x="connsiteX17" y="connsiteY17"/>
+              </a:cxn>
+              <a:cxn ang="0">
+                <a:pos x="connsiteX18" y="connsiteY18"/>
+              </a:cxn>
+              <a:cxn ang="0">
+                <a:pos x="connsiteX19" y="connsiteY19"/>
+              </a:cxn>
+              <a:cxn ang="0">
+                <a:pos x="connsiteX20" y="connsiteY20"/>
+              </a:cxn>
+              <a:cxn ang="0">
+                <a:pos x="connsiteX21" y="connsiteY21"/>
+              </a:cxn>
+              <a:cxn ang="0">
+                <a:pos x="connsiteX22" y="connsiteY22"/>
+              </a:cxn>
+              <a:cxn ang="0">
+                <a:pos x="connsiteX23" y="connsiteY23"/>
+              </a:cxn>
+              <a:cxn ang="0">
+                <a:pos x="connsiteX24" y="connsiteY24"/>
+              </a:cxn>
+              <a:cxn ang="0">
+                <a:pos x="connsiteX25" y="connsiteY25"/>
+              </a:cxn>
+              <a:cxn ang="0">
+                <a:pos x="connsiteX26" y="connsiteY26"/>
+              </a:cxn>
+              <a:cxn ang="0">
+                <a:pos x="connsiteX27" y="connsiteY27"/>
+              </a:cxn>
+              <a:cxn ang="0">
+                <a:pos x="connsiteX28" y="connsiteY28"/>
+              </a:cxn>
+              <a:cxn ang="0">
+                <a:pos x="connsiteX29" y="connsiteY29"/>
+              </a:cxn>
+              <a:cxn ang="0">
+                <a:pos x="connsiteX30" y="connsiteY30"/>
+              </a:cxn>
+              <a:cxn ang="0">
+                <a:pos x="connsiteX31" y="connsiteY31"/>
+              </a:cxn>
+              <a:cxn ang="0">
+                <a:pos x="connsiteX32" y="connsiteY32"/>
+              </a:cxn>
+              <a:cxn ang="0">
+                <a:pos x="connsiteX33" y="connsiteY33"/>
+              </a:cxn>
+              <a:cxn ang="0">
+                <a:pos x="connsiteX34" y="connsiteY34"/>
+              </a:cxn>
+              <a:cxn ang="0">
+                <a:pos x="connsiteX35" y="connsiteY35"/>
+              </a:cxn>
+              <a:cxn ang="0">
+                <a:pos x="connsiteX36" y="connsiteY36"/>
+              </a:cxn>
+              <a:cxn ang="0">
+                <a:pos x="connsiteX37" y="connsiteY37"/>
+              </a:cxn>
+              <a:cxn ang="0">
+                <a:pos x="connsiteX38" y="connsiteY38"/>
+              </a:cxn>
+              <a:cxn ang="0">
+                <a:pos x="connsiteX39" y="connsiteY39"/>
+              </a:cxn>
+              <a:cxn ang="0">
+                <a:pos x="connsiteX40" y="connsiteY40"/>
+              </a:cxn>
+              <a:cxn ang="0">
+                <a:pos x="connsiteX41" y="connsiteY41"/>
+              </a:cxn>
+              <a:cxn ang="0">
+                <a:pos x="connsiteX42" y="connsiteY42"/>
+              </a:cxn>
+              <a:cxn ang="0">
+                <a:pos x="connsiteX43" y="connsiteY43"/>
+              </a:cxn>
+              <a:cxn ang="0">
+                <a:pos x="connsiteX44" y="connsiteY44"/>
+              </a:cxn>
+              <a:cxn ang="0">
+                <a:pos x="connsiteX45" y="connsiteY45"/>
+              </a:cxn>
+              <a:cxn ang="0">
+                <a:pos x="connsiteX46" y="connsiteY46"/>
+              </a:cxn>
+              <a:cxn ang="0">
+                <a:pos x="connsiteX47" y="connsiteY47"/>
+              </a:cxn>
+              <a:cxn ang="0">
+                <a:pos x="connsiteX48" y="connsiteY48"/>
+              </a:cxn>
+              <a:cxn ang="0">
+                <a:pos x="connsiteX49" y="connsiteY49"/>
+              </a:cxn>
+              <a:cxn ang="0">
+                <a:pos x="connsiteX50" y="connsiteY50"/>
+              </a:cxn>
+              <a:cxn ang="0">
+                <a:pos x="connsiteX51" y="connsiteY51"/>
+              </a:cxn>
+              <a:cxn ang="0">
+                <a:pos x="connsiteX52" y="connsiteY52"/>
+              </a:cxn>
+            </a:cxnLst>
+            <a:rect l="l" t="t" r="r" b="b"/>
+            <a:pathLst>
+              <a:path w="12192000" h="2802467">
+                <a:moveTo>
+                  <a:pt x="1" y="0"/>
+                </a:moveTo>
+                <a:lnTo>
+                  <a:pt x="71932" y="12261"/>
+                </a:lnTo>
+                <a:lnTo>
+                  <a:pt x="282848" y="48342"/>
+                </a:lnTo>
+                <a:lnTo>
+                  <a:pt x="436464" y="73565"/>
+                </a:lnTo>
+                <a:lnTo>
+                  <a:pt x="619339" y="100188"/>
+                </a:lnTo>
+                <a:lnTo>
+                  <a:pt x="836351" y="132066"/>
+                </a:lnTo>
+                <a:lnTo>
+                  <a:pt x="1076528" y="165696"/>
+                </a:lnTo>
+                <a:lnTo>
+                  <a:pt x="1347183" y="201077"/>
+                </a:lnTo>
+                <a:lnTo>
+                  <a:pt x="1642223" y="238560"/>
+                </a:lnTo>
+                <a:lnTo>
+                  <a:pt x="1962864" y="276043"/>
+                </a:lnTo>
+                <a:lnTo>
+                  <a:pt x="2304232" y="314226"/>
+                </a:lnTo>
+                <a:lnTo>
+                  <a:pt x="2672421" y="349608"/>
+                </a:lnTo>
+                <a:lnTo>
+                  <a:pt x="3057678" y="383587"/>
+                </a:lnTo>
+                <a:lnTo>
+                  <a:pt x="3464881" y="414415"/>
+                </a:lnTo>
+                <a:lnTo>
+                  <a:pt x="3889152" y="443840"/>
+                </a:lnTo>
+                <a:lnTo>
+                  <a:pt x="4331710" y="471515"/>
+                </a:lnTo>
+                <a:lnTo>
+                  <a:pt x="4558476" y="481323"/>
+                </a:lnTo>
+                <a:lnTo>
+                  <a:pt x="4790118" y="492183"/>
+                </a:lnTo>
+                <a:lnTo>
+                  <a:pt x="5025418" y="502342"/>
+                </a:lnTo>
+                <a:lnTo>
+                  <a:pt x="5261937" y="508998"/>
+                </a:lnTo>
+                <a:lnTo>
+                  <a:pt x="5503332" y="514953"/>
+                </a:lnTo>
+                <a:lnTo>
+                  <a:pt x="5747166" y="521259"/>
+                </a:lnTo>
+                <a:lnTo>
+                  <a:pt x="5995877" y="525462"/>
+                </a:lnTo>
+                <a:lnTo>
+                  <a:pt x="6247026" y="525462"/>
+                </a:lnTo>
+                <a:lnTo>
+                  <a:pt x="6500613" y="527564"/>
+                </a:lnTo>
+                <a:lnTo>
+                  <a:pt x="6756639" y="525462"/>
+                </a:lnTo>
+                <a:lnTo>
+                  <a:pt x="7016322" y="521259"/>
+                </a:lnTo>
+                <a:lnTo>
+                  <a:pt x="7276005" y="517405"/>
+                </a:lnTo>
+                <a:lnTo>
+                  <a:pt x="7539345" y="508998"/>
+                </a:lnTo>
+                <a:lnTo>
+                  <a:pt x="7805124" y="500240"/>
+                </a:lnTo>
+                <a:lnTo>
+                  <a:pt x="8070903" y="490081"/>
+                </a:lnTo>
+                <a:lnTo>
+                  <a:pt x="8339121" y="475719"/>
+                </a:lnTo>
+                <a:lnTo>
+                  <a:pt x="8609776" y="458553"/>
+                </a:lnTo>
+                <a:lnTo>
+                  <a:pt x="8881651" y="442089"/>
+                </a:lnTo>
+                <a:lnTo>
+                  <a:pt x="9153526" y="421070"/>
+                </a:lnTo>
+                <a:lnTo>
+                  <a:pt x="9429058" y="395848"/>
+                </a:lnTo>
+                <a:lnTo>
+                  <a:pt x="9700933" y="370626"/>
+                </a:lnTo>
+                <a:lnTo>
+                  <a:pt x="9977684" y="341550"/>
+                </a:lnTo>
+                <a:lnTo>
+                  <a:pt x="10255655" y="309672"/>
+                </a:lnTo>
+                <a:lnTo>
+                  <a:pt x="10529968" y="276043"/>
+                </a:lnTo>
+                <a:lnTo>
+                  <a:pt x="10807939" y="236808"/>
+                </a:lnTo>
+                <a:lnTo>
+                  <a:pt x="11084690" y="194771"/>
+                </a:lnTo>
+                <a:lnTo>
+                  <a:pt x="11362661" y="153085"/>
+                </a:lnTo>
+                <a:lnTo>
+                  <a:pt x="11639412" y="104392"/>
+                </a:lnTo>
+                <a:lnTo>
+                  <a:pt x="11914945" y="54648"/>
+                </a:lnTo>
+                <a:lnTo>
+                  <a:pt x="12191696" y="2452"/>
+                </a:lnTo>
+                <a:lnTo>
+                  <a:pt x="12191696" y="2236410"/>
+                </a:lnTo>
+                <a:lnTo>
+                  <a:pt x="12192000" y="2236410"/>
+                </a:lnTo>
+                <a:lnTo>
+                  <a:pt x="12192000" y="2802467"/>
+                </a:lnTo>
+                <a:lnTo>
+                  <a:pt x="12191696" y="2802467"/>
+                </a:lnTo>
+                <a:lnTo>
+                  <a:pt x="0" y="2802467"/>
+                </a:lnTo>
+                <a:lnTo>
+                  <a:pt x="0" y="2236410"/>
+                </a:lnTo>
+                <a:lnTo>
+                  <a:pt x="1" y="2236410"/>
+                </a:lnTo>
+                <a:close/>
+              </a:path>
+            </a:pathLst>
+          </a:custGeom>
+          <a:ln>
+            <a:noFill/>
+          </a:ln>
+        </p:spPr>
+        <p:style>
+          <a:lnRef idx="2">
+            <a:schemeClr val="accent1">
+              <a:shade val="50000"/>
+            </a:schemeClr>
+          </a:lnRef>
+          <a:fillRef idx="1003">
+            <a:schemeClr val="dk2"/>
+          </a:fillRef>
+          <a:effectRef idx="0">
+            <a:schemeClr val="accent1"/>
+          </a:effectRef>
+          <a:fontRef idx="minor">
+            <a:schemeClr val="lt1"/>
+          </a:fontRef>
+        </p:style>
+        <p:txBody>
+          <a:bodyPr rtlCol="0" anchor="ctr"/>
+          <a:lstStyle/>
+          <a:p>
+            <a:pPr algn="ctr"/>
+            <a:endParaRPr lang="en-US"/>
+          </a:p>
+        </p:txBody>
+      </p:sp>
+      <p:sp>
+        <p:nvSpPr>
+          <p:cNvPr id="2" name="Title 1">
+            <a:extLst>
+              <a:ext uri="{FF2B5EF4-FFF2-40B4-BE49-F238E27FC236}">
+                <a16:creationId xmlns:a16="http://schemas.microsoft.com/office/drawing/2014/main" id="{9EF5BAA5-332B-4887-A4FD-12FCDCD5CA3C}"/>
+              </a:ext>
+            </a:extLst>
+          </p:cNvPr>
+          <p:cNvSpPr>
+            <a:spLocks noGrp="1"/>
+          </p:cNvSpPr>
+          <p:nvPr>
+            <p:ph type="title"/>
+          </p:nvPr>
+        </p:nvSpPr>
+        <p:spPr>
+          <a:xfrm>
+            <a:off x="704675" y="4953401"/>
+            <a:ext cx="9205881" cy="1258348"/>
+          </a:xfrm>
+        </p:spPr>
+        <p:txBody>
+          <a:bodyPr vert="horz" lIns="91440" tIns="45720" rIns="91440" bIns="45720" rtlCol="0" anchor="b">
+            <a:normAutofit fontScale="90000"/>
+          </a:bodyPr>
+          <a:lstStyle/>
+          <a:p>
+            <a:r>
+              <a:rPr lang="en-US" sz="4800" dirty="0">
+                <a:solidFill>
+                  <a:srgbClr val="EBEBEB"/>
+                </a:solidFill>
+              </a:rPr>
+              <a:t>"the maximum variance" and "the minimum error"</a:t>
+            </a:r>
+            <a:endParaRPr lang="en-US" sz="4800" b="0" i="0" kern="1200" dirty="0">
+              <a:solidFill>
+                <a:srgbClr val="EBEBEB"/>
+              </a:solidFill>
+              <a:latin typeface="+mj-lt"/>
+              <a:ea typeface="+mj-ea"/>
+              <a:cs typeface="+mj-cs"/>
+            </a:endParaRPr>
+          </a:p>
+        </p:txBody>
+      </p:sp>
+      <p:sp>
+        <p:nvSpPr>
+          <p:cNvPr id="4" name="Slide Number Placeholder 3">
+            <a:extLst>
+              <a:ext uri="{FF2B5EF4-FFF2-40B4-BE49-F238E27FC236}">
+                <a16:creationId xmlns:a16="http://schemas.microsoft.com/office/drawing/2014/main" id="{063EDFD0-E4B9-4BDA-A7DA-3570148AA636}"/>
+              </a:ext>
+            </a:extLst>
+          </p:cNvPr>
+          <p:cNvSpPr>
+            <a:spLocks noGrp="1"/>
+          </p:cNvSpPr>
+          <p:nvPr>
+            <p:ph type="sldNum" sz="quarter" idx="12"/>
+          </p:nvPr>
+        </p:nvSpPr>
+        <p:spPr>
+          <a:xfrm>
+            <a:off x="10352540" y="295729"/>
+            <a:ext cx="838199" cy="767687"/>
+          </a:xfrm>
+        </p:spPr>
+        <p:txBody>
+          <a:bodyPr vert="horz" lIns="91440" tIns="45720" rIns="91440" bIns="45720" rtlCol="0" anchor="b">
+            <a:normAutofit/>
+          </a:bodyPr>
+          <a:lstStyle/>
+          <a:p>
+            <a:pPr defTabSz="914400">
+              <a:spcAft>
+                <a:spcPts val="600"/>
+              </a:spcAft>
+            </a:pPr>
+            <a:fld id="{D57F1E4F-1CFF-5643-939E-02111984F565}" type="slidenum">
+              <a:rPr lang="en-US">
+                <a:solidFill>
+                  <a:srgbClr val="FFFFFF"/>
+                </a:solidFill>
+              </a:rPr>
+              <a:pPr defTabSz="914400">
+                <a:spcAft>
+                  <a:spcPts val="600"/>
+                </a:spcAft>
+              </a:pPr>
+              <a:t>6</a:t>
+            </a:fld>
+            <a:endParaRPr lang="en-US">
+              <a:solidFill>
+                <a:srgbClr val="FFFFFF"/>
+              </a:solidFill>
+            </a:endParaRPr>
+          </a:p>
+        </p:txBody>
+      </p:sp>
+    </p:spTree>
+    <p:extLst>
+      <p:ext uri="{BB962C8B-B14F-4D97-AF65-F5344CB8AC3E}">
+        <p14:creationId xmlns:p14="http://schemas.microsoft.com/office/powerpoint/2010/main" val="4096500625"/>
+      </p:ext>
+    </p:extLst>
+  </p:cSld>
+  <p:clrMapOvr>
+    <a:overrideClrMapping bg1="lt1" tx1="dk1" bg2="lt2" tx2="dk2" accent1="accent1" accent2="accent2" accent3="accent3" accent4="accent4" accent5="accent5" accent6="accent6" hlink="hlink" folHlink="folHlink"/>
+  </p:clrMapOvr>
+</p:sld>
+</file>
+
+<file path=ppt/slides/slide7.xml><?xml version="1.0" encoding="utf-8"?>
+<p:sld xmlns:a="http://schemas.openxmlformats.org/drawingml/2006/main" xmlns:r="http://schemas.openxmlformats.org/officeDocument/2006/relationships" xmlns:p="http://schemas.openxmlformats.org/presentationml/2006/main">
+  <p:cSld>
+    <p:bg>
+      <p:bgPr>
         <a:gradFill rotWithShape="1">
           <a:gsLst>
             <a:gs pos="0">
@@ -15668,7 +17101,7 @@
                   <a:spcPts val="600"/>
                 </a:spcAft>
               </a:pPr>
-              <a:t>6</a:t>
+              <a:t>7</a:t>
             </a:fld>
             <a:endParaRPr lang="en-US" b="0" i="0" kern="1200">
               <a:solidFill>

--- a/Review1/iPCA - Review 1.pptx
+++ b/Review1/iPCA - Review 1.pptx
@@ -5,16 +5,17 @@
     <p:sldMasterId id="2147483648" r:id="rId1"/>
   </p:sldMasterIdLst>
   <p:notesMasterIdLst>
-    <p:notesMasterId r:id="rId9"/>
+    <p:notesMasterId r:id="rId10"/>
   </p:notesMasterIdLst>
   <p:sldIdLst>
     <p:sldId id="256" r:id="rId2"/>
     <p:sldId id="257" r:id="rId3"/>
     <p:sldId id="258" r:id="rId4"/>
     <p:sldId id="259" r:id="rId5"/>
-    <p:sldId id="260" r:id="rId6"/>
-    <p:sldId id="262" r:id="rId7"/>
-    <p:sldId id="261" r:id="rId8"/>
+    <p:sldId id="262" r:id="rId6"/>
+    <p:sldId id="260" r:id="rId7"/>
+    <p:sldId id="263" r:id="rId8"/>
+    <p:sldId id="261" r:id="rId9"/>
   </p:sldIdLst>
   <p:sldSz cx="12192000" cy="6858000"/>
   <p:notesSz cx="6858000" cy="9144000"/>
@@ -12842,1419 +12843,6 @@
   <p:cSld>
     <p:bg>
       <p:bgPr>
-        <a:blipFill rotWithShape="1">
-          <a:blip r:embed="rId2">
-            <a:duotone>
-              <a:schemeClr val="bg2">
-                <a:shade val="69000"/>
-                <a:hueMod val="108000"/>
-                <a:satMod val="164000"/>
-                <a:lumMod val="74000"/>
-              </a:schemeClr>
-              <a:schemeClr val="bg2">
-                <a:tint val="96000"/>
-                <a:hueMod val="88000"/>
-                <a:satMod val="140000"/>
-                <a:lumMod val="132000"/>
-              </a:schemeClr>
-            </a:duotone>
-            <a:extLst/>
-          </a:blip>
-          <a:stretch/>
-        </a:blipFill>
-        <a:effectLst/>
-      </p:bgPr>
-    </p:bg>
-    <p:spTree>
-      <p:nvGrpSpPr>
-        <p:cNvPr id="1" name=""/>
-        <p:cNvGrpSpPr/>
-        <p:nvPr/>
-      </p:nvGrpSpPr>
-      <p:grpSpPr>
-        <a:xfrm>
-          <a:off x="0" y="0"/>
-          <a:ext cx="0" cy="0"/>
-          <a:chOff x="0" y="0"/>
-          <a:chExt cx="0" cy="0"/>
-        </a:xfrm>
-      </p:grpSpPr>
-      <p:sp>
-        <p:nvSpPr>
-          <p:cNvPr id="9" name="Rectangle 8">
-            <a:extLst>
-              <a:ext uri="{FF2B5EF4-FFF2-40B4-BE49-F238E27FC236}">
-                <a16:creationId xmlns:a16="http://schemas.microsoft.com/office/drawing/2014/main" id="{052BEFF1-896C-45B1-B02C-96A6A1BC389A}"/>
-              </a:ext>
-            </a:extLst>
-          </p:cNvPr>
-          <p:cNvSpPr>
-            <a:spLocks noGrp="1" noRot="1" noChangeAspect="1" noMove="1" noResize="1" noEditPoints="1" noAdjustHandles="1" noChangeArrowheads="1" noChangeShapeType="1" noTextEdit="1"/>
-          </p:cNvSpPr>
-          <p:nvPr>
-            <p:extLst>
-              <p:ext uri="{386F3935-93C4-4BCD-93E2-E3B085C9AB24}">
-                <p16:designElem xmlns:p16="http://schemas.microsoft.com/office/powerpoint/2015/main" val="1"/>
-              </p:ext>
-            </p:extLst>
-          </p:nvPr>
-        </p:nvSpPr>
-        <p:spPr>
-          <a:xfrm>
-            <a:off x="1" y="0"/>
-            <a:ext cx="12192000" cy="6858000"/>
-          </a:xfrm>
-          <a:prstGeom prst="rect">
-            <a:avLst/>
-          </a:prstGeom>
-          <a:solidFill>
-            <a:schemeClr val="tx2"/>
-          </a:solidFill>
-          <a:ln>
-            <a:noFill/>
-          </a:ln>
-        </p:spPr>
-        <p:style>
-          <a:lnRef idx="2">
-            <a:schemeClr val="accent1">
-              <a:shade val="50000"/>
-            </a:schemeClr>
-          </a:lnRef>
-          <a:fillRef idx="1003">
-            <a:schemeClr val="dk2"/>
-          </a:fillRef>
-          <a:effectRef idx="0">
-            <a:schemeClr val="accent1"/>
-          </a:effectRef>
-          <a:fontRef idx="minor">
-            <a:schemeClr val="lt1"/>
-          </a:fontRef>
-        </p:style>
-        <p:txBody>
-          <a:bodyPr rtlCol="0" anchor="ctr"/>
-          <a:lstStyle/>
-          <a:p>
-            <a:pPr marL="0" marR="0" lvl="0" indent="0" algn="ctr" defTabSz="457200" rtl="0" eaLnBrk="1" fontAlgn="auto" latinLnBrk="0" hangingPunct="1">
-              <a:lnSpc>
-                <a:spcPct val="100000"/>
-              </a:lnSpc>
-              <a:spcBef>
-                <a:spcPts val="0"/>
-              </a:spcBef>
-              <a:spcAft>
-                <a:spcPts val="0"/>
-              </a:spcAft>
-              <a:buClrTx/>
-              <a:buSzTx/>
-              <a:buFontTx/>
-              <a:buNone/>
-              <a:tabLst/>
-              <a:defRPr/>
-            </a:pPr>
-            <a:endParaRPr kumimoji="0" lang="en-US" sz="1800" b="0" i="0" u="none" strike="noStrike" kern="1200" cap="none" spc="0" normalizeH="0" baseline="0" noProof="0">
-              <a:ln>
-                <a:noFill/>
-              </a:ln>
-              <a:solidFill>
-                <a:prstClr val="white"/>
-              </a:solidFill>
-              <a:effectLst/>
-              <a:uLnTx/>
-              <a:uFillTx/>
-              <a:latin typeface="Century Gothic" panose="020B0502020202020204"/>
-              <a:ea typeface="+mn-ea"/>
-              <a:cs typeface="+mn-cs"/>
-            </a:endParaRPr>
-          </a:p>
-        </p:txBody>
-      </p:sp>
-      <p:sp>
-        <p:nvSpPr>
-          <p:cNvPr id="32" name="Freeform 36">
-            <a:extLst>
-              <a:ext uri="{FF2B5EF4-FFF2-40B4-BE49-F238E27FC236}">
-                <a16:creationId xmlns:a16="http://schemas.microsoft.com/office/drawing/2014/main" id="{BB237A14-61B1-4C00-A670-5D8D68A8668E}"/>
-              </a:ext>
-            </a:extLst>
-          </p:cNvPr>
-          <p:cNvSpPr>
-            <a:spLocks noGrp="1" noRot="1" noChangeAspect="1" noMove="1" noResize="1" noEditPoints="1" noAdjustHandles="1" noChangeArrowheads="1" noChangeShapeType="1" noTextEdit="1"/>
-          </p:cNvSpPr>
-          <p:nvPr>
-            <p:extLst>
-              <p:ext uri="{386F3935-93C4-4BCD-93E2-E3B085C9AB24}">
-                <p16:designElem xmlns:p16="http://schemas.microsoft.com/office/powerpoint/2015/main" val="1"/>
-              </p:ext>
-            </p:extLst>
-          </p:nvPr>
-        </p:nvSpPr>
-        <p:spPr>
-          <a:xfrm flipH="1">
-            <a:off x="4644637" y="0"/>
-            <a:ext cx="559472" cy="3709642"/>
-          </a:xfrm>
-          <a:custGeom>
-            <a:avLst/>
-            <a:gdLst>
-              <a:gd name="connsiteX0" fmla="*/ 0 w 559472"/>
-              <a:gd name="connsiteY0" fmla="*/ 0 h 3709642"/>
-              <a:gd name="connsiteX1" fmla="*/ 473952 w 559472"/>
-              <a:gd name="connsiteY1" fmla="*/ 0 h 3709642"/>
-              <a:gd name="connsiteX2" fmla="*/ 485840 w 559472"/>
-              <a:gd name="connsiteY2" fmla="*/ 161194 h 3709642"/>
-              <a:gd name="connsiteX3" fmla="*/ 523949 w 559472"/>
-              <a:gd name="connsiteY3" fmla="*/ 3672197 h 3709642"/>
-              <a:gd name="connsiteX4" fmla="*/ 454748 w 559472"/>
-              <a:gd name="connsiteY4" fmla="*/ 3709642 h 3709642"/>
-              <a:gd name="connsiteX5" fmla="*/ 448224 w 559472"/>
-              <a:gd name="connsiteY5" fmla="*/ 3510471 h 3709642"/>
-              <a:gd name="connsiteX6" fmla="*/ 443564 w 559472"/>
-              <a:gd name="connsiteY6" fmla="*/ 3408563 h 3709642"/>
-              <a:gd name="connsiteX7" fmla="*/ 438902 w 559472"/>
-              <a:gd name="connsiteY7" fmla="*/ 3304407 h 3709642"/>
-              <a:gd name="connsiteX8" fmla="*/ 433941 w 559472"/>
-              <a:gd name="connsiteY8" fmla="*/ 3198777 h 3709642"/>
-              <a:gd name="connsiteX9" fmla="*/ 427584 w 559472"/>
-              <a:gd name="connsiteY9" fmla="*/ 3092510 h 3709642"/>
-              <a:gd name="connsiteX10" fmla="*/ 420988 w 559472"/>
-              <a:gd name="connsiteY10" fmla="*/ 2984390 h 3709642"/>
-              <a:gd name="connsiteX11" fmla="*/ 414330 w 559472"/>
-              <a:gd name="connsiteY11" fmla="*/ 2874401 h 3709642"/>
-              <a:gd name="connsiteX12" fmla="*/ 406840 w 559472"/>
-              <a:gd name="connsiteY12" fmla="*/ 2762980 h 3709642"/>
-              <a:gd name="connsiteX13" fmla="*/ 397745 w 559472"/>
-              <a:gd name="connsiteY13" fmla="*/ 2650566 h 3709642"/>
-              <a:gd name="connsiteX14" fmla="*/ 389154 w 559472"/>
-              <a:gd name="connsiteY14" fmla="*/ 2536612 h 3709642"/>
-              <a:gd name="connsiteX15" fmla="*/ 379225 w 559472"/>
-              <a:gd name="connsiteY15" fmla="*/ 2421642 h 3709642"/>
-              <a:gd name="connsiteX16" fmla="*/ 368316 w 559472"/>
-              <a:gd name="connsiteY16" fmla="*/ 2305627 h 3709642"/>
-              <a:gd name="connsiteX17" fmla="*/ 357466 w 559472"/>
-              <a:gd name="connsiteY17" fmla="*/ 2189233 h 3709642"/>
-              <a:gd name="connsiteX18" fmla="*/ 344982 w 559472"/>
-              <a:gd name="connsiteY18" fmla="*/ 2071473 h 3709642"/>
-              <a:gd name="connsiteX19" fmla="*/ 332466 w 559472"/>
-              <a:gd name="connsiteY19" fmla="*/ 1952216 h 3709642"/>
-              <a:gd name="connsiteX20" fmla="*/ 319121 w 559472"/>
-              <a:gd name="connsiteY20" fmla="*/ 1833776 h 3709642"/>
-              <a:gd name="connsiteX21" fmla="*/ 304408 w 559472"/>
-              <a:gd name="connsiteY21" fmla="*/ 1713948 h 3709642"/>
-              <a:gd name="connsiteX22" fmla="*/ 288685 w 559472"/>
-              <a:gd name="connsiteY22" fmla="*/ 1592703 h 3709642"/>
-              <a:gd name="connsiteX23" fmla="*/ 273050 w 559472"/>
-              <a:gd name="connsiteY23" fmla="*/ 1471451 h 3709642"/>
-              <a:gd name="connsiteX24" fmla="*/ 255813 w 559472"/>
-              <a:gd name="connsiteY24" fmla="*/ 1350328 h 3709642"/>
-              <a:gd name="connsiteX25" fmla="*/ 237060 w 559472"/>
-              <a:gd name="connsiteY25" fmla="*/ 1227080 h 3709642"/>
-              <a:gd name="connsiteX26" fmla="*/ 218488 w 559472"/>
-              <a:gd name="connsiteY26" fmla="*/ 1106065 h 3709642"/>
-              <a:gd name="connsiteX27" fmla="*/ 198221 w 559472"/>
-              <a:gd name="connsiteY27" fmla="*/ 982940 h 3709642"/>
-              <a:gd name="connsiteX28" fmla="*/ 177152 w 559472"/>
-              <a:gd name="connsiteY28" fmla="*/ 858755 h 3709642"/>
-              <a:gd name="connsiteX29" fmla="*/ 155551 w 559472"/>
-              <a:gd name="connsiteY29" fmla="*/ 736861 h 3709642"/>
-              <a:gd name="connsiteX30" fmla="*/ 131782 w 559472"/>
-              <a:gd name="connsiteY30" fmla="*/ 613645 h 3709642"/>
-              <a:gd name="connsiteX31" fmla="*/ 107123 w 559472"/>
-              <a:gd name="connsiteY31" fmla="*/ 490500 h 3709642"/>
-              <a:gd name="connsiteX32" fmla="*/ 82552 w 559472"/>
-              <a:gd name="connsiteY32" fmla="*/ 367348 h 3709642"/>
-              <a:gd name="connsiteX33" fmla="*/ 55608 w 559472"/>
-              <a:gd name="connsiteY33" fmla="*/ 244762 h 3709642"/>
-              <a:gd name="connsiteX34" fmla="*/ 28130 w 559472"/>
-              <a:gd name="connsiteY34" fmla="*/ 122220 h 3709642"/>
-              <a:gd name="connsiteX35" fmla="*/ 0 w 559472"/>
-              <a:gd name="connsiteY35" fmla="*/ 0 h 3709642"/>
-            </a:gdLst>
-            <a:ahLst/>
-            <a:cxnLst>
-              <a:cxn ang="0">
-                <a:pos x="connsiteX0" y="connsiteY0"/>
-              </a:cxn>
-              <a:cxn ang="0">
-                <a:pos x="connsiteX1" y="connsiteY1"/>
-              </a:cxn>
-              <a:cxn ang="0">
-                <a:pos x="connsiteX2" y="connsiteY2"/>
-              </a:cxn>
-              <a:cxn ang="0">
-                <a:pos x="connsiteX3" y="connsiteY3"/>
-              </a:cxn>
-              <a:cxn ang="0">
-                <a:pos x="connsiteX4" y="connsiteY4"/>
-              </a:cxn>
-              <a:cxn ang="0">
-                <a:pos x="connsiteX5" y="connsiteY5"/>
-              </a:cxn>
-              <a:cxn ang="0">
-                <a:pos x="connsiteX6" y="connsiteY6"/>
-              </a:cxn>
-              <a:cxn ang="0">
-                <a:pos x="connsiteX7" y="connsiteY7"/>
-              </a:cxn>
-              <a:cxn ang="0">
-                <a:pos x="connsiteX8" y="connsiteY8"/>
-              </a:cxn>
-              <a:cxn ang="0">
-                <a:pos x="connsiteX9" y="connsiteY9"/>
-              </a:cxn>
-              <a:cxn ang="0">
-                <a:pos x="connsiteX10" y="connsiteY10"/>
-              </a:cxn>
-              <a:cxn ang="0">
-                <a:pos x="connsiteX11" y="connsiteY11"/>
-              </a:cxn>
-              <a:cxn ang="0">
-                <a:pos x="connsiteX12" y="connsiteY12"/>
-              </a:cxn>
-              <a:cxn ang="0">
-                <a:pos x="connsiteX13" y="connsiteY13"/>
-              </a:cxn>
-              <a:cxn ang="0">
-                <a:pos x="connsiteX14" y="connsiteY14"/>
-              </a:cxn>
-              <a:cxn ang="0">
-                <a:pos x="connsiteX15" y="connsiteY15"/>
-              </a:cxn>
-              <a:cxn ang="0">
-                <a:pos x="connsiteX16" y="connsiteY16"/>
-              </a:cxn>
-              <a:cxn ang="0">
-                <a:pos x="connsiteX17" y="connsiteY17"/>
-              </a:cxn>
-              <a:cxn ang="0">
-                <a:pos x="connsiteX18" y="connsiteY18"/>
-              </a:cxn>
-              <a:cxn ang="0">
-                <a:pos x="connsiteX19" y="connsiteY19"/>
-              </a:cxn>
-              <a:cxn ang="0">
-                <a:pos x="connsiteX20" y="connsiteY20"/>
-              </a:cxn>
-              <a:cxn ang="0">
-                <a:pos x="connsiteX21" y="connsiteY21"/>
-              </a:cxn>
-              <a:cxn ang="0">
-                <a:pos x="connsiteX22" y="connsiteY22"/>
-              </a:cxn>
-              <a:cxn ang="0">
-                <a:pos x="connsiteX23" y="connsiteY23"/>
-              </a:cxn>
-              <a:cxn ang="0">
-                <a:pos x="connsiteX24" y="connsiteY24"/>
-              </a:cxn>
-              <a:cxn ang="0">
-                <a:pos x="connsiteX25" y="connsiteY25"/>
-              </a:cxn>
-              <a:cxn ang="0">
-                <a:pos x="connsiteX26" y="connsiteY26"/>
-              </a:cxn>
-              <a:cxn ang="0">
-                <a:pos x="connsiteX27" y="connsiteY27"/>
-              </a:cxn>
-              <a:cxn ang="0">
-                <a:pos x="connsiteX28" y="connsiteY28"/>
-              </a:cxn>
-              <a:cxn ang="0">
-                <a:pos x="connsiteX29" y="connsiteY29"/>
-              </a:cxn>
-              <a:cxn ang="0">
-                <a:pos x="connsiteX30" y="connsiteY30"/>
-              </a:cxn>
-              <a:cxn ang="0">
-                <a:pos x="connsiteX31" y="connsiteY31"/>
-              </a:cxn>
-              <a:cxn ang="0">
-                <a:pos x="connsiteX32" y="connsiteY32"/>
-              </a:cxn>
-              <a:cxn ang="0">
-                <a:pos x="connsiteX33" y="connsiteY33"/>
-              </a:cxn>
-              <a:cxn ang="0">
-                <a:pos x="connsiteX34" y="connsiteY34"/>
-              </a:cxn>
-              <a:cxn ang="0">
-                <a:pos x="connsiteX35" y="connsiteY35"/>
-              </a:cxn>
-            </a:cxnLst>
-            <a:rect l="l" t="t" r="r" b="b"/>
-            <a:pathLst>
-              <a:path w="559472" h="3709642">
-                <a:moveTo>
-                  <a:pt x="0" y="0"/>
-                </a:moveTo>
-                <a:lnTo>
-                  <a:pt x="473952" y="0"/>
-                </a:lnTo>
-                <a:lnTo>
-                  <a:pt x="485840" y="161194"/>
-                </a:lnTo>
-                <a:cubicBezTo>
-                  <a:pt x="552063" y="1147770"/>
-                  <a:pt x="592441" y="3086737"/>
-                  <a:pt x="523949" y="3672197"/>
-                </a:cubicBezTo>
-                <a:cubicBezTo>
-                  <a:pt x="500842" y="3684557"/>
-                  <a:pt x="477855" y="3697282"/>
-                  <a:pt x="454748" y="3709642"/>
-                </a:cubicBezTo>
-                <a:lnTo>
-                  <a:pt x="448224" y="3510471"/>
-                </a:lnTo>
-                <a:lnTo>
-                  <a:pt x="443564" y="3408563"/>
-                </a:lnTo>
-                <a:lnTo>
-                  <a:pt x="438902" y="3304407"/>
-                </a:lnTo>
-                <a:lnTo>
-                  <a:pt x="433941" y="3198777"/>
-                </a:lnTo>
-                <a:lnTo>
-                  <a:pt x="427584" y="3092510"/>
-                </a:lnTo>
-                <a:lnTo>
-                  <a:pt x="420988" y="2984390"/>
-                </a:lnTo>
-                <a:lnTo>
-                  <a:pt x="414330" y="2874401"/>
-                </a:lnTo>
-                <a:lnTo>
-                  <a:pt x="406840" y="2762980"/>
-                </a:lnTo>
-                <a:lnTo>
-                  <a:pt x="397745" y="2650566"/>
-                </a:lnTo>
-                <a:lnTo>
-                  <a:pt x="389154" y="2536612"/>
-                </a:lnTo>
-                <a:lnTo>
-                  <a:pt x="379225" y="2421642"/>
-                </a:lnTo>
-                <a:lnTo>
-                  <a:pt x="368316" y="2305627"/>
-                </a:lnTo>
-                <a:lnTo>
-                  <a:pt x="357466" y="2189233"/>
-                </a:lnTo>
-                <a:lnTo>
-                  <a:pt x="344982" y="2071473"/>
-                </a:lnTo>
-                <a:lnTo>
-                  <a:pt x="332466" y="1952216"/>
-                </a:lnTo>
-                <a:lnTo>
-                  <a:pt x="319121" y="1833776"/>
-                </a:lnTo>
-                <a:lnTo>
-                  <a:pt x="304408" y="1713948"/>
-                </a:lnTo>
-                <a:lnTo>
-                  <a:pt x="288685" y="1592703"/>
-                </a:lnTo>
-                <a:lnTo>
-                  <a:pt x="273050" y="1471451"/>
-                </a:lnTo>
-                <a:lnTo>
-                  <a:pt x="255813" y="1350328"/>
-                </a:lnTo>
-                <a:lnTo>
-                  <a:pt x="237060" y="1227080"/>
-                </a:lnTo>
-                <a:lnTo>
-                  <a:pt x="218488" y="1106065"/>
-                </a:lnTo>
-                <a:lnTo>
-                  <a:pt x="198221" y="982940"/>
-                </a:lnTo>
-                <a:lnTo>
-                  <a:pt x="177152" y="858755"/>
-                </a:lnTo>
-                <a:lnTo>
-                  <a:pt x="155551" y="736861"/>
-                </a:lnTo>
-                <a:lnTo>
-                  <a:pt x="131782" y="613645"/>
-                </a:lnTo>
-                <a:lnTo>
-                  <a:pt x="107123" y="490500"/>
-                </a:lnTo>
-                <a:lnTo>
-                  <a:pt x="82552" y="367348"/>
-                </a:lnTo>
-                <a:lnTo>
-                  <a:pt x="55608" y="244762"/>
-                </a:lnTo>
-                <a:lnTo>
-                  <a:pt x="28130" y="122220"/>
-                </a:lnTo>
-                <a:lnTo>
-                  <a:pt x="0" y="0"/>
-                </a:lnTo>
-                <a:close/>
-              </a:path>
-            </a:pathLst>
-          </a:custGeom>
-          <a:solidFill>
-            <a:schemeClr val="bg2">
-              <a:alpha val="20000"/>
-            </a:schemeClr>
-          </a:solidFill>
-          <a:ln>
-            <a:noFill/>
-          </a:ln>
-        </p:spPr>
-        <p:txBody>
-          <a:bodyPr rtlCol="0" anchor="ctr"/>
-          <a:lstStyle/>
-          <a:p>
-            <a:pPr marL="0" marR="0" lvl="0" indent="0" algn="ctr" defTabSz="457200" rtl="0" eaLnBrk="1" fontAlgn="auto" latinLnBrk="0" hangingPunct="1">
-              <a:lnSpc>
-                <a:spcPct val="100000"/>
-              </a:lnSpc>
-              <a:spcBef>
-                <a:spcPts val="0"/>
-              </a:spcBef>
-              <a:spcAft>
-                <a:spcPts val="0"/>
-              </a:spcAft>
-              <a:buClrTx/>
-              <a:buSzTx/>
-              <a:buFontTx/>
-              <a:buNone/>
-              <a:tabLst/>
-              <a:defRPr/>
-            </a:pPr>
-            <a:endParaRPr kumimoji="0" lang="en-US" sz="1800" b="0" i="0" u="none" strike="noStrike" kern="1200" cap="none" spc="0" normalizeH="0" baseline="0" noProof="0">
-              <a:ln>
-                <a:noFill/>
-              </a:ln>
-              <a:solidFill>
-                <a:prstClr val="white"/>
-              </a:solidFill>
-              <a:effectLst/>
-              <a:uLnTx/>
-              <a:uFillTx/>
-              <a:latin typeface="Century Gothic" panose="020B0502020202020204"/>
-              <a:ea typeface="+mn-ea"/>
-              <a:cs typeface="+mn-cs"/>
-            </a:endParaRPr>
-          </a:p>
-        </p:txBody>
-      </p:sp>
-      <p:sp>
-        <p:nvSpPr>
-          <p:cNvPr id="33" name="Rectangle 12">
-            <a:extLst>
-              <a:ext uri="{FF2B5EF4-FFF2-40B4-BE49-F238E27FC236}">
-                <a16:creationId xmlns:a16="http://schemas.microsoft.com/office/drawing/2014/main" id="{0BA768A8-4FED-4ED8-9E46-6BE72188ECD2}"/>
-              </a:ext>
-            </a:extLst>
-          </p:cNvPr>
-          <p:cNvSpPr>
-            <a:spLocks noGrp="1" noRot="1" noChangeAspect="1" noMove="1" noResize="1" noEditPoints="1" noAdjustHandles="1" noChangeArrowheads="1" noChangeShapeType="1" noTextEdit="1"/>
-          </p:cNvSpPr>
-          <p:nvPr>
-            <p:extLst>
-              <p:ext uri="{386F3935-93C4-4BCD-93E2-E3B085C9AB24}">
-                <p16:designElem xmlns:p16="http://schemas.microsoft.com/office/powerpoint/2015/main" val="1"/>
-              </p:ext>
-            </p:extLst>
-          </p:nvPr>
-        </p:nvSpPr>
-        <p:spPr>
-          <a:xfrm>
-            <a:off x="10437812" y="0"/>
-            <a:ext cx="685800" cy="1143000"/>
-          </a:xfrm>
-          <a:prstGeom prst="rect">
-            <a:avLst/>
-          </a:prstGeom>
-          <a:solidFill>
-            <a:schemeClr val="accent1"/>
-          </a:solidFill>
-          <a:ln>
-            <a:noFill/>
-          </a:ln>
-        </p:spPr>
-        <p:style>
-          <a:lnRef idx="1">
-            <a:schemeClr val="accent1"/>
-          </a:lnRef>
-          <a:fillRef idx="3">
-            <a:schemeClr val="accent1"/>
-          </a:fillRef>
-          <a:effectRef idx="2">
-            <a:schemeClr val="accent1"/>
-          </a:effectRef>
-          <a:fontRef idx="minor">
-            <a:schemeClr val="lt1"/>
-          </a:fontRef>
-        </p:style>
-      </p:sp>
-      <p:sp useBgFill="1">
-        <p:nvSpPr>
-          <p:cNvPr id="34" name="Freeform: Shape 14">
-            <a:extLst>
-              <a:ext uri="{FF2B5EF4-FFF2-40B4-BE49-F238E27FC236}">
-                <a16:creationId xmlns:a16="http://schemas.microsoft.com/office/drawing/2014/main" id="{8598F259-6F54-47A3-8D13-1603D786A328}"/>
-              </a:ext>
-            </a:extLst>
-          </p:cNvPr>
-          <p:cNvSpPr>
-            <a:spLocks noGrp="1" noRot="1" noChangeAspect="1" noMove="1" noResize="1" noEditPoints="1" noAdjustHandles="1" noChangeArrowheads="1" noChangeShapeType="1" noTextEdit="1"/>
-          </p:cNvSpPr>
-          <p:nvPr>
-            <p:extLst>
-              <p:ext uri="{386F3935-93C4-4BCD-93E2-E3B085C9AB24}">
-                <p16:designElem xmlns:p16="http://schemas.microsoft.com/office/powerpoint/2015/main" val="1"/>
-              </p:ext>
-            </p:extLst>
-          </p:nvPr>
-        </p:nvSpPr>
-        <p:spPr>
-          <a:xfrm>
-            <a:off x="1" y="1"/>
-            <a:ext cx="4990911" cy="6858001"/>
-          </a:xfrm>
-          <a:custGeom>
-            <a:avLst/>
-            <a:gdLst>
-              <a:gd name="connsiteX0" fmla="*/ 3646196 w 4990911"/>
-              <a:gd name="connsiteY0" fmla="*/ 0 h 6858001"/>
-              <a:gd name="connsiteX1" fmla="*/ 4989734 w 4990911"/>
-              <a:gd name="connsiteY1" fmla="*/ 0 h 6858001"/>
-              <a:gd name="connsiteX2" fmla="*/ 4964689 w 4990911"/>
-              <a:gd name="connsiteY2" fmla="*/ 155677 h 6858001"/>
-              <a:gd name="connsiteX3" fmla="*/ 4940820 w 4990911"/>
-              <a:gd name="connsiteY3" fmla="*/ 310668 h 6858001"/>
-              <a:gd name="connsiteX4" fmla="*/ 4917456 w 4990911"/>
-              <a:gd name="connsiteY4" fmla="*/ 466344 h 6858001"/>
-              <a:gd name="connsiteX5" fmla="*/ 4897453 w 4990911"/>
-              <a:gd name="connsiteY5" fmla="*/ 622707 h 6858001"/>
-              <a:gd name="connsiteX6" fmla="*/ 4877282 w 4990911"/>
-              <a:gd name="connsiteY6" fmla="*/ 778383 h 6858001"/>
-              <a:gd name="connsiteX7" fmla="*/ 4858456 w 4990911"/>
-              <a:gd name="connsiteY7" fmla="*/ 934746 h 6858001"/>
-              <a:gd name="connsiteX8" fmla="*/ 4842320 w 4990911"/>
-              <a:gd name="connsiteY8" fmla="*/ 1089051 h 6858001"/>
-              <a:gd name="connsiteX9" fmla="*/ 4827024 w 4990911"/>
-              <a:gd name="connsiteY9" fmla="*/ 1245413 h 6858001"/>
-              <a:gd name="connsiteX10" fmla="*/ 4813072 w 4990911"/>
-              <a:gd name="connsiteY10" fmla="*/ 1401090 h 6858001"/>
-              <a:gd name="connsiteX11" fmla="*/ 4800970 w 4990911"/>
-              <a:gd name="connsiteY11" fmla="*/ 1554023 h 6858001"/>
-              <a:gd name="connsiteX12" fmla="*/ 4788867 w 4990911"/>
-              <a:gd name="connsiteY12" fmla="*/ 1709014 h 6858001"/>
-              <a:gd name="connsiteX13" fmla="*/ 4778782 w 4990911"/>
-              <a:gd name="connsiteY13" fmla="*/ 1861947 h 6858001"/>
-              <a:gd name="connsiteX14" fmla="*/ 4770882 w 4990911"/>
-              <a:gd name="connsiteY14" fmla="*/ 2014881 h 6858001"/>
-              <a:gd name="connsiteX15" fmla="*/ 4762645 w 4990911"/>
-              <a:gd name="connsiteY15" fmla="*/ 2167128 h 6858001"/>
-              <a:gd name="connsiteX16" fmla="*/ 4755754 w 4990911"/>
-              <a:gd name="connsiteY16" fmla="*/ 2318004 h 6858001"/>
-              <a:gd name="connsiteX17" fmla="*/ 4750879 w 4990911"/>
-              <a:gd name="connsiteY17" fmla="*/ 2467509 h 6858001"/>
-              <a:gd name="connsiteX18" fmla="*/ 4746677 w 4990911"/>
-              <a:gd name="connsiteY18" fmla="*/ 2617013 h 6858001"/>
-              <a:gd name="connsiteX19" fmla="*/ 4742643 w 4990911"/>
-              <a:gd name="connsiteY19" fmla="*/ 2765146 h 6858001"/>
-              <a:gd name="connsiteX20" fmla="*/ 4740794 w 4990911"/>
-              <a:gd name="connsiteY20" fmla="*/ 2911221 h 6858001"/>
-              <a:gd name="connsiteX21" fmla="*/ 4738777 w 4990911"/>
-              <a:gd name="connsiteY21" fmla="*/ 3057297 h 6858001"/>
-              <a:gd name="connsiteX22" fmla="*/ 4737768 w 4990911"/>
-              <a:gd name="connsiteY22" fmla="*/ 3201315 h 6858001"/>
-              <a:gd name="connsiteX23" fmla="*/ 4738777 w 4990911"/>
-              <a:gd name="connsiteY23" fmla="*/ 3343961 h 6858001"/>
-              <a:gd name="connsiteX24" fmla="*/ 4738777 w 4990911"/>
-              <a:gd name="connsiteY24" fmla="*/ 3485236 h 6858001"/>
-              <a:gd name="connsiteX25" fmla="*/ 4740794 w 4990911"/>
-              <a:gd name="connsiteY25" fmla="*/ 3625139 h 6858001"/>
-              <a:gd name="connsiteX26" fmla="*/ 4743819 w 4990911"/>
-              <a:gd name="connsiteY26" fmla="*/ 3762299 h 6858001"/>
-              <a:gd name="connsiteX27" fmla="*/ 4746677 w 4990911"/>
-              <a:gd name="connsiteY27" fmla="*/ 3898087 h 6858001"/>
-              <a:gd name="connsiteX28" fmla="*/ 4749871 w 4990911"/>
-              <a:gd name="connsiteY28" fmla="*/ 4031133 h 6858001"/>
-              <a:gd name="connsiteX29" fmla="*/ 4754745 w 4990911"/>
-              <a:gd name="connsiteY29" fmla="*/ 4163492 h 6858001"/>
-              <a:gd name="connsiteX30" fmla="*/ 4759956 w 4990911"/>
-              <a:gd name="connsiteY30" fmla="*/ 4293793 h 6858001"/>
-              <a:gd name="connsiteX31" fmla="*/ 4764662 w 4990911"/>
-              <a:gd name="connsiteY31" fmla="*/ 4421352 h 6858001"/>
-              <a:gd name="connsiteX32" fmla="*/ 4777942 w 4990911"/>
-              <a:gd name="connsiteY32" fmla="*/ 4670298 h 6858001"/>
-              <a:gd name="connsiteX33" fmla="*/ 4792061 w 4990911"/>
-              <a:gd name="connsiteY33" fmla="*/ 4908956 h 6858001"/>
-              <a:gd name="connsiteX34" fmla="*/ 4806853 w 4990911"/>
-              <a:gd name="connsiteY34" fmla="*/ 5138013 h 6858001"/>
-              <a:gd name="connsiteX35" fmla="*/ 4823158 w 4990911"/>
-              <a:gd name="connsiteY35" fmla="*/ 5354726 h 6858001"/>
-              <a:gd name="connsiteX36" fmla="*/ 4840135 w 4990911"/>
-              <a:gd name="connsiteY36" fmla="*/ 5561838 h 6858001"/>
-              <a:gd name="connsiteX37" fmla="*/ 4858456 w 4990911"/>
-              <a:gd name="connsiteY37" fmla="*/ 5753862 h 6858001"/>
-              <a:gd name="connsiteX38" fmla="*/ 4876442 w 4990911"/>
-              <a:gd name="connsiteY38" fmla="*/ 5934227 h 6858001"/>
-              <a:gd name="connsiteX39" fmla="*/ 4894427 w 4990911"/>
-              <a:gd name="connsiteY39" fmla="*/ 6100191 h 6858001"/>
-              <a:gd name="connsiteX40" fmla="*/ 4911404 w 4990911"/>
-              <a:gd name="connsiteY40" fmla="*/ 6252438 h 6858001"/>
-              <a:gd name="connsiteX41" fmla="*/ 4927541 w 4990911"/>
-              <a:gd name="connsiteY41" fmla="*/ 6387541 h 6858001"/>
-              <a:gd name="connsiteX42" fmla="*/ 4942837 w 4990911"/>
-              <a:gd name="connsiteY42" fmla="*/ 6509613 h 6858001"/>
-              <a:gd name="connsiteX43" fmla="*/ 4955612 w 4990911"/>
-              <a:gd name="connsiteY43" fmla="*/ 6612483 h 6858001"/>
-              <a:gd name="connsiteX44" fmla="*/ 4967714 w 4990911"/>
-              <a:gd name="connsiteY44" fmla="*/ 6698894 h 6858001"/>
-              <a:gd name="connsiteX45" fmla="*/ 4985028 w 4990911"/>
-              <a:gd name="connsiteY45" fmla="*/ 6817538 h 6858001"/>
-              <a:gd name="connsiteX46" fmla="*/ 4990911 w 4990911"/>
-              <a:gd name="connsiteY46" fmla="*/ 6858000 h 6858001"/>
-              <a:gd name="connsiteX47" fmla="*/ 4085557 w 4990911"/>
-              <a:gd name="connsiteY47" fmla="*/ 6858000 h 6858001"/>
-              <a:gd name="connsiteX48" fmla="*/ 4085557 w 4990911"/>
-              <a:gd name="connsiteY48" fmla="*/ 6858001 h 6858001"/>
-              <a:gd name="connsiteX49" fmla="*/ 0 w 4990911"/>
-              <a:gd name="connsiteY49" fmla="*/ 6858001 h 6858001"/>
-              <a:gd name="connsiteX50" fmla="*/ 0 w 4990911"/>
-              <a:gd name="connsiteY50" fmla="*/ 1 h 6858001"/>
-              <a:gd name="connsiteX51" fmla="*/ 3646196 w 4990911"/>
-              <a:gd name="connsiteY51" fmla="*/ 1 h 6858001"/>
-            </a:gdLst>
-            <a:ahLst/>
-            <a:cxnLst>
-              <a:cxn ang="0">
-                <a:pos x="connsiteX0" y="connsiteY0"/>
-              </a:cxn>
-              <a:cxn ang="0">
-                <a:pos x="connsiteX1" y="connsiteY1"/>
-              </a:cxn>
-              <a:cxn ang="0">
-                <a:pos x="connsiteX2" y="connsiteY2"/>
-              </a:cxn>
-              <a:cxn ang="0">
-                <a:pos x="connsiteX3" y="connsiteY3"/>
-              </a:cxn>
-              <a:cxn ang="0">
-                <a:pos x="connsiteX4" y="connsiteY4"/>
-              </a:cxn>
-              <a:cxn ang="0">
-                <a:pos x="connsiteX5" y="connsiteY5"/>
-              </a:cxn>
-              <a:cxn ang="0">
-                <a:pos x="connsiteX6" y="connsiteY6"/>
-              </a:cxn>
-              <a:cxn ang="0">
-                <a:pos x="connsiteX7" y="connsiteY7"/>
-              </a:cxn>
-              <a:cxn ang="0">
-                <a:pos x="connsiteX8" y="connsiteY8"/>
-              </a:cxn>
-              <a:cxn ang="0">
-                <a:pos x="connsiteX9" y="connsiteY9"/>
-              </a:cxn>
-              <a:cxn ang="0">
-                <a:pos x="connsiteX10" y="connsiteY10"/>
-              </a:cxn>
-              <a:cxn ang="0">
-                <a:pos x="connsiteX11" y="connsiteY11"/>
-              </a:cxn>
-              <a:cxn ang="0">
-                <a:pos x="connsiteX12" y="connsiteY12"/>
-              </a:cxn>
-              <a:cxn ang="0">
-                <a:pos x="connsiteX13" y="connsiteY13"/>
-              </a:cxn>
-              <a:cxn ang="0">
-                <a:pos x="connsiteX14" y="connsiteY14"/>
-              </a:cxn>
-              <a:cxn ang="0">
-                <a:pos x="connsiteX15" y="connsiteY15"/>
-              </a:cxn>
-              <a:cxn ang="0">
-                <a:pos x="connsiteX16" y="connsiteY16"/>
-              </a:cxn>
-              <a:cxn ang="0">
-                <a:pos x="connsiteX17" y="connsiteY17"/>
-              </a:cxn>
-              <a:cxn ang="0">
-                <a:pos x="connsiteX18" y="connsiteY18"/>
-              </a:cxn>
-              <a:cxn ang="0">
-                <a:pos x="connsiteX19" y="connsiteY19"/>
-              </a:cxn>
-              <a:cxn ang="0">
-                <a:pos x="connsiteX20" y="connsiteY20"/>
-              </a:cxn>
-              <a:cxn ang="0">
-                <a:pos x="connsiteX21" y="connsiteY21"/>
-              </a:cxn>
-              <a:cxn ang="0">
-                <a:pos x="connsiteX22" y="connsiteY22"/>
-              </a:cxn>
-              <a:cxn ang="0">
-                <a:pos x="connsiteX23" y="connsiteY23"/>
-              </a:cxn>
-              <a:cxn ang="0">
-                <a:pos x="connsiteX24" y="connsiteY24"/>
-              </a:cxn>
-              <a:cxn ang="0">
-                <a:pos x="connsiteX25" y="connsiteY25"/>
-              </a:cxn>
-              <a:cxn ang="0">
-                <a:pos x="connsiteX26" y="connsiteY26"/>
-              </a:cxn>
-              <a:cxn ang="0">
-                <a:pos x="connsiteX27" y="connsiteY27"/>
-              </a:cxn>
-              <a:cxn ang="0">
-                <a:pos x="connsiteX28" y="connsiteY28"/>
-              </a:cxn>
-              <a:cxn ang="0">
-                <a:pos x="connsiteX29" y="connsiteY29"/>
-              </a:cxn>
-              <a:cxn ang="0">
-                <a:pos x="connsiteX30" y="connsiteY30"/>
-              </a:cxn>
-              <a:cxn ang="0">
-                <a:pos x="connsiteX31" y="connsiteY31"/>
-              </a:cxn>
-              <a:cxn ang="0">
-                <a:pos x="connsiteX32" y="connsiteY32"/>
-              </a:cxn>
-              <a:cxn ang="0">
-                <a:pos x="connsiteX33" y="connsiteY33"/>
-              </a:cxn>
-              <a:cxn ang="0">
-                <a:pos x="connsiteX34" y="connsiteY34"/>
-              </a:cxn>
-              <a:cxn ang="0">
-                <a:pos x="connsiteX35" y="connsiteY35"/>
-              </a:cxn>
-              <a:cxn ang="0">
-                <a:pos x="connsiteX36" y="connsiteY36"/>
-              </a:cxn>
-              <a:cxn ang="0">
-                <a:pos x="connsiteX37" y="connsiteY37"/>
-              </a:cxn>
-              <a:cxn ang="0">
-                <a:pos x="connsiteX38" y="connsiteY38"/>
-              </a:cxn>
-              <a:cxn ang="0">
-                <a:pos x="connsiteX39" y="connsiteY39"/>
-              </a:cxn>
-              <a:cxn ang="0">
-                <a:pos x="connsiteX40" y="connsiteY40"/>
-              </a:cxn>
-              <a:cxn ang="0">
-                <a:pos x="connsiteX41" y="connsiteY41"/>
-              </a:cxn>
-              <a:cxn ang="0">
-                <a:pos x="connsiteX42" y="connsiteY42"/>
-              </a:cxn>
-              <a:cxn ang="0">
-                <a:pos x="connsiteX43" y="connsiteY43"/>
-              </a:cxn>
-              <a:cxn ang="0">
-                <a:pos x="connsiteX44" y="connsiteY44"/>
-              </a:cxn>
-              <a:cxn ang="0">
-                <a:pos x="connsiteX45" y="connsiteY45"/>
-              </a:cxn>
-              <a:cxn ang="0">
-                <a:pos x="connsiteX46" y="connsiteY46"/>
-              </a:cxn>
-              <a:cxn ang="0">
-                <a:pos x="connsiteX47" y="connsiteY47"/>
-              </a:cxn>
-              <a:cxn ang="0">
-                <a:pos x="connsiteX48" y="connsiteY48"/>
-              </a:cxn>
-              <a:cxn ang="0">
-                <a:pos x="connsiteX49" y="connsiteY49"/>
-              </a:cxn>
-              <a:cxn ang="0">
-                <a:pos x="connsiteX50" y="connsiteY50"/>
-              </a:cxn>
-              <a:cxn ang="0">
-                <a:pos x="connsiteX51" y="connsiteY51"/>
-              </a:cxn>
-            </a:cxnLst>
-            <a:rect l="l" t="t" r="r" b="b"/>
-            <a:pathLst>
-              <a:path w="4990911" h="6858001">
-                <a:moveTo>
-                  <a:pt x="3646196" y="0"/>
-                </a:moveTo>
-                <a:lnTo>
-                  <a:pt x="4989734" y="0"/>
-                </a:lnTo>
-                <a:lnTo>
-                  <a:pt x="4964689" y="155677"/>
-                </a:lnTo>
-                <a:lnTo>
-                  <a:pt x="4940820" y="310668"/>
-                </a:lnTo>
-                <a:lnTo>
-                  <a:pt x="4917456" y="466344"/>
-                </a:lnTo>
-                <a:lnTo>
-                  <a:pt x="4897453" y="622707"/>
-                </a:lnTo>
-                <a:lnTo>
-                  <a:pt x="4877282" y="778383"/>
-                </a:lnTo>
-                <a:lnTo>
-                  <a:pt x="4858456" y="934746"/>
-                </a:lnTo>
-                <a:lnTo>
-                  <a:pt x="4842320" y="1089051"/>
-                </a:lnTo>
-                <a:lnTo>
-                  <a:pt x="4827024" y="1245413"/>
-                </a:lnTo>
-                <a:lnTo>
-                  <a:pt x="4813072" y="1401090"/>
-                </a:lnTo>
-                <a:lnTo>
-                  <a:pt x="4800970" y="1554023"/>
-                </a:lnTo>
-                <a:lnTo>
-                  <a:pt x="4788867" y="1709014"/>
-                </a:lnTo>
-                <a:lnTo>
-                  <a:pt x="4778782" y="1861947"/>
-                </a:lnTo>
-                <a:lnTo>
-                  <a:pt x="4770882" y="2014881"/>
-                </a:lnTo>
-                <a:lnTo>
-                  <a:pt x="4762645" y="2167128"/>
-                </a:lnTo>
-                <a:lnTo>
-                  <a:pt x="4755754" y="2318004"/>
-                </a:lnTo>
-                <a:lnTo>
-                  <a:pt x="4750879" y="2467509"/>
-                </a:lnTo>
-                <a:lnTo>
-                  <a:pt x="4746677" y="2617013"/>
-                </a:lnTo>
-                <a:lnTo>
-                  <a:pt x="4742643" y="2765146"/>
-                </a:lnTo>
-                <a:lnTo>
-                  <a:pt x="4740794" y="2911221"/>
-                </a:lnTo>
-                <a:lnTo>
-                  <a:pt x="4738777" y="3057297"/>
-                </a:lnTo>
-                <a:lnTo>
-                  <a:pt x="4737768" y="3201315"/>
-                </a:lnTo>
-                <a:lnTo>
-                  <a:pt x="4738777" y="3343961"/>
-                </a:lnTo>
-                <a:lnTo>
-                  <a:pt x="4738777" y="3485236"/>
-                </a:lnTo>
-                <a:lnTo>
-                  <a:pt x="4740794" y="3625139"/>
-                </a:lnTo>
-                <a:lnTo>
-                  <a:pt x="4743819" y="3762299"/>
-                </a:lnTo>
-                <a:lnTo>
-                  <a:pt x="4746677" y="3898087"/>
-                </a:lnTo>
-                <a:lnTo>
-                  <a:pt x="4749871" y="4031133"/>
-                </a:lnTo>
-                <a:lnTo>
-                  <a:pt x="4754745" y="4163492"/>
-                </a:lnTo>
-                <a:lnTo>
-                  <a:pt x="4759956" y="4293793"/>
-                </a:lnTo>
-                <a:lnTo>
-                  <a:pt x="4764662" y="4421352"/>
-                </a:lnTo>
-                <a:lnTo>
-                  <a:pt x="4777942" y="4670298"/>
-                </a:lnTo>
-                <a:lnTo>
-                  <a:pt x="4792061" y="4908956"/>
-                </a:lnTo>
-                <a:lnTo>
-                  <a:pt x="4806853" y="5138013"/>
-                </a:lnTo>
-                <a:lnTo>
-                  <a:pt x="4823158" y="5354726"/>
-                </a:lnTo>
-                <a:lnTo>
-                  <a:pt x="4840135" y="5561838"/>
-                </a:lnTo>
-                <a:lnTo>
-                  <a:pt x="4858456" y="5753862"/>
-                </a:lnTo>
-                <a:lnTo>
-                  <a:pt x="4876442" y="5934227"/>
-                </a:lnTo>
-                <a:lnTo>
-                  <a:pt x="4894427" y="6100191"/>
-                </a:lnTo>
-                <a:lnTo>
-                  <a:pt x="4911404" y="6252438"/>
-                </a:lnTo>
-                <a:lnTo>
-                  <a:pt x="4927541" y="6387541"/>
-                </a:lnTo>
-                <a:lnTo>
-                  <a:pt x="4942837" y="6509613"/>
-                </a:lnTo>
-                <a:lnTo>
-                  <a:pt x="4955612" y="6612483"/>
-                </a:lnTo>
-                <a:lnTo>
-                  <a:pt x="4967714" y="6698894"/>
-                </a:lnTo>
-                <a:lnTo>
-                  <a:pt x="4985028" y="6817538"/>
-                </a:lnTo>
-                <a:lnTo>
-                  <a:pt x="4990911" y="6858000"/>
-                </a:lnTo>
-                <a:lnTo>
-                  <a:pt x="4085557" y="6858000"/>
-                </a:lnTo>
-                <a:lnTo>
-                  <a:pt x="4085557" y="6858001"/>
-                </a:lnTo>
-                <a:lnTo>
-                  <a:pt x="0" y="6858001"/>
-                </a:lnTo>
-                <a:lnTo>
-                  <a:pt x="0" y="1"/>
-                </a:lnTo>
-                <a:lnTo>
-                  <a:pt x="3646196" y="1"/>
-                </a:lnTo>
-                <a:close/>
-              </a:path>
-            </a:pathLst>
-          </a:custGeom>
-          <a:ln>
-            <a:noFill/>
-          </a:ln>
-        </p:spPr>
-        <p:style>
-          <a:lnRef idx="2">
-            <a:schemeClr val="accent1">
-              <a:shade val="50000"/>
-            </a:schemeClr>
-          </a:lnRef>
-          <a:fillRef idx="1">
-            <a:schemeClr val="accent1"/>
-          </a:fillRef>
-          <a:effectRef idx="0">
-            <a:schemeClr val="accent1"/>
-          </a:effectRef>
-          <a:fontRef idx="minor">
-            <a:schemeClr val="lt1"/>
-          </a:fontRef>
-        </p:style>
-        <p:txBody>
-          <a:bodyPr rtlCol="0" anchor="ctr"/>
-          <a:lstStyle/>
-          <a:p>
-            <a:pPr marL="0" marR="0" lvl="0" indent="0" algn="ctr" defTabSz="457200" rtl="0" eaLnBrk="1" fontAlgn="auto" latinLnBrk="0" hangingPunct="1">
-              <a:lnSpc>
-                <a:spcPct val="100000"/>
-              </a:lnSpc>
-              <a:spcBef>
-                <a:spcPts val="0"/>
-              </a:spcBef>
-              <a:spcAft>
-                <a:spcPts val="0"/>
-              </a:spcAft>
-              <a:buClrTx/>
-              <a:buSzTx/>
-              <a:buFontTx/>
-              <a:buNone/>
-              <a:tabLst/>
-              <a:defRPr/>
-            </a:pPr>
-            <a:endParaRPr kumimoji="0" lang="en-US" sz="1800" b="0" i="0" u="none" strike="noStrike" kern="1200" cap="none" spc="0" normalizeH="0" baseline="0" noProof="0">
-              <a:ln>
-                <a:noFill/>
-              </a:ln>
-              <a:solidFill>
-                <a:prstClr val="white"/>
-              </a:solidFill>
-              <a:effectLst/>
-              <a:uLnTx/>
-              <a:uFillTx/>
-              <a:latin typeface="Century Gothic" panose="020B0502020202020204"/>
-              <a:ea typeface="+mn-ea"/>
-              <a:cs typeface="+mn-cs"/>
-            </a:endParaRPr>
-          </a:p>
-        </p:txBody>
-      </p:sp>
-      <p:sp>
-        <p:nvSpPr>
-          <p:cNvPr id="2" name="Title 1">
-            <a:extLst>
-              <a:ext uri="{FF2B5EF4-FFF2-40B4-BE49-F238E27FC236}">
-                <a16:creationId xmlns:a16="http://schemas.microsoft.com/office/drawing/2014/main" id="{48AF56DE-BDD1-479A-9867-A27AB1861B43}"/>
-              </a:ext>
-            </a:extLst>
-          </p:cNvPr>
-          <p:cNvSpPr>
-            <a:spLocks noGrp="1"/>
-          </p:cNvSpPr>
-          <p:nvPr>
-            <p:ph type="title"/>
-          </p:nvPr>
-        </p:nvSpPr>
-        <p:spPr>
-          <a:xfrm>
-            <a:off x="143451" y="1645919"/>
-            <a:ext cx="4501186" cy="4470821"/>
-          </a:xfrm>
-        </p:spPr>
-        <p:txBody>
-          <a:bodyPr>
-            <a:normAutofit/>
-          </a:bodyPr>
-          <a:lstStyle/>
-          <a:p>
-            <a:pPr algn="r"/>
-            <a:r>
-              <a:rPr lang="en-US" dirty="0"/>
-              <a:t>Progress</a:t>
-            </a:r>
-            <a:br>
-              <a:rPr lang="en-US" dirty="0"/>
-            </a:br>
-            <a:r>
-              <a:rPr lang="en-US" dirty="0"/>
-              <a:t>(Tools and first implementation)</a:t>
-            </a:r>
-          </a:p>
-        </p:txBody>
-      </p:sp>
-      <p:sp>
-        <p:nvSpPr>
-          <p:cNvPr id="3" name="Content Placeholder 2">
-            <a:extLst>
-              <a:ext uri="{FF2B5EF4-FFF2-40B4-BE49-F238E27FC236}">
-                <a16:creationId xmlns:a16="http://schemas.microsoft.com/office/drawing/2014/main" id="{8FA43D5E-BD24-44DA-B5A7-EF933FAE97BA}"/>
-              </a:ext>
-            </a:extLst>
-          </p:cNvPr>
-          <p:cNvSpPr>
-            <a:spLocks noGrp="1"/>
-          </p:cNvSpPr>
-          <p:nvPr>
-            <p:ph idx="1"/>
-          </p:nvPr>
-        </p:nvSpPr>
-        <p:spPr>
-          <a:xfrm>
-            <a:off x="5204109" y="1645920"/>
-            <a:ext cx="5919503" cy="4470821"/>
-          </a:xfrm>
-        </p:spPr>
-        <p:txBody>
-          <a:bodyPr>
-            <a:normAutofit fontScale="92500" lnSpcReduction="10000"/>
-          </a:bodyPr>
-          <a:lstStyle/>
-          <a:p>
-            <a:r>
-              <a:rPr lang="en-US" dirty="0" err="1">
-                <a:solidFill>
-                  <a:schemeClr val="bg1"/>
-                </a:solidFill>
-              </a:rPr>
-              <a:t>PyCharm</a:t>
-            </a:r>
-            <a:r>
-              <a:rPr lang="en-US" dirty="0">
-                <a:solidFill>
-                  <a:schemeClr val="bg1"/>
-                </a:solidFill>
-              </a:rPr>
-              <a:t> and PyQt5.</a:t>
-            </a:r>
-          </a:p>
-          <a:p>
-            <a:r>
-              <a:rPr lang="en-US" dirty="0">
-                <a:solidFill>
-                  <a:schemeClr val="bg1"/>
-                </a:solidFill>
-              </a:rPr>
-              <a:t>Basic knowledge gained of integrating </a:t>
-            </a:r>
-            <a:r>
-              <a:rPr lang="en-US" dirty="0" err="1">
-                <a:solidFill>
-                  <a:schemeClr val="bg1"/>
-                </a:solidFill>
-              </a:rPr>
-              <a:t>edittexts</a:t>
-            </a:r>
-            <a:r>
-              <a:rPr lang="en-US" dirty="0">
-                <a:solidFill>
-                  <a:schemeClr val="bg1"/>
-                </a:solidFill>
-              </a:rPr>
-              <a:t>, labels, textbox, buttons, checkboxes </a:t>
-            </a:r>
-            <a:r>
-              <a:rPr lang="en-US" dirty="0" err="1">
-                <a:solidFill>
-                  <a:schemeClr val="bg1"/>
-                </a:solidFill>
-              </a:rPr>
-              <a:t>etc</a:t>
-            </a:r>
-            <a:r>
-              <a:rPr lang="en-US" dirty="0">
-                <a:solidFill>
-                  <a:schemeClr val="bg1"/>
-                </a:solidFill>
-              </a:rPr>
-              <a:t> into python by executing given tutorials.</a:t>
-            </a:r>
-          </a:p>
-          <a:p>
-            <a:r>
-              <a:rPr lang="en-US" dirty="0">
-                <a:solidFill>
-                  <a:schemeClr val="bg1"/>
-                </a:solidFill>
-              </a:rPr>
-              <a:t>Implemented tutorials on all above.</a:t>
-            </a:r>
-          </a:p>
-          <a:p>
-            <a:r>
-              <a:rPr lang="en-US" dirty="0" err="1">
-                <a:solidFill>
-                  <a:schemeClr val="bg1"/>
-                </a:solidFill>
-              </a:rPr>
-              <a:t>MatPlotLib</a:t>
-            </a:r>
-            <a:r>
-              <a:rPr lang="en-US" dirty="0">
-                <a:solidFill>
-                  <a:schemeClr val="bg1"/>
-                </a:solidFill>
-              </a:rPr>
-              <a:t> integration and few tutorials on it.</a:t>
-            </a:r>
-          </a:p>
-          <a:p>
-            <a:r>
-              <a:rPr lang="en-US" dirty="0">
-                <a:solidFill>
-                  <a:schemeClr val="bg1"/>
-                </a:solidFill>
-              </a:rPr>
-              <a:t>Implemented my first PCA with a Kaggle dataset and plotted a graph between 2 PCs.</a:t>
-            </a:r>
-          </a:p>
-          <a:p>
-            <a:pPr marL="0" indent="0">
-              <a:buNone/>
-            </a:pPr>
-            <a:endParaRPr lang="en-US" dirty="0">
-              <a:solidFill>
-                <a:schemeClr val="bg1"/>
-              </a:solidFill>
-            </a:endParaRPr>
-          </a:p>
-          <a:p>
-            <a:pPr marL="0" indent="0">
-              <a:buNone/>
-            </a:pPr>
-            <a:r>
-              <a:rPr lang="en-US" dirty="0">
-                <a:solidFill>
-                  <a:schemeClr val="bg1"/>
-                </a:solidFill>
-              </a:rPr>
-              <a:t>All the above work, code, tutorials, including this presentation is on </a:t>
-            </a:r>
-            <a:r>
-              <a:rPr lang="en-US" dirty="0" err="1">
-                <a:solidFill>
-                  <a:schemeClr val="bg1"/>
-                </a:solidFill>
-              </a:rPr>
-              <a:t>github</a:t>
-            </a:r>
-            <a:r>
-              <a:rPr lang="en-US" dirty="0">
-                <a:solidFill>
-                  <a:schemeClr val="bg1"/>
-                </a:solidFill>
-              </a:rPr>
-              <a:t> and will keep it updated.</a:t>
-            </a:r>
-          </a:p>
-          <a:p>
-            <a:pPr marL="0" indent="0">
-              <a:buNone/>
-            </a:pPr>
-            <a:r>
-              <a:rPr lang="en-US" dirty="0">
-                <a:solidFill>
-                  <a:schemeClr val="bg1"/>
-                </a:solidFill>
-                <a:hlinkClick r:id="rId3"/>
-              </a:rPr>
-              <a:t>https://github.com/vinay1460n/iPCA</a:t>
-            </a:r>
-            <a:endParaRPr lang="en-US" dirty="0">
-              <a:solidFill>
-                <a:schemeClr val="bg1"/>
-              </a:solidFill>
-            </a:endParaRPr>
-          </a:p>
-        </p:txBody>
-      </p:sp>
-      <p:sp>
-        <p:nvSpPr>
-          <p:cNvPr id="4" name="Slide Number Placeholder 3">
-            <a:extLst>
-              <a:ext uri="{FF2B5EF4-FFF2-40B4-BE49-F238E27FC236}">
-                <a16:creationId xmlns:a16="http://schemas.microsoft.com/office/drawing/2014/main" id="{47E3D72A-DED4-4D70-86E3-8CB9025FC5E4}"/>
-              </a:ext>
-            </a:extLst>
-          </p:cNvPr>
-          <p:cNvSpPr>
-            <a:spLocks noGrp="1"/>
-          </p:cNvSpPr>
-          <p:nvPr>
-            <p:ph type="sldNum" sz="quarter" idx="12"/>
-          </p:nvPr>
-        </p:nvSpPr>
-        <p:spPr>
-          <a:xfrm>
-            <a:off x="10352540" y="295729"/>
-            <a:ext cx="838199" cy="767687"/>
-          </a:xfrm>
-        </p:spPr>
-        <p:txBody>
-          <a:bodyPr>
-            <a:normAutofit/>
-          </a:bodyPr>
-          <a:lstStyle/>
-          <a:p>
-            <a:pPr marL="0" marR="0" lvl="0" indent="0" algn="ctr" defTabSz="457200" rtl="0" eaLnBrk="1" fontAlgn="auto" latinLnBrk="0" hangingPunct="1">
-              <a:lnSpc>
-                <a:spcPct val="100000"/>
-              </a:lnSpc>
-              <a:spcBef>
-                <a:spcPts val="0"/>
-              </a:spcBef>
-              <a:spcAft>
-                <a:spcPts val="600"/>
-              </a:spcAft>
-              <a:buClrTx/>
-              <a:buSzTx/>
-              <a:buFontTx/>
-              <a:buNone/>
-              <a:tabLst/>
-              <a:defRPr/>
-            </a:pPr>
-            <a:fld id="{D57F1E4F-1CFF-5643-939E-02111984F565}" type="slidenum">
-              <a:rPr kumimoji="0" lang="en-US" sz="2800" b="0" i="0" u="none" strike="noStrike" kern="1200" cap="none" spc="0" normalizeH="0" baseline="0" noProof="0" smtClean="0">
-                <a:ln>
-                  <a:noFill/>
-                </a:ln>
-                <a:solidFill>
-                  <a:prstClr val="white">
-                    <a:tint val="75000"/>
-                  </a:prstClr>
-                </a:solidFill>
-                <a:effectLst/>
-                <a:uLnTx/>
-                <a:uFillTx/>
-                <a:latin typeface="Century Gothic" panose="020B0502020202020204"/>
-                <a:ea typeface="+mn-ea"/>
-                <a:cs typeface="+mn-cs"/>
-              </a:rPr>
-              <a:pPr marL="0" marR="0" lvl="0" indent="0" algn="ctr" defTabSz="457200" rtl="0" eaLnBrk="1" fontAlgn="auto" latinLnBrk="0" hangingPunct="1">
-                <a:lnSpc>
-                  <a:spcPct val="100000"/>
-                </a:lnSpc>
-                <a:spcBef>
-                  <a:spcPts val="0"/>
-                </a:spcBef>
-                <a:spcAft>
-                  <a:spcPts val="600"/>
-                </a:spcAft>
-                <a:buClrTx/>
-                <a:buSzTx/>
-                <a:buFontTx/>
-                <a:buNone/>
-                <a:tabLst/>
-                <a:defRPr/>
-              </a:pPr>
-              <a:t>5</a:t>
-            </a:fld>
-            <a:endParaRPr kumimoji="0" lang="en-US" sz="2800" b="0" i="0" u="none" strike="noStrike" kern="1200" cap="none" spc="0" normalizeH="0" baseline="0" noProof="0">
-              <a:ln>
-                <a:noFill/>
-              </a:ln>
-              <a:solidFill>
-                <a:prstClr val="white">
-                  <a:tint val="75000"/>
-                </a:prstClr>
-              </a:solidFill>
-              <a:effectLst/>
-              <a:uLnTx/>
-              <a:uFillTx/>
-              <a:latin typeface="Century Gothic" panose="020B0502020202020204"/>
-              <a:ea typeface="+mn-ea"/>
-              <a:cs typeface="+mn-cs"/>
-            </a:endParaRPr>
-          </a:p>
-        </p:txBody>
-      </p:sp>
-    </p:spTree>
-    <p:extLst>
-      <p:ext uri="{BB962C8B-B14F-4D97-AF65-F5344CB8AC3E}">
-        <p14:creationId xmlns:p14="http://schemas.microsoft.com/office/powerpoint/2010/main" val="3210111711"/>
-      </p:ext>
-    </p:extLst>
-  </p:cSld>
-  <p:clrMapOvr>
-    <a:masterClrMapping/>
-  </p:clrMapOvr>
-</p:sld>
-</file>
-
-<file path=ppt/slides/slide6.xml><?xml version="1.0" encoding="utf-8"?>
-<p:sld xmlns:a="http://schemas.openxmlformats.org/drawingml/2006/main" xmlns:r="http://schemas.openxmlformats.org/officeDocument/2006/relationships" xmlns:p="http://schemas.openxmlformats.org/presentationml/2006/main">
-  <p:cSld>
-    <p:bg>
-      <p:bgPr>
         <a:solidFill>
           <a:schemeClr val="bg1"/>
         </a:solidFill>
@@ -14618,8 +13206,37 @@
           <a:bodyPr rtlCol="0" anchor="ctr"/>
           <a:lstStyle/>
           <a:p>
-            <a:pPr algn="ctr"/>
-            <a:endParaRPr lang="en-US"/>
+            <a:pPr marL="0" marR="0" lvl="0" indent="0" algn="ctr" defTabSz="457200" rtl="0" eaLnBrk="1" fontAlgn="auto" latinLnBrk="0" hangingPunct="1">
+              <a:lnSpc>
+                <a:spcPct val="100000"/>
+              </a:lnSpc>
+              <a:spcBef>
+                <a:spcPts val="0"/>
+              </a:spcBef>
+              <a:spcAft>
+                <a:spcPts val="0"/>
+              </a:spcAft>
+              <a:buClrTx/>
+              <a:buSzTx/>
+              <a:buFontTx/>
+              <a:buNone/>
+              <a:tabLst/>
+              <a:defRPr/>
+            </a:pPr>
+            <a:endParaRPr kumimoji="0" lang="en-US" sz="1800" b="0" i="0" u="none" strike="noStrike" kern="1200" cap="none" spc="0" normalizeH="0" baseline="0" noProof="0">
+              <a:ln>
+                <a:noFill/>
+              </a:ln>
+              <a:solidFill>
+                <a:prstClr val="white"/>
+              </a:solidFill>
+              <a:effectLst/>
+              <a:uLnTx/>
+              <a:uFillTx/>
+              <a:latin typeface="Century Gothic" panose="020B0502020202020204"/>
+              <a:ea typeface="+mn-ea"/>
+              <a:cs typeface="+mn-cs"/>
+            </a:endParaRPr>
           </a:p>
         </p:txBody>
       </p:sp>
@@ -15025,11 +13642,36 @@
           <a:bodyPr rtlCol="0" anchor="ctr"/>
           <a:lstStyle/>
           <a:p>
-            <a:pPr algn="ctr"/>
-            <a:endParaRPr lang="en-US">
+            <a:pPr marL="0" marR="0" lvl="0" indent="0" algn="ctr" defTabSz="457200" rtl="0" eaLnBrk="1" fontAlgn="auto" latinLnBrk="0" hangingPunct="1">
+              <a:lnSpc>
+                <a:spcPct val="100000"/>
+              </a:lnSpc>
+              <a:spcBef>
+                <a:spcPts val="0"/>
+              </a:spcBef>
+              <a:spcAft>
+                <a:spcPts val="0"/>
+              </a:spcAft>
+              <a:buClrTx/>
+              <a:buSzTx/>
+              <a:buFontTx/>
+              <a:buNone/>
+              <a:tabLst/>
+              <a:defRPr/>
+            </a:pPr>
+            <a:endParaRPr kumimoji="0" lang="en-US" sz="1800" b="0" i="0" u="none" strike="noStrike" kern="1200" cap="none" spc="0" normalizeH="0" baseline="0" noProof="0">
+              <a:ln>
+                <a:noFill/>
+              </a:ln>
               <a:solidFill>
-                <a:schemeClr val="tx1"/>
+                <a:prstClr val="black"/>
               </a:solidFill>
+              <a:effectLst/>
+              <a:uLnTx/>
+              <a:uFillTx/>
+              <a:latin typeface="Century Gothic" panose="020B0502020202020204"/>
+              <a:ea typeface="+mn-ea"/>
+              <a:cs typeface="+mn-cs"/>
             </a:endParaRPr>
           </a:p>
         </p:txBody>
@@ -15554,8 +14196,37 @@
           <a:bodyPr rtlCol="0" anchor="ctr"/>
           <a:lstStyle/>
           <a:p>
-            <a:pPr algn="ctr"/>
-            <a:endParaRPr lang="en-US"/>
+            <a:pPr marL="0" marR="0" lvl="0" indent="0" algn="ctr" defTabSz="457200" rtl="0" eaLnBrk="1" fontAlgn="auto" latinLnBrk="0" hangingPunct="1">
+              <a:lnSpc>
+                <a:spcPct val="100000"/>
+              </a:lnSpc>
+              <a:spcBef>
+                <a:spcPts val="0"/>
+              </a:spcBef>
+              <a:spcAft>
+                <a:spcPts val="0"/>
+              </a:spcAft>
+              <a:buClrTx/>
+              <a:buSzTx/>
+              <a:buFontTx/>
+              <a:buNone/>
+              <a:tabLst/>
+              <a:defRPr/>
+            </a:pPr>
+            <a:endParaRPr kumimoji="0" lang="en-US" sz="1800" b="0" i="0" u="none" strike="noStrike" kern="1200" cap="none" spc="0" normalizeH="0" baseline="0" noProof="0">
+              <a:ln>
+                <a:noFill/>
+              </a:ln>
+              <a:solidFill>
+                <a:prstClr val="white"/>
+              </a:solidFill>
+              <a:effectLst/>
+              <a:uLnTx/>
+              <a:uFillTx/>
+              <a:latin typeface="Century Gothic" panose="020B0502020202020204"/>
+              <a:ea typeface="+mn-ea"/>
+              <a:cs typeface="+mn-cs"/>
+            </a:endParaRPr>
           </a:p>
         </p:txBody>
       </p:sp>
@@ -15634,28 +14305,70 @@
           </a:bodyPr>
           <a:lstStyle/>
           <a:p>
-            <a:pPr defTabSz="914400">
+            <a:pPr marL="0" marR="0" lvl="0" indent="0" algn="ctr" defTabSz="914400" rtl="0" eaLnBrk="1" fontAlgn="auto" latinLnBrk="0" hangingPunct="1">
+              <a:lnSpc>
+                <a:spcPct val="100000"/>
+              </a:lnSpc>
+              <a:spcBef>
+                <a:spcPts val="0"/>
+              </a:spcBef>
               <a:spcAft>
                 <a:spcPts val="600"/>
               </a:spcAft>
+              <a:buClrTx/>
+              <a:buSzTx/>
+              <a:buFontTx/>
+              <a:buNone/>
+              <a:tabLst/>
+              <a:defRPr/>
             </a:pPr>
             <a:fld id="{D57F1E4F-1CFF-5643-939E-02111984F565}" type="slidenum">
-              <a:rPr lang="en-US">
+              <a:rPr kumimoji="0" lang="en-US" sz="2800" b="0" i="0" u="none" strike="noStrike" kern="1200" cap="none" spc="0" normalizeH="0" baseline="0" noProof="0">
+                <a:ln>
+                  <a:noFill/>
+                </a:ln>
                 <a:solidFill>
                   <a:srgbClr val="FFFFFF"/>
                 </a:solidFill>
+                <a:effectLst/>
+                <a:uLnTx/>
+                <a:uFillTx/>
+                <a:latin typeface="Century Gothic" panose="020B0502020202020204"/>
+                <a:ea typeface="+mn-ea"/>
+                <a:cs typeface="+mn-cs"/>
               </a:rPr>
-              <a:pPr defTabSz="914400">
+              <a:pPr marL="0" marR="0" lvl="0" indent="0" algn="ctr" defTabSz="914400" rtl="0" eaLnBrk="1" fontAlgn="auto" latinLnBrk="0" hangingPunct="1">
+                <a:lnSpc>
+                  <a:spcPct val="100000"/>
+                </a:lnSpc>
+                <a:spcBef>
+                  <a:spcPts val="0"/>
+                </a:spcBef>
                 <a:spcAft>
                   <a:spcPts val="600"/>
                 </a:spcAft>
+                <a:buClrTx/>
+                <a:buSzTx/>
+                <a:buFontTx/>
+                <a:buNone/>
+                <a:tabLst/>
+                <a:defRPr/>
               </a:pPr>
-              <a:t>6</a:t>
+              <a:t>5</a:t>
             </a:fld>
-            <a:endParaRPr lang="en-US">
+            <a:endParaRPr kumimoji="0" lang="en-US" sz="2800" b="0" i="0" u="none" strike="noStrike" kern="1200" cap="none" spc="0" normalizeH="0" baseline="0" noProof="0">
+              <a:ln>
+                <a:noFill/>
+              </a:ln>
               <a:solidFill>
                 <a:srgbClr val="FFFFFF"/>
               </a:solidFill>
+              <a:effectLst/>
+              <a:uLnTx/>
+              <a:uFillTx/>
+              <a:latin typeface="Century Gothic" panose="020B0502020202020204"/>
+              <a:ea typeface="+mn-ea"/>
+              <a:cs typeface="+mn-cs"/>
             </a:endParaRPr>
           </a:p>
         </p:txBody>
@@ -15663,7 +14376,7 @@
     </p:spTree>
     <p:extLst>
       <p:ext uri="{BB962C8B-B14F-4D97-AF65-F5344CB8AC3E}">
-        <p14:creationId xmlns:p14="http://schemas.microsoft.com/office/powerpoint/2010/main" val="4096500625"/>
+        <p14:creationId xmlns:p14="http://schemas.microsoft.com/office/powerpoint/2010/main" val="803445353"/>
       </p:ext>
     </p:extLst>
   </p:cSld>
@@ -15673,7 +14386,1564 @@
 </p:sld>
 </file>
 
+<file path=ppt/slides/slide6.xml><?xml version="1.0" encoding="utf-8"?>
+<p:sld xmlns:a="http://schemas.openxmlformats.org/drawingml/2006/main" xmlns:r="http://schemas.openxmlformats.org/officeDocument/2006/relationships" xmlns:p="http://schemas.openxmlformats.org/presentationml/2006/main">
+  <p:cSld>
+    <p:bg>
+      <p:bgPr>
+        <a:blipFill rotWithShape="1">
+          <a:blip r:embed="rId2">
+            <a:duotone>
+              <a:schemeClr val="bg2">
+                <a:shade val="69000"/>
+                <a:hueMod val="108000"/>
+                <a:satMod val="164000"/>
+                <a:lumMod val="74000"/>
+              </a:schemeClr>
+              <a:schemeClr val="bg2">
+                <a:tint val="96000"/>
+                <a:hueMod val="88000"/>
+                <a:satMod val="140000"/>
+                <a:lumMod val="132000"/>
+              </a:schemeClr>
+            </a:duotone>
+            <a:extLst/>
+          </a:blip>
+          <a:stretch/>
+        </a:blipFill>
+        <a:effectLst/>
+      </p:bgPr>
+    </p:bg>
+    <p:spTree>
+      <p:nvGrpSpPr>
+        <p:cNvPr id="1" name=""/>
+        <p:cNvGrpSpPr/>
+        <p:nvPr/>
+      </p:nvGrpSpPr>
+      <p:grpSpPr>
+        <a:xfrm>
+          <a:off x="0" y="0"/>
+          <a:ext cx="0" cy="0"/>
+          <a:chOff x="0" y="0"/>
+          <a:chExt cx="0" cy="0"/>
+        </a:xfrm>
+      </p:grpSpPr>
+      <p:sp>
+        <p:nvSpPr>
+          <p:cNvPr id="9" name="Rectangle 8">
+            <a:extLst>
+              <a:ext uri="{FF2B5EF4-FFF2-40B4-BE49-F238E27FC236}">
+                <a16:creationId xmlns:a16="http://schemas.microsoft.com/office/drawing/2014/main" id="{052BEFF1-896C-45B1-B02C-96A6A1BC389A}"/>
+              </a:ext>
+            </a:extLst>
+          </p:cNvPr>
+          <p:cNvSpPr>
+            <a:spLocks noGrp="1" noRot="1" noChangeAspect="1" noMove="1" noResize="1" noEditPoints="1" noAdjustHandles="1" noChangeArrowheads="1" noChangeShapeType="1" noTextEdit="1"/>
+          </p:cNvSpPr>
+          <p:nvPr>
+            <p:extLst>
+              <p:ext uri="{386F3935-93C4-4BCD-93E2-E3B085C9AB24}">
+                <p16:designElem xmlns:p16="http://schemas.microsoft.com/office/powerpoint/2015/main" val="1"/>
+              </p:ext>
+            </p:extLst>
+          </p:nvPr>
+        </p:nvSpPr>
+        <p:spPr>
+          <a:xfrm>
+            <a:off x="1" y="0"/>
+            <a:ext cx="12192000" cy="6858000"/>
+          </a:xfrm>
+          <a:prstGeom prst="rect">
+            <a:avLst/>
+          </a:prstGeom>
+          <a:solidFill>
+            <a:schemeClr val="tx2"/>
+          </a:solidFill>
+          <a:ln>
+            <a:noFill/>
+          </a:ln>
+        </p:spPr>
+        <p:style>
+          <a:lnRef idx="2">
+            <a:schemeClr val="accent1">
+              <a:shade val="50000"/>
+            </a:schemeClr>
+          </a:lnRef>
+          <a:fillRef idx="1003">
+            <a:schemeClr val="dk2"/>
+          </a:fillRef>
+          <a:effectRef idx="0">
+            <a:schemeClr val="accent1"/>
+          </a:effectRef>
+          <a:fontRef idx="minor">
+            <a:schemeClr val="lt1"/>
+          </a:fontRef>
+        </p:style>
+        <p:txBody>
+          <a:bodyPr rtlCol="0" anchor="ctr"/>
+          <a:lstStyle/>
+          <a:p>
+            <a:pPr marL="0" marR="0" lvl="0" indent="0" algn="ctr" defTabSz="457200" rtl="0" eaLnBrk="1" fontAlgn="auto" latinLnBrk="0" hangingPunct="1">
+              <a:lnSpc>
+                <a:spcPct val="100000"/>
+              </a:lnSpc>
+              <a:spcBef>
+                <a:spcPts val="0"/>
+              </a:spcBef>
+              <a:spcAft>
+                <a:spcPts val="0"/>
+              </a:spcAft>
+              <a:buClrTx/>
+              <a:buSzTx/>
+              <a:buFontTx/>
+              <a:buNone/>
+              <a:tabLst/>
+              <a:defRPr/>
+            </a:pPr>
+            <a:endParaRPr kumimoji="0" lang="en-US" sz="1800" b="0" i="0" u="none" strike="noStrike" kern="1200" cap="none" spc="0" normalizeH="0" baseline="0" noProof="0">
+              <a:ln>
+                <a:noFill/>
+              </a:ln>
+              <a:solidFill>
+                <a:prstClr val="white"/>
+              </a:solidFill>
+              <a:effectLst/>
+              <a:uLnTx/>
+              <a:uFillTx/>
+              <a:latin typeface="Century Gothic" panose="020B0502020202020204"/>
+              <a:ea typeface="+mn-ea"/>
+              <a:cs typeface="+mn-cs"/>
+            </a:endParaRPr>
+          </a:p>
+        </p:txBody>
+      </p:sp>
+      <p:sp>
+        <p:nvSpPr>
+          <p:cNvPr id="32" name="Freeform 36">
+            <a:extLst>
+              <a:ext uri="{FF2B5EF4-FFF2-40B4-BE49-F238E27FC236}">
+                <a16:creationId xmlns:a16="http://schemas.microsoft.com/office/drawing/2014/main" id="{BB237A14-61B1-4C00-A670-5D8D68A8668E}"/>
+              </a:ext>
+            </a:extLst>
+          </p:cNvPr>
+          <p:cNvSpPr>
+            <a:spLocks noGrp="1" noRot="1" noChangeAspect="1" noMove="1" noResize="1" noEditPoints="1" noAdjustHandles="1" noChangeArrowheads="1" noChangeShapeType="1" noTextEdit="1"/>
+          </p:cNvSpPr>
+          <p:nvPr>
+            <p:extLst>
+              <p:ext uri="{386F3935-93C4-4BCD-93E2-E3B085C9AB24}">
+                <p16:designElem xmlns:p16="http://schemas.microsoft.com/office/powerpoint/2015/main" val="1"/>
+              </p:ext>
+            </p:extLst>
+          </p:nvPr>
+        </p:nvSpPr>
+        <p:spPr>
+          <a:xfrm flipH="1">
+            <a:off x="4644637" y="0"/>
+            <a:ext cx="559472" cy="3709642"/>
+          </a:xfrm>
+          <a:custGeom>
+            <a:avLst/>
+            <a:gdLst>
+              <a:gd name="connsiteX0" fmla="*/ 0 w 559472"/>
+              <a:gd name="connsiteY0" fmla="*/ 0 h 3709642"/>
+              <a:gd name="connsiteX1" fmla="*/ 473952 w 559472"/>
+              <a:gd name="connsiteY1" fmla="*/ 0 h 3709642"/>
+              <a:gd name="connsiteX2" fmla="*/ 485840 w 559472"/>
+              <a:gd name="connsiteY2" fmla="*/ 161194 h 3709642"/>
+              <a:gd name="connsiteX3" fmla="*/ 523949 w 559472"/>
+              <a:gd name="connsiteY3" fmla="*/ 3672197 h 3709642"/>
+              <a:gd name="connsiteX4" fmla="*/ 454748 w 559472"/>
+              <a:gd name="connsiteY4" fmla="*/ 3709642 h 3709642"/>
+              <a:gd name="connsiteX5" fmla="*/ 448224 w 559472"/>
+              <a:gd name="connsiteY5" fmla="*/ 3510471 h 3709642"/>
+              <a:gd name="connsiteX6" fmla="*/ 443564 w 559472"/>
+              <a:gd name="connsiteY6" fmla="*/ 3408563 h 3709642"/>
+              <a:gd name="connsiteX7" fmla="*/ 438902 w 559472"/>
+              <a:gd name="connsiteY7" fmla="*/ 3304407 h 3709642"/>
+              <a:gd name="connsiteX8" fmla="*/ 433941 w 559472"/>
+              <a:gd name="connsiteY8" fmla="*/ 3198777 h 3709642"/>
+              <a:gd name="connsiteX9" fmla="*/ 427584 w 559472"/>
+              <a:gd name="connsiteY9" fmla="*/ 3092510 h 3709642"/>
+              <a:gd name="connsiteX10" fmla="*/ 420988 w 559472"/>
+              <a:gd name="connsiteY10" fmla="*/ 2984390 h 3709642"/>
+              <a:gd name="connsiteX11" fmla="*/ 414330 w 559472"/>
+              <a:gd name="connsiteY11" fmla="*/ 2874401 h 3709642"/>
+              <a:gd name="connsiteX12" fmla="*/ 406840 w 559472"/>
+              <a:gd name="connsiteY12" fmla="*/ 2762980 h 3709642"/>
+              <a:gd name="connsiteX13" fmla="*/ 397745 w 559472"/>
+              <a:gd name="connsiteY13" fmla="*/ 2650566 h 3709642"/>
+              <a:gd name="connsiteX14" fmla="*/ 389154 w 559472"/>
+              <a:gd name="connsiteY14" fmla="*/ 2536612 h 3709642"/>
+              <a:gd name="connsiteX15" fmla="*/ 379225 w 559472"/>
+              <a:gd name="connsiteY15" fmla="*/ 2421642 h 3709642"/>
+              <a:gd name="connsiteX16" fmla="*/ 368316 w 559472"/>
+              <a:gd name="connsiteY16" fmla="*/ 2305627 h 3709642"/>
+              <a:gd name="connsiteX17" fmla="*/ 357466 w 559472"/>
+              <a:gd name="connsiteY17" fmla="*/ 2189233 h 3709642"/>
+              <a:gd name="connsiteX18" fmla="*/ 344982 w 559472"/>
+              <a:gd name="connsiteY18" fmla="*/ 2071473 h 3709642"/>
+              <a:gd name="connsiteX19" fmla="*/ 332466 w 559472"/>
+              <a:gd name="connsiteY19" fmla="*/ 1952216 h 3709642"/>
+              <a:gd name="connsiteX20" fmla="*/ 319121 w 559472"/>
+              <a:gd name="connsiteY20" fmla="*/ 1833776 h 3709642"/>
+              <a:gd name="connsiteX21" fmla="*/ 304408 w 559472"/>
+              <a:gd name="connsiteY21" fmla="*/ 1713948 h 3709642"/>
+              <a:gd name="connsiteX22" fmla="*/ 288685 w 559472"/>
+              <a:gd name="connsiteY22" fmla="*/ 1592703 h 3709642"/>
+              <a:gd name="connsiteX23" fmla="*/ 273050 w 559472"/>
+              <a:gd name="connsiteY23" fmla="*/ 1471451 h 3709642"/>
+              <a:gd name="connsiteX24" fmla="*/ 255813 w 559472"/>
+              <a:gd name="connsiteY24" fmla="*/ 1350328 h 3709642"/>
+              <a:gd name="connsiteX25" fmla="*/ 237060 w 559472"/>
+              <a:gd name="connsiteY25" fmla="*/ 1227080 h 3709642"/>
+              <a:gd name="connsiteX26" fmla="*/ 218488 w 559472"/>
+              <a:gd name="connsiteY26" fmla="*/ 1106065 h 3709642"/>
+              <a:gd name="connsiteX27" fmla="*/ 198221 w 559472"/>
+              <a:gd name="connsiteY27" fmla="*/ 982940 h 3709642"/>
+              <a:gd name="connsiteX28" fmla="*/ 177152 w 559472"/>
+              <a:gd name="connsiteY28" fmla="*/ 858755 h 3709642"/>
+              <a:gd name="connsiteX29" fmla="*/ 155551 w 559472"/>
+              <a:gd name="connsiteY29" fmla="*/ 736861 h 3709642"/>
+              <a:gd name="connsiteX30" fmla="*/ 131782 w 559472"/>
+              <a:gd name="connsiteY30" fmla="*/ 613645 h 3709642"/>
+              <a:gd name="connsiteX31" fmla="*/ 107123 w 559472"/>
+              <a:gd name="connsiteY31" fmla="*/ 490500 h 3709642"/>
+              <a:gd name="connsiteX32" fmla="*/ 82552 w 559472"/>
+              <a:gd name="connsiteY32" fmla="*/ 367348 h 3709642"/>
+              <a:gd name="connsiteX33" fmla="*/ 55608 w 559472"/>
+              <a:gd name="connsiteY33" fmla="*/ 244762 h 3709642"/>
+              <a:gd name="connsiteX34" fmla="*/ 28130 w 559472"/>
+              <a:gd name="connsiteY34" fmla="*/ 122220 h 3709642"/>
+              <a:gd name="connsiteX35" fmla="*/ 0 w 559472"/>
+              <a:gd name="connsiteY35" fmla="*/ 0 h 3709642"/>
+            </a:gdLst>
+            <a:ahLst/>
+            <a:cxnLst>
+              <a:cxn ang="0">
+                <a:pos x="connsiteX0" y="connsiteY0"/>
+              </a:cxn>
+              <a:cxn ang="0">
+                <a:pos x="connsiteX1" y="connsiteY1"/>
+              </a:cxn>
+              <a:cxn ang="0">
+                <a:pos x="connsiteX2" y="connsiteY2"/>
+              </a:cxn>
+              <a:cxn ang="0">
+                <a:pos x="connsiteX3" y="connsiteY3"/>
+              </a:cxn>
+              <a:cxn ang="0">
+                <a:pos x="connsiteX4" y="connsiteY4"/>
+              </a:cxn>
+              <a:cxn ang="0">
+                <a:pos x="connsiteX5" y="connsiteY5"/>
+              </a:cxn>
+              <a:cxn ang="0">
+                <a:pos x="connsiteX6" y="connsiteY6"/>
+              </a:cxn>
+              <a:cxn ang="0">
+                <a:pos x="connsiteX7" y="connsiteY7"/>
+              </a:cxn>
+              <a:cxn ang="0">
+                <a:pos x="connsiteX8" y="connsiteY8"/>
+              </a:cxn>
+              <a:cxn ang="0">
+                <a:pos x="connsiteX9" y="connsiteY9"/>
+              </a:cxn>
+              <a:cxn ang="0">
+                <a:pos x="connsiteX10" y="connsiteY10"/>
+              </a:cxn>
+              <a:cxn ang="0">
+                <a:pos x="connsiteX11" y="connsiteY11"/>
+              </a:cxn>
+              <a:cxn ang="0">
+                <a:pos x="connsiteX12" y="connsiteY12"/>
+              </a:cxn>
+              <a:cxn ang="0">
+                <a:pos x="connsiteX13" y="connsiteY13"/>
+              </a:cxn>
+              <a:cxn ang="0">
+                <a:pos x="connsiteX14" y="connsiteY14"/>
+              </a:cxn>
+              <a:cxn ang="0">
+                <a:pos x="connsiteX15" y="connsiteY15"/>
+              </a:cxn>
+              <a:cxn ang="0">
+                <a:pos x="connsiteX16" y="connsiteY16"/>
+              </a:cxn>
+              <a:cxn ang="0">
+                <a:pos x="connsiteX17" y="connsiteY17"/>
+              </a:cxn>
+              <a:cxn ang="0">
+                <a:pos x="connsiteX18" y="connsiteY18"/>
+              </a:cxn>
+              <a:cxn ang="0">
+                <a:pos x="connsiteX19" y="connsiteY19"/>
+              </a:cxn>
+              <a:cxn ang="0">
+                <a:pos x="connsiteX20" y="connsiteY20"/>
+              </a:cxn>
+              <a:cxn ang="0">
+                <a:pos x="connsiteX21" y="connsiteY21"/>
+              </a:cxn>
+              <a:cxn ang="0">
+                <a:pos x="connsiteX22" y="connsiteY22"/>
+              </a:cxn>
+              <a:cxn ang="0">
+                <a:pos x="connsiteX23" y="connsiteY23"/>
+              </a:cxn>
+              <a:cxn ang="0">
+                <a:pos x="connsiteX24" y="connsiteY24"/>
+              </a:cxn>
+              <a:cxn ang="0">
+                <a:pos x="connsiteX25" y="connsiteY25"/>
+              </a:cxn>
+              <a:cxn ang="0">
+                <a:pos x="connsiteX26" y="connsiteY26"/>
+              </a:cxn>
+              <a:cxn ang="0">
+                <a:pos x="connsiteX27" y="connsiteY27"/>
+              </a:cxn>
+              <a:cxn ang="0">
+                <a:pos x="connsiteX28" y="connsiteY28"/>
+              </a:cxn>
+              <a:cxn ang="0">
+                <a:pos x="connsiteX29" y="connsiteY29"/>
+              </a:cxn>
+              <a:cxn ang="0">
+                <a:pos x="connsiteX30" y="connsiteY30"/>
+              </a:cxn>
+              <a:cxn ang="0">
+                <a:pos x="connsiteX31" y="connsiteY31"/>
+              </a:cxn>
+              <a:cxn ang="0">
+                <a:pos x="connsiteX32" y="connsiteY32"/>
+              </a:cxn>
+              <a:cxn ang="0">
+                <a:pos x="connsiteX33" y="connsiteY33"/>
+              </a:cxn>
+              <a:cxn ang="0">
+                <a:pos x="connsiteX34" y="connsiteY34"/>
+              </a:cxn>
+              <a:cxn ang="0">
+                <a:pos x="connsiteX35" y="connsiteY35"/>
+              </a:cxn>
+            </a:cxnLst>
+            <a:rect l="l" t="t" r="r" b="b"/>
+            <a:pathLst>
+              <a:path w="559472" h="3709642">
+                <a:moveTo>
+                  <a:pt x="0" y="0"/>
+                </a:moveTo>
+                <a:lnTo>
+                  <a:pt x="473952" y="0"/>
+                </a:lnTo>
+                <a:lnTo>
+                  <a:pt x="485840" y="161194"/>
+                </a:lnTo>
+                <a:cubicBezTo>
+                  <a:pt x="552063" y="1147770"/>
+                  <a:pt x="592441" y="3086737"/>
+                  <a:pt x="523949" y="3672197"/>
+                </a:cubicBezTo>
+                <a:cubicBezTo>
+                  <a:pt x="500842" y="3684557"/>
+                  <a:pt x="477855" y="3697282"/>
+                  <a:pt x="454748" y="3709642"/>
+                </a:cubicBezTo>
+                <a:lnTo>
+                  <a:pt x="448224" y="3510471"/>
+                </a:lnTo>
+                <a:lnTo>
+                  <a:pt x="443564" y="3408563"/>
+                </a:lnTo>
+                <a:lnTo>
+                  <a:pt x="438902" y="3304407"/>
+                </a:lnTo>
+                <a:lnTo>
+                  <a:pt x="433941" y="3198777"/>
+                </a:lnTo>
+                <a:lnTo>
+                  <a:pt x="427584" y="3092510"/>
+                </a:lnTo>
+                <a:lnTo>
+                  <a:pt x="420988" y="2984390"/>
+                </a:lnTo>
+                <a:lnTo>
+                  <a:pt x="414330" y="2874401"/>
+                </a:lnTo>
+                <a:lnTo>
+                  <a:pt x="406840" y="2762980"/>
+                </a:lnTo>
+                <a:lnTo>
+                  <a:pt x="397745" y="2650566"/>
+                </a:lnTo>
+                <a:lnTo>
+                  <a:pt x="389154" y="2536612"/>
+                </a:lnTo>
+                <a:lnTo>
+                  <a:pt x="379225" y="2421642"/>
+                </a:lnTo>
+                <a:lnTo>
+                  <a:pt x="368316" y="2305627"/>
+                </a:lnTo>
+                <a:lnTo>
+                  <a:pt x="357466" y="2189233"/>
+                </a:lnTo>
+                <a:lnTo>
+                  <a:pt x="344982" y="2071473"/>
+                </a:lnTo>
+                <a:lnTo>
+                  <a:pt x="332466" y="1952216"/>
+                </a:lnTo>
+                <a:lnTo>
+                  <a:pt x="319121" y="1833776"/>
+                </a:lnTo>
+                <a:lnTo>
+                  <a:pt x="304408" y="1713948"/>
+                </a:lnTo>
+                <a:lnTo>
+                  <a:pt x="288685" y="1592703"/>
+                </a:lnTo>
+                <a:lnTo>
+                  <a:pt x="273050" y="1471451"/>
+                </a:lnTo>
+                <a:lnTo>
+                  <a:pt x="255813" y="1350328"/>
+                </a:lnTo>
+                <a:lnTo>
+                  <a:pt x="237060" y="1227080"/>
+                </a:lnTo>
+                <a:lnTo>
+                  <a:pt x="218488" y="1106065"/>
+                </a:lnTo>
+                <a:lnTo>
+                  <a:pt x="198221" y="982940"/>
+                </a:lnTo>
+                <a:lnTo>
+                  <a:pt x="177152" y="858755"/>
+                </a:lnTo>
+                <a:lnTo>
+                  <a:pt x="155551" y="736861"/>
+                </a:lnTo>
+                <a:lnTo>
+                  <a:pt x="131782" y="613645"/>
+                </a:lnTo>
+                <a:lnTo>
+                  <a:pt x="107123" y="490500"/>
+                </a:lnTo>
+                <a:lnTo>
+                  <a:pt x="82552" y="367348"/>
+                </a:lnTo>
+                <a:lnTo>
+                  <a:pt x="55608" y="244762"/>
+                </a:lnTo>
+                <a:lnTo>
+                  <a:pt x="28130" y="122220"/>
+                </a:lnTo>
+                <a:lnTo>
+                  <a:pt x="0" y="0"/>
+                </a:lnTo>
+                <a:close/>
+              </a:path>
+            </a:pathLst>
+          </a:custGeom>
+          <a:solidFill>
+            <a:schemeClr val="bg2">
+              <a:alpha val="20000"/>
+            </a:schemeClr>
+          </a:solidFill>
+          <a:ln>
+            <a:noFill/>
+          </a:ln>
+        </p:spPr>
+        <p:txBody>
+          <a:bodyPr rtlCol="0" anchor="ctr"/>
+          <a:lstStyle/>
+          <a:p>
+            <a:pPr marL="0" marR="0" lvl="0" indent="0" algn="ctr" defTabSz="457200" rtl="0" eaLnBrk="1" fontAlgn="auto" latinLnBrk="0" hangingPunct="1">
+              <a:lnSpc>
+                <a:spcPct val="100000"/>
+              </a:lnSpc>
+              <a:spcBef>
+                <a:spcPts val="0"/>
+              </a:spcBef>
+              <a:spcAft>
+                <a:spcPts val="0"/>
+              </a:spcAft>
+              <a:buClrTx/>
+              <a:buSzTx/>
+              <a:buFontTx/>
+              <a:buNone/>
+              <a:tabLst/>
+              <a:defRPr/>
+            </a:pPr>
+            <a:endParaRPr kumimoji="0" lang="en-US" sz="1800" b="0" i="0" u="none" strike="noStrike" kern="1200" cap="none" spc="0" normalizeH="0" baseline="0" noProof="0">
+              <a:ln>
+                <a:noFill/>
+              </a:ln>
+              <a:solidFill>
+                <a:prstClr val="white"/>
+              </a:solidFill>
+              <a:effectLst/>
+              <a:uLnTx/>
+              <a:uFillTx/>
+              <a:latin typeface="Century Gothic" panose="020B0502020202020204"/>
+              <a:ea typeface="+mn-ea"/>
+              <a:cs typeface="+mn-cs"/>
+            </a:endParaRPr>
+          </a:p>
+        </p:txBody>
+      </p:sp>
+      <p:sp>
+        <p:nvSpPr>
+          <p:cNvPr id="33" name="Rectangle 12">
+            <a:extLst>
+              <a:ext uri="{FF2B5EF4-FFF2-40B4-BE49-F238E27FC236}">
+                <a16:creationId xmlns:a16="http://schemas.microsoft.com/office/drawing/2014/main" id="{0BA768A8-4FED-4ED8-9E46-6BE72188ECD2}"/>
+              </a:ext>
+            </a:extLst>
+          </p:cNvPr>
+          <p:cNvSpPr>
+            <a:spLocks noGrp="1" noRot="1" noChangeAspect="1" noMove="1" noResize="1" noEditPoints="1" noAdjustHandles="1" noChangeArrowheads="1" noChangeShapeType="1" noTextEdit="1"/>
+          </p:cNvSpPr>
+          <p:nvPr>
+            <p:extLst>
+              <p:ext uri="{386F3935-93C4-4BCD-93E2-E3B085C9AB24}">
+                <p16:designElem xmlns:p16="http://schemas.microsoft.com/office/powerpoint/2015/main" val="1"/>
+              </p:ext>
+            </p:extLst>
+          </p:nvPr>
+        </p:nvSpPr>
+        <p:spPr>
+          <a:xfrm>
+            <a:off x="10437812" y="0"/>
+            <a:ext cx="685800" cy="1143000"/>
+          </a:xfrm>
+          <a:prstGeom prst="rect">
+            <a:avLst/>
+          </a:prstGeom>
+          <a:solidFill>
+            <a:schemeClr val="accent1"/>
+          </a:solidFill>
+          <a:ln>
+            <a:noFill/>
+          </a:ln>
+        </p:spPr>
+        <p:style>
+          <a:lnRef idx="1">
+            <a:schemeClr val="accent1"/>
+          </a:lnRef>
+          <a:fillRef idx="3">
+            <a:schemeClr val="accent1"/>
+          </a:fillRef>
+          <a:effectRef idx="2">
+            <a:schemeClr val="accent1"/>
+          </a:effectRef>
+          <a:fontRef idx="minor">
+            <a:schemeClr val="lt1"/>
+          </a:fontRef>
+        </p:style>
+      </p:sp>
+      <p:sp useBgFill="1">
+        <p:nvSpPr>
+          <p:cNvPr id="34" name="Freeform: Shape 14">
+            <a:extLst>
+              <a:ext uri="{FF2B5EF4-FFF2-40B4-BE49-F238E27FC236}">
+                <a16:creationId xmlns:a16="http://schemas.microsoft.com/office/drawing/2014/main" id="{8598F259-6F54-47A3-8D13-1603D786A328}"/>
+              </a:ext>
+            </a:extLst>
+          </p:cNvPr>
+          <p:cNvSpPr>
+            <a:spLocks noGrp="1" noRot="1" noChangeAspect="1" noMove="1" noResize="1" noEditPoints="1" noAdjustHandles="1" noChangeArrowheads="1" noChangeShapeType="1" noTextEdit="1"/>
+          </p:cNvSpPr>
+          <p:nvPr>
+            <p:extLst>
+              <p:ext uri="{386F3935-93C4-4BCD-93E2-E3B085C9AB24}">
+                <p16:designElem xmlns:p16="http://schemas.microsoft.com/office/powerpoint/2015/main" val="1"/>
+              </p:ext>
+            </p:extLst>
+          </p:nvPr>
+        </p:nvSpPr>
+        <p:spPr>
+          <a:xfrm>
+            <a:off x="1" y="1"/>
+            <a:ext cx="4990911" cy="6858001"/>
+          </a:xfrm>
+          <a:custGeom>
+            <a:avLst/>
+            <a:gdLst>
+              <a:gd name="connsiteX0" fmla="*/ 3646196 w 4990911"/>
+              <a:gd name="connsiteY0" fmla="*/ 0 h 6858001"/>
+              <a:gd name="connsiteX1" fmla="*/ 4989734 w 4990911"/>
+              <a:gd name="connsiteY1" fmla="*/ 0 h 6858001"/>
+              <a:gd name="connsiteX2" fmla="*/ 4964689 w 4990911"/>
+              <a:gd name="connsiteY2" fmla="*/ 155677 h 6858001"/>
+              <a:gd name="connsiteX3" fmla="*/ 4940820 w 4990911"/>
+              <a:gd name="connsiteY3" fmla="*/ 310668 h 6858001"/>
+              <a:gd name="connsiteX4" fmla="*/ 4917456 w 4990911"/>
+              <a:gd name="connsiteY4" fmla="*/ 466344 h 6858001"/>
+              <a:gd name="connsiteX5" fmla="*/ 4897453 w 4990911"/>
+              <a:gd name="connsiteY5" fmla="*/ 622707 h 6858001"/>
+              <a:gd name="connsiteX6" fmla="*/ 4877282 w 4990911"/>
+              <a:gd name="connsiteY6" fmla="*/ 778383 h 6858001"/>
+              <a:gd name="connsiteX7" fmla="*/ 4858456 w 4990911"/>
+              <a:gd name="connsiteY7" fmla="*/ 934746 h 6858001"/>
+              <a:gd name="connsiteX8" fmla="*/ 4842320 w 4990911"/>
+              <a:gd name="connsiteY8" fmla="*/ 1089051 h 6858001"/>
+              <a:gd name="connsiteX9" fmla="*/ 4827024 w 4990911"/>
+              <a:gd name="connsiteY9" fmla="*/ 1245413 h 6858001"/>
+              <a:gd name="connsiteX10" fmla="*/ 4813072 w 4990911"/>
+              <a:gd name="connsiteY10" fmla="*/ 1401090 h 6858001"/>
+              <a:gd name="connsiteX11" fmla="*/ 4800970 w 4990911"/>
+              <a:gd name="connsiteY11" fmla="*/ 1554023 h 6858001"/>
+              <a:gd name="connsiteX12" fmla="*/ 4788867 w 4990911"/>
+              <a:gd name="connsiteY12" fmla="*/ 1709014 h 6858001"/>
+              <a:gd name="connsiteX13" fmla="*/ 4778782 w 4990911"/>
+              <a:gd name="connsiteY13" fmla="*/ 1861947 h 6858001"/>
+              <a:gd name="connsiteX14" fmla="*/ 4770882 w 4990911"/>
+              <a:gd name="connsiteY14" fmla="*/ 2014881 h 6858001"/>
+              <a:gd name="connsiteX15" fmla="*/ 4762645 w 4990911"/>
+              <a:gd name="connsiteY15" fmla="*/ 2167128 h 6858001"/>
+              <a:gd name="connsiteX16" fmla="*/ 4755754 w 4990911"/>
+              <a:gd name="connsiteY16" fmla="*/ 2318004 h 6858001"/>
+              <a:gd name="connsiteX17" fmla="*/ 4750879 w 4990911"/>
+              <a:gd name="connsiteY17" fmla="*/ 2467509 h 6858001"/>
+              <a:gd name="connsiteX18" fmla="*/ 4746677 w 4990911"/>
+              <a:gd name="connsiteY18" fmla="*/ 2617013 h 6858001"/>
+              <a:gd name="connsiteX19" fmla="*/ 4742643 w 4990911"/>
+              <a:gd name="connsiteY19" fmla="*/ 2765146 h 6858001"/>
+              <a:gd name="connsiteX20" fmla="*/ 4740794 w 4990911"/>
+              <a:gd name="connsiteY20" fmla="*/ 2911221 h 6858001"/>
+              <a:gd name="connsiteX21" fmla="*/ 4738777 w 4990911"/>
+              <a:gd name="connsiteY21" fmla="*/ 3057297 h 6858001"/>
+              <a:gd name="connsiteX22" fmla="*/ 4737768 w 4990911"/>
+              <a:gd name="connsiteY22" fmla="*/ 3201315 h 6858001"/>
+              <a:gd name="connsiteX23" fmla="*/ 4738777 w 4990911"/>
+              <a:gd name="connsiteY23" fmla="*/ 3343961 h 6858001"/>
+              <a:gd name="connsiteX24" fmla="*/ 4738777 w 4990911"/>
+              <a:gd name="connsiteY24" fmla="*/ 3485236 h 6858001"/>
+              <a:gd name="connsiteX25" fmla="*/ 4740794 w 4990911"/>
+              <a:gd name="connsiteY25" fmla="*/ 3625139 h 6858001"/>
+              <a:gd name="connsiteX26" fmla="*/ 4743819 w 4990911"/>
+              <a:gd name="connsiteY26" fmla="*/ 3762299 h 6858001"/>
+              <a:gd name="connsiteX27" fmla="*/ 4746677 w 4990911"/>
+              <a:gd name="connsiteY27" fmla="*/ 3898087 h 6858001"/>
+              <a:gd name="connsiteX28" fmla="*/ 4749871 w 4990911"/>
+              <a:gd name="connsiteY28" fmla="*/ 4031133 h 6858001"/>
+              <a:gd name="connsiteX29" fmla="*/ 4754745 w 4990911"/>
+              <a:gd name="connsiteY29" fmla="*/ 4163492 h 6858001"/>
+              <a:gd name="connsiteX30" fmla="*/ 4759956 w 4990911"/>
+              <a:gd name="connsiteY30" fmla="*/ 4293793 h 6858001"/>
+              <a:gd name="connsiteX31" fmla="*/ 4764662 w 4990911"/>
+              <a:gd name="connsiteY31" fmla="*/ 4421352 h 6858001"/>
+              <a:gd name="connsiteX32" fmla="*/ 4777942 w 4990911"/>
+              <a:gd name="connsiteY32" fmla="*/ 4670298 h 6858001"/>
+              <a:gd name="connsiteX33" fmla="*/ 4792061 w 4990911"/>
+              <a:gd name="connsiteY33" fmla="*/ 4908956 h 6858001"/>
+              <a:gd name="connsiteX34" fmla="*/ 4806853 w 4990911"/>
+              <a:gd name="connsiteY34" fmla="*/ 5138013 h 6858001"/>
+              <a:gd name="connsiteX35" fmla="*/ 4823158 w 4990911"/>
+              <a:gd name="connsiteY35" fmla="*/ 5354726 h 6858001"/>
+              <a:gd name="connsiteX36" fmla="*/ 4840135 w 4990911"/>
+              <a:gd name="connsiteY36" fmla="*/ 5561838 h 6858001"/>
+              <a:gd name="connsiteX37" fmla="*/ 4858456 w 4990911"/>
+              <a:gd name="connsiteY37" fmla="*/ 5753862 h 6858001"/>
+              <a:gd name="connsiteX38" fmla="*/ 4876442 w 4990911"/>
+              <a:gd name="connsiteY38" fmla="*/ 5934227 h 6858001"/>
+              <a:gd name="connsiteX39" fmla="*/ 4894427 w 4990911"/>
+              <a:gd name="connsiteY39" fmla="*/ 6100191 h 6858001"/>
+              <a:gd name="connsiteX40" fmla="*/ 4911404 w 4990911"/>
+              <a:gd name="connsiteY40" fmla="*/ 6252438 h 6858001"/>
+              <a:gd name="connsiteX41" fmla="*/ 4927541 w 4990911"/>
+              <a:gd name="connsiteY41" fmla="*/ 6387541 h 6858001"/>
+              <a:gd name="connsiteX42" fmla="*/ 4942837 w 4990911"/>
+              <a:gd name="connsiteY42" fmla="*/ 6509613 h 6858001"/>
+              <a:gd name="connsiteX43" fmla="*/ 4955612 w 4990911"/>
+              <a:gd name="connsiteY43" fmla="*/ 6612483 h 6858001"/>
+              <a:gd name="connsiteX44" fmla="*/ 4967714 w 4990911"/>
+              <a:gd name="connsiteY44" fmla="*/ 6698894 h 6858001"/>
+              <a:gd name="connsiteX45" fmla="*/ 4985028 w 4990911"/>
+              <a:gd name="connsiteY45" fmla="*/ 6817538 h 6858001"/>
+              <a:gd name="connsiteX46" fmla="*/ 4990911 w 4990911"/>
+              <a:gd name="connsiteY46" fmla="*/ 6858000 h 6858001"/>
+              <a:gd name="connsiteX47" fmla="*/ 4085557 w 4990911"/>
+              <a:gd name="connsiteY47" fmla="*/ 6858000 h 6858001"/>
+              <a:gd name="connsiteX48" fmla="*/ 4085557 w 4990911"/>
+              <a:gd name="connsiteY48" fmla="*/ 6858001 h 6858001"/>
+              <a:gd name="connsiteX49" fmla="*/ 0 w 4990911"/>
+              <a:gd name="connsiteY49" fmla="*/ 6858001 h 6858001"/>
+              <a:gd name="connsiteX50" fmla="*/ 0 w 4990911"/>
+              <a:gd name="connsiteY50" fmla="*/ 1 h 6858001"/>
+              <a:gd name="connsiteX51" fmla="*/ 3646196 w 4990911"/>
+              <a:gd name="connsiteY51" fmla="*/ 1 h 6858001"/>
+            </a:gdLst>
+            <a:ahLst/>
+            <a:cxnLst>
+              <a:cxn ang="0">
+                <a:pos x="connsiteX0" y="connsiteY0"/>
+              </a:cxn>
+              <a:cxn ang="0">
+                <a:pos x="connsiteX1" y="connsiteY1"/>
+              </a:cxn>
+              <a:cxn ang="0">
+                <a:pos x="connsiteX2" y="connsiteY2"/>
+              </a:cxn>
+              <a:cxn ang="0">
+                <a:pos x="connsiteX3" y="connsiteY3"/>
+              </a:cxn>
+              <a:cxn ang="0">
+                <a:pos x="connsiteX4" y="connsiteY4"/>
+              </a:cxn>
+              <a:cxn ang="0">
+                <a:pos x="connsiteX5" y="connsiteY5"/>
+              </a:cxn>
+              <a:cxn ang="0">
+                <a:pos x="connsiteX6" y="connsiteY6"/>
+              </a:cxn>
+              <a:cxn ang="0">
+                <a:pos x="connsiteX7" y="connsiteY7"/>
+              </a:cxn>
+              <a:cxn ang="0">
+                <a:pos x="connsiteX8" y="connsiteY8"/>
+              </a:cxn>
+              <a:cxn ang="0">
+                <a:pos x="connsiteX9" y="connsiteY9"/>
+              </a:cxn>
+              <a:cxn ang="0">
+                <a:pos x="connsiteX10" y="connsiteY10"/>
+              </a:cxn>
+              <a:cxn ang="0">
+                <a:pos x="connsiteX11" y="connsiteY11"/>
+              </a:cxn>
+              <a:cxn ang="0">
+                <a:pos x="connsiteX12" y="connsiteY12"/>
+              </a:cxn>
+              <a:cxn ang="0">
+                <a:pos x="connsiteX13" y="connsiteY13"/>
+              </a:cxn>
+              <a:cxn ang="0">
+                <a:pos x="connsiteX14" y="connsiteY14"/>
+              </a:cxn>
+              <a:cxn ang="0">
+                <a:pos x="connsiteX15" y="connsiteY15"/>
+              </a:cxn>
+              <a:cxn ang="0">
+                <a:pos x="connsiteX16" y="connsiteY16"/>
+              </a:cxn>
+              <a:cxn ang="0">
+                <a:pos x="connsiteX17" y="connsiteY17"/>
+              </a:cxn>
+              <a:cxn ang="0">
+                <a:pos x="connsiteX18" y="connsiteY18"/>
+              </a:cxn>
+              <a:cxn ang="0">
+                <a:pos x="connsiteX19" y="connsiteY19"/>
+              </a:cxn>
+              <a:cxn ang="0">
+                <a:pos x="connsiteX20" y="connsiteY20"/>
+              </a:cxn>
+              <a:cxn ang="0">
+                <a:pos x="connsiteX21" y="connsiteY21"/>
+              </a:cxn>
+              <a:cxn ang="0">
+                <a:pos x="connsiteX22" y="connsiteY22"/>
+              </a:cxn>
+              <a:cxn ang="0">
+                <a:pos x="connsiteX23" y="connsiteY23"/>
+              </a:cxn>
+              <a:cxn ang="0">
+                <a:pos x="connsiteX24" y="connsiteY24"/>
+              </a:cxn>
+              <a:cxn ang="0">
+                <a:pos x="connsiteX25" y="connsiteY25"/>
+              </a:cxn>
+              <a:cxn ang="0">
+                <a:pos x="connsiteX26" y="connsiteY26"/>
+              </a:cxn>
+              <a:cxn ang="0">
+                <a:pos x="connsiteX27" y="connsiteY27"/>
+              </a:cxn>
+              <a:cxn ang="0">
+                <a:pos x="connsiteX28" y="connsiteY28"/>
+              </a:cxn>
+              <a:cxn ang="0">
+                <a:pos x="connsiteX29" y="connsiteY29"/>
+              </a:cxn>
+              <a:cxn ang="0">
+                <a:pos x="connsiteX30" y="connsiteY30"/>
+              </a:cxn>
+              <a:cxn ang="0">
+                <a:pos x="connsiteX31" y="connsiteY31"/>
+              </a:cxn>
+              <a:cxn ang="0">
+                <a:pos x="connsiteX32" y="connsiteY32"/>
+              </a:cxn>
+              <a:cxn ang="0">
+                <a:pos x="connsiteX33" y="connsiteY33"/>
+              </a:cxn>
+              <a:cxn ang="0">
+                <a:pos x="connsiteX34" y="connsiteY34"/>
+              </a:cxn>
+              <a:cxn ang="0">
+                <a:pos x="connsiteX35" y="connsiteY35"/>
+              </a:cxn>
+              <a:cxn ang="0">
+                <a:pos x="connsiteX36" y="connsiteY36"/>
+              </a:cxn>
+              <a:cxn ang="0">
+                <a:pos x="connsiteX37" y="connsiteY37"/>
+              </a:cxn>
+              <a:cxn ang="0">
+                <a:pos x="connsiteX38" y="connsiteY38"/>
+              </a:cxn>
+              <a:cxn ang="0">
+                <a:pos x="connsiteX39" y="connsiteY39"/>
+              </a:cxn>
+              <a:cxn ang="0">
+                <a:pos x="connsiteX40" y="connsiteY40"/>
+              </a:cxn>
+              <a:cxn ang="0">
+                <a:pos x="connsiteX41" y="connsiteY41"/>
+              </a:cxn>
+              <a:cxn ang="0">
+                <a:pos x="connsiteX42" y="connsiteY42"/>
+              </a:cxn>
+              <a:cxn ang="0">
+                <a:pos x="connsiteX43" y="connsiteY43"/>
+              </a:cxn>
+              <a:cxn ang="0">
+                <a:pos x="connsiteX44" y="connsiteY44"/>
+              </a:cxn>
+              <a:cxn ang="0">
+                <a:pos x="connsiteX45" y="connsiteY45"/>
+              </a:cxn>
+              <a:cxn ang="0">
+                <a:pos x="connsiteX46" y="connsiteY46"/>
+              </a:cxn>
+              <a:cxn ang="0">
+                <a:pos x="connsiteX47" y="connsiteY47"/>
+              </a:cxn>
+              <a:cxn ang="0">
+                <a:pos x="connsiteX48" y="connsiteY48"/>
+              </a:cxn>
+              <a:cxn ang="0">
+                <a:pos x="connsiteX49" y="connsiteY49"/>
+              </a:cxn>
+              <a:cxn ang="0">
+                <a:pos x="connsiteX50" y="connsiteY50"/>
+              </a:cxn>
+              <a:cxn ang="0">
+                <a:pos x="connsiteX51" y="connsiteY51"/>
+              </a:cxn>
+            </a:cxnLst>
+            <a:rect l="l" t="t" r="r" b="b"/>
+            <a:pathLst>
+              <a:path w="4990911" h="6858001">
+                <a:moveTo>
+                  <a:pt x="3646196" y="0"/>
+                </a:moveTo>
+                <a:lnTo>
+                  <a:pt x="4989734" y="0"/>
+                </a:lnTo>
+                <a:lnTo>
+                  <a:pt x="4964689" y="155677"/>
+                </a:lnTo>
+                <a:lnTo>
+                  <a:pt x="4940820" y="310668"/>
+                </a:lnTo>
+                <a:lnTo>
+                  <a:pt x="4917456" y="466344"/>
+                </a:lnTo>
+                <a:lnTo>
+                  <a:pt x="4897453" y="622707"/>
+                </a:lnTo>
+                <a:lnTo>
+                  <a:pt x="4877282" y="778383"/>
+                </a:lnTo>
+                <a:lnTo>
+                  <a:pt x="4858456" y="934746"/>
+                </a:lnTo>
+                <a:lnTo>
+                  <a:pt x="4842320" y="1089051"/>
+                </a:lnTo>
+                <a:lnTo>
+                  <a:pt x="4827024" y="1245413"/>
+                </a:lnTo>
+                <a:lnTo>
+                  <a:pt x="4813072" y="1401090"/>
+                </a:lnTo>
+                <a:lnTo>
+                  <a:pt x="4800970" y="1554023"/>
+                </a:lnTo>
+                <a:lnTo>
+                  <a:pt x="4788867" y="1709014"/>
+                </a:lnTo>
+                <a:lnTo>
+                  <a:pt x="4778782" y="1861947"/>
+                </a:lnTo>
+                <a:lnTo>
+                  <a:pt x="4770882" y="2014881"/>
+                </a:lnTo>
+                <a:lnTo>
+                  <a:pt x="4762645" y="2167128"/>
+                </a:lnTo>
+                <a:lnTo>
+                  <a:pt x="4755754" y="2318004"/>
+                </a:lnTo>
+                <a:lnTo>
+                  <a:pt x="4750879" y="2467509"/>
+                </a:lnTo>
+                <a:lnTo>
+                  <a:pt x="4746677" y="2617013"/>
+                </a:lnTo>
+                <a:lnTo>
+                  <a:pt x="4742643" y="2765146"/>
+                </a:lnTo>
+                <a:lnTo>
+                  <a:pt x="4740794" y="2911221"/>
+                </a:lnTo>
+                <a:lnTo>
+                  <a:pt x="4738777" y="3057297"/>
+                </a:lnTo>
+                <a:lnTo>
+                  <a:pt x="4737768" y="3201315"/>
+                </a:lnTo>
+                <a:lnTo>
+                  <a:pt x="4738777" y="3343961"/>
+                </a:lnTo>
+                <a:lnTo>
+                  <a:pt x="4738777" y="3485236"/>
+                </a:lnTo>
+                <a:lnTo>
+                  <a:pt x="4740794" y="3625139"/>
+                </a:lnTo>
+                <a:lnTo>
+                  <a:pt x="4743819" y="3762299"/>
+                </a:lnTo>
+                <a:lnTo>
+                  <a:pt x="4746677" y="3898087"/>
+                </a:lnTo>
+                <a:lnTo>
+                  <a:pt x="4749871" y="4031133"/>
+                </a:lnTo>
+                <a:lnTo>
+                  <a:pt x="4754745" y="4163492"/>
+                </a:lnTo>
+                <a:lnTo>
+                  <a:pt x="4759956" y="4293793"/>
+                </a:lnTo>
+                <a:lnTo>
+                  <a:pt x="4764662" y="4421352"/>
+                </a:lnTo>
+                <a:lnTo>
+                  <a:pt x="4777942" y="4670298"/>
+                </a:lnTo>
+                <a:lnTo>
+                  <a:pt x="4792061" y="4908956"/>
+                </a:lnTo>
+                <a:lnTo>
+                  <a:pt x="4806853" y="5138013"/>
+                </a:lnTo>
+                <a:lnTo>
+                  <a:pt x="4823158" y="5354726"/>
+                </a:lnTo>
+                <a:lnTo>
+                  <a:pt x="4840135" y="5561838"/>
+                </a:lnTo>
+                <a:lnTo>
+                  <a:pt x="4858456" y="5753862"/>
+                </a:lnTo>
+                <a:lnTo>
+                  <a:pt x="4876442" y="5934227"/>
+                </a:lnTo>
+                <a:lnTo>
+                  <a:pt x="4894427" y="6100191"/>
+                </a:lnTo>
+                <a:lnTo>
+                  <a:pt x="4911404" y="6252438"/>
+                </a:lnTo>
+                <a:lnTo>
+                  <a:pt x="4927541" y="6387541"/>
+                </a:lnTo>
+                <a:lnTo>
+                  <a:pt x="4942837" y="6509613"/>
+                </a:lnTo>
+                <a:lnTo>
+                  <a:pt x="4955612" y="6612483"/>
+                </a:lnTo>
+                <a:lnTo>
+                  <a:pt x="4967714" y="6698894"/>
+                </a:lnTo>
+                <a:lnTo>
+                  <a:pt x="4985028" y="6817538"/>
+                </a:lnTo>
+                <a:lnTo>
+                  <a:pt x="4990911" y="6858000"/>
+                </a:lnTo>
+                <a:lnTo>
+                  <a:pt x="4085557" y="6858000"/>
+                </a:lnTo>
+                <a:lnTo>
+                  <a:pt x="4085557" y="6858001"/>
+                </a:lnTo>
+                <a:lnTo>
+                  <a:pt x="0" y="6858001"/>
+                </a:lnTo>
+                <a:lnTo>
+                  <a:pt x="0" y="1"/>
+                </a:lnTo>
+                <a:lnTo>
+                  <a:pt x="3646196" y="1"/>
+                </a:lnTo>
+                <a:close/>
+              </a:path>
+            </a:pathLst>
+          </a:custGeom>
+          <a:ln>
+            <a:noFill/>
+          </a:ln>
+        </p:spPr>
+        <p:style>
+          <a:lnRef idx="2">
+            <a:schemeClr val="accent1">
+              <a:shade val="50000"/>
+            </a:schemeClr>
+          </a:lnRef>
+          <a:fillRef idx="1">
+            <a:schemeClr val="accent1"/>
+          </a:fillRef>
+          <a:effectRef idx="0">
+            <a:schemeClr val="accent1"/>
+          </a:effectRef>
+          <a:fontRef idx="minor">
+            <a:schemeClr val="lt1"/>
+          </a:fontRef>
+        </p:style>
+        <p:txBody>
+          <a:bodyPr rtlCol="0" anchor="ctr"/>
+          <a:lstStyle/>
+          <a:p>
+            <a:pPr marL="0" marR="0" lvl="0" indent="0" algn="ctr" defTabSz="457200" rtl="0" eaLnBrk="1" fontAlgn="auto" latinLnBrk="0" hangingPunct="1">
+              <a:lnSpc>
+                <a:spcPct val="100000"/>
+              </a:lnSpc>
+              <a:spcBef>
+                <a:spcPts val="0"/>
+              </a:spcBef>
+              <a:spcAft>
+                <a:spcPts val="0"/>
+              </a:spcAft>
+              <a:buClrTx/>
+              <a:buSzTx/>
+              <a:buFontTx/>
+              <a:buNone/>
+              <a:tabLst/>
+              <a:defRPr/>
+            </a:pPr>
+            <a:endParaRPr kumimoji="0" lang="en-US" sz="1800" b="0" i="0" u="none" strike="noStrike" kern="1200" cap="none" spc="0" normalizeH="0" baseline="0" noProof="0">
+              <a:ln>
+                <a:noFill/>
+              </a:ln>
+              <a:solidFill>
+                <a:prstClr val="white"/>
+              </a:solidFill>
+              <a:effectLst/>
+              <a:uLnTx/>
+              <a:uFillTx/>
+              <a:latin typeface="Century Gothic" panose="020B0502020202020204"/>
+              <a:ea typeface="+mn-ea"/>
+              <a:cs typeface="+mn-cs"/>
+            </a:endParaRPr>
+          </a:p>
+        </p:txBody>
+      </p:sp>
+      <p:sp>
+        <p:nvSpPr>
+          <p:cNvPr id="2" name="Title 1">
+            <a:extLst>
+              <a:ext uri="{FF2B5EF4-FFF2-40B4-BE49-F238E27FC236}">
+                <a16:creationId xmlns:a16="http://schemas.microsoft.com/office/drawing/2014/main" id="{48AF56DE-BDD1-479A-9867-A27AB1861B43}"/>
+              </a:ext>
+            </a:extLst>
+          </p:cNvPr>
+          <p:cNvSpPr>
+            <a:spLocks noGrp="1"/>
+          </p:cNvSpPr>
+          <p:nvPr>
+            <p:ph type="title"/>
+          </p:nvPr>
+        </p:nvSpPr>
+        <p:spPr>
+          <a:xfrm>
+            <a:off x="143451" y="1645919"/>
+            <a:ext cx="4501186" cy="4470821"/>
+          </a:xfrm>
+        </p:spPr>
+        <p:txBody>
+          <a:bodyPr>
+            <a:normAutofit/>
+          </a:bodyPr>
+          <a:lstStyle/>
+          <a:p>
+            <a:pPr algn="r"/>
+            <a:r>
+              <a:rPr lang="en-US" dirty="0"/>
+              <a:t>Progress</a:t>
+            </a:r>
+            <a:br>
+              <a:rPr lang="en-US" dirty="0"/>
+            </a:br>
+            <a:r>
+              <a:rPr lang="en-US" dirty="0"/>
+              <a:t>(Tools and first implementation)</a:t>
+            </a:r>
+          </a:p>
+        </p:txBody>
+      </p:sp>
+      <p:sp>
+        <p:nvSpPr>
+          <p:cNvPr id="3" name="Content Placeholder 2">
+            <a:extLst>
+              <a:ext uri="{FF2B5EF4-FFF2-40B4-BE49-F238E27FC236}">
+                <a16:creationId xmlns:a16="http://schemas.microsoft.com/office/drawing/2014/main" id="{8FA43D5E-BD24-44DA-B5A7-EF933FAE97BA}"/>
+              </a:ext>
+            </a:extLst>
+          </p:cNvPr>
+          <p:cNvSpPr>
+            <a:spLocks noGrp="1"/>
+          </p:cNvSpPr>
+          <p:nvPr>
+            <p:ph idx="1"/>
+          </p:nvPr>
+        </p:nvSpPr>
+        <p:spPr>
+          <a:xfrm>
+            <a:off x="5204109" y="1645920"/>
+            <a:ext cx="5919503" cy="4470821"/>
+          </a:xfrm>
+        </p:spPr>
+        <p:txBody>
+          <a:bodyPr>
+            <a:normAutofit fontScale="92500" lnSpcReduction="10000"/>
+          </a:bodyPr>
+          <a:lstStyle/>
+          <a:p>
+            <a:r>
+              <a:rPr lang="en-US" dirty="0" err="1">
+                <a:solidFill>
+                  <a:schemeClr val="bg1"/>
+                </a:solidFill>
+              </a:rPr>
+              <a:t>PyCharm</a:t>
+            </a:r>
+            <a:r>
+              <a:rPr lang="en-US" dirty="0">
+                <a:solidFill>
+                  <a:schemeClr val="bg1"/>
+                </a:solidFill>
+              </a:rPr>
+              <a:t> and PyQt5.</a:t>
+            </a:r>
+          </a:p>
+          <a:p>
+            <a:r>
+              <a:rPr lang="en-US" dirty="0">
+                <a:solidFill>
+                  <a:schemeClr val="bg1"/>
+                </a:solidFill>
+              </a:rPr>
+              <a:t>Basic knowledge gained of integrating </a:t>
+            </a:r>
+            <a:r>
+              <a:rPr lang="en-US" dirty="0" err="1">
+                <a:solidFill>
+                  <a:schemeClr val="bg1"/>
+                </a:solidFill>
+              </a:rPr>
+              <a:t>edittexts</a:t>
+            </a:r>
+            <a:r>
+              <a:rPr lang="en-US" dirty="0">
+                <a:solidFill>
+                  <a:schemeClr val="bg1"/>
+                </a:solidFill>
+              </a:rPr>
+              <a:t>, labels, textbox, buttons, checkboxes </a:t>
+            </a:r>
+            <a:r>
+              <a:rPr lang="en-US" dirty="0" err="1">
+                <a:solidFill>
+                  <a:schemeClr val="bg1"/>
+                </a:solidFill>
+              </a:rPr>
+              <a:t>etc</a:t>
+            </a:r>
+            <a:r>
+              <a:rPr lang="en-US" dirty="0">
+                <a:solidFill>
+                  <a:schemeClr val="bg1"/>
+                </a:solidFill>
+              </a:rPr>
+              <a:t> into python by executing given tutorials.</a:t>
+            </a:r>
+          </a:p>
+          <a:p>
+            <a:r>
+              <a:rPr lang="en-US" dirty="0">
+                <a:solidFill>
+                  <a:schemeClr val="bg1"/>
+                </a:solidFill>
+              </a:rPr>
+              <a:t>Implemented tutorials on all above.</a:t>
+            </a:r>
+          </a:p>
+          <a:p>
+            <a:r>
+              <a:rPr lang="en-US" dirty="0" err="1">
+                <a:solidFill>
+                  <a:schemeClr val="bg1"/>
+                </a:solidFill>
+              </a:rPr>
+              <a:t>MatPlotLib</a:t>
+            </a:r>
+            <a:r>
+              <a:rPr lang="en-US" dirty="0">
+                <a:solidFill>
+                  <a:schemeClr val="bg1"/>
+                </a:solidFill>
+              </a:rPr>
+              <a:t> integration and few tutorials on it.</a:t>
+            </a:r>
+          </a:p>
+          <a:p>
+            <a:r>
+              <a:rPr lang="en-US" dirty="0">
+                <a:solidFill>
+                  <a:schemeClr val="bg1"/>
+                </a:solidFill>
+              </a:rPr>
+              <a:t>Implemented my first PCA with a Kaggle dataset and plotted a graph between 2 PCs.</a:t>
+            </a:r>
+          </a:p>
+          <a:p>
+            <a:pPr marL="0" indent="0">
+              <a:buNone/>
+            </a:pPr>
+            <a:endParaRPr lang="en-US" dirty="0">
+              <a:solidFill>
+                <a:schemeClr val="bg1"/>
+              </a:solidFill>
+            </a:endParaRPr>
+          </a:p>
+          <a:p>
+            <a:pPr marL="0" indent="0">
+              <a:buNone/>
+            </a:pPr>
+            <a:r>
+              <a:rPr lang="en-US" dirty="0">
+                <a:solidFill>
+                  <a:schemeClr val="bg1"/>
+                </a:solidFill>
+              </a:rPr>
+              <a:t>All the above work, code, tutorials, including this presentation is on </a:t>
+            </a:r>
+            <a:r>
+              <a:rPr lang="en-US" dirty="0" err="1">
+                <a:solidFill>
+                  <a:schemeClr val="bg1"/>
+                </a:solidFill>
+              </a:rPr>
+              <a:t>github</a:t>
+            </a:r>
+            <a:r>
+              <a:rPr lang="en-US" dirty="0">
+                <a:solidFill>
+                  <a:schemeClr val="bg1"/>
+                </a:solidFill>
+              </a:rPr>
+              <a:t> and will keep it updated.</a:t>
+            </a:r>
+          </a:p>
+          <a:p>
+            <a:pPr marL="0" indent="0">
+              <a:buNone/>
+            </a:pPr>
+            <a:r>
+              <a:rPr lang="en-US" dirty="0">
+                <a:solidFill>
+                  <a:schemeClr val="bg1"/>
+                </a:solidFill>
+                <a:hlinkClick r:id="rId3"/>
+              </a:rPr>
+              <a:t>https://github.com/vinay1460n/iPCA</a:t>
+            </a:r>
+            <a:endParaRPr lang="en-US" dirty="0">
+              <a:solidFill>
+                <a:schemeClr val="bg1"/>
+              </a:solidFill>
+            </a:endParaRPr>
+          </a:p>
+        </p:txBody>
+      </p:sp>
+      <p:sp>
+        <p:nvSpPr>
+          <p:cNvPr id="4" name="Slide Number Placeholder 3">
+            <a:extLst>
+              <a:ext uri="{FF2B5EF4-FFF2-40B4-BE49-F238E27FC236}">
+                <a16:creationId xmlns:a16="http://schemas.microsoft.com/office/drawing/2014/main" id="{47E3D72A-DED4-4D70-86E3-8CB9025FC5E4}"/>
+              </a:ext>
+            </a:extLst>
+          </p:cNvPr>
+          <p:cNvSpPr>
+            <a:spLocks noGrp="1"/>
+          </p:cNvSpPr>
+          <p:nvPr>
+            <p:ph type="sldNum" sz="quarter" idx="12"/>
+          </p:nvPr>
+        </p:nvSpPr>
+        <p:spPr>
+          <a:xfrm>
+            <a:off x="10352540" y="295729"/>
+            <a:ext cx="838199" cy="767687"/>
+          </a:xfrm>
+        </p:spPr>
+        <p:txBody>
+          <a:bodyPr>
+            <a:normAutofit/>
+          </a:bodyPr>
+          <a:lstStyle/>
+          <a:p>
+            <a:pPr marL="0" marR="0" lvl="0" indent="0" algn="ctr" defTabSz="457200" rtl="0" eaLnBrk="1" fontAlgn="auto" latinLnBrk="0" hangingPunct="1">
+              <a:lnSpc>
+                <a:spcPct val="100000"/>
+              </a:lnSpc>
+              <a:spcBef>
+                <a:spcPts val="0"/>
+              </a:spcBef>
+              <a:spcAft>
+                <a:spcPts val="600"/>
+              </a:spcAft>
+              <a:buClrTx/>
+              <a:buSzTx/>
+              <a:buFontTx/>
+              <a:buNone/>
+              <a:tabLst/>
+              <a:defRPr/>
+            </a:pPr>
+            <a:fld id="{D57F1E4F-1CFF-5643-939E-02111984F565}" type="slidenum">
+              <a:rPr kumimoji="0" lang="en-US" sz="2800" b="0" i="0" u="none" strike="noStrike" kern="1200" cap="none" spc="0" normalizeH="0" baseline="0" noProof="0" smtClean="0">
+                <a:ln>
+                  <a:noFill/>
+                </a:ln>
+                <a:solidFill>
+                  <a:prstClr val="white">
+                    <a:tint val="75000"/>
+                  </a:prstClr>
+                </a:solidFill>
+                <a:effectLst/>
+                <a:uLnTx/>
+                <a:uFillTx/>
+                <a:latin typeface="Century Gothic" panose="020B0502020202020204"/>
+                <a:ea typeface="+mn-ea"/>
+                <a:cs typeface="+mn-cs"/>
+              </a:rPr>
+              <a:pPr marL="0" marR="0" lvl="0" indent="0" algn="ctr" defTabSz="457200" rtl="0" eaLnBrk="1" fontAlgn="auto" latinLnBrk="0" hangingPunct="1">
+                <a:lnSpc>
+                  <a:spcPct val="100000"/>
+                </a:lnSpc>
+                <a:spcBef>
+                  <a:spcPts val="0"/>
+                </a:spcBef>
+                <a:spcAft>
+                  <a:spcPts val="600"/>
+                </a:spcAft>
+                <a:buClrTx/>
+                <a:buSzTx/>
+                <a:buFontTx/>
+                <a:buNone/>
+                <a:tabLst/>
+                <a:defRPr/>
+              </a:pPr>
+              <a:t>6</a:t>
+            </a:fld>
+            <a:endParaRPr kumimoji="0" lang="en-US" sz="2800" b="0" i="0" u="none" strike="noStrike" kern="1200" cap="none" spc="0" normalizeH="0" baseline="0" noProof="0">
+              <a:ln>
+                <a:noFill/>
+              </a:ln>
+              <a:solidFill>
+                <a:prstClr val="white">
+                  <a:tint val="75000"/>
+                </a:prstClr>
+              </a:solidFill>
+              <a:effectLst/>
+              <a:uLnTx/>
+              <a:uFillTx/>
+              <a:latin typeface="Century Gothic" panose="020B0502020202020204"/>
+              <a:ea typeface="+mn-ea"/>
+              <a:cs typeface="+mn-cs"/>
+            </a:endParaRPr>
+          </a:p>
+        </p:txBody>
+      </p:sp>
+    </p:spTree>
+    <p:extLst>
+      <p:ext uri="{BB962C8B-B14F-4D97-AF65-F5344CB8AC3E}">
+        <p14:creationId xmlns:p14="http://schemas.microsoft.com/office/powerpoint/2010/main" val="3210111711"/>
+      </p:ext>
+    </p:extLst>
+  </p:cSld>
+  <p:clrMapOvr>
+    <a:masterClrMapping/>
+  </p:clrMapOvr>
+</p:sld>
+</file>
+
 <file path=ppt/slides/slide7.xml><?xml version="1.0" encoding="utf-8"?>
+<p:sld xmlns:a="http://schemas.openxmlformats.org/drawingml/2006/main" xmlns:r="http://schemas.openxmlformats.org/officeDocument/2006/relationships" xmlns:p="http://schemas.openxmlformats.org/presentationml/2006/main">
+  <p:cSld>
+    <p:spTree>
+      <p:nvGrpSpPr>
+        <p:cNvPr id="1" name=""/>
+        <p:cNvGrpSpPr/>
+        <p:nvPr/>
+      </p:nvGrpSpPr>
+      <p:grpSpPr>
+        <a:xfrm>
+          <a:off x="0" y="0"/>
+          <a:ext cx="0" cy="0"/>
+          <a:chOff x="0" y="0"/>
+          <a:chExt cx="0" cy="0"/>
+        </a:xfrm>
+      </p:grpSpPr>
+      <p:sp>
+        <p:nvSpPr>
+          <p:cNvPr id="2" name="Title 1">
+            <a:extLst>
+              <a:ext uri="{FF2B5EF4-FFF2-40B4-BE49-F238E27FC236}">
+                <a16:creationId xmlns:a16="http://schemas.microsoft.com/office/drawing/2014/main" id="{A1229EB0-C89C-4AFA-90D9-579909FB38A3}"/>
+              </a:ext>
+            </a:extLst>
+          </p:cNvPr>
+          <p:cNvSpPr>
+            <a:spLocks noGrp="1"/>
+          </p:cNvSpPr>
+          <p:nvPr>
+            <p:ph type="title"/>
+          </p:nvPr>
+        </p:nvSpPr>
+        <p:spPr/>
+        <p:txBody>
+          <a:bodyPr/>
+          <a:lstStyle/>
+          <a:p>
+            <a:r>
+              <a:rPr lang="en-US" dirty="0"/>
+              <a:t>Next Steps</a:t>
+            </a:r>
+          </a:p>
+        </p:txBody>
+      </p:sp>
+      <p:sp>
+        <p:nvSpPr>
+          <p:cNvPr id="3" name="Content Placeholder 2">
+            <a:extLst>
+              <a:ext uri="{FF2B5EF4-FFF2-40B4-BE49-F238E27FC236}">
+                <a16:creationId xmlns:a16="http://schemas.microsoft.com/office/drawing/2014/main" id="{55C1E704-A6F8-420F-9338-CB7187F581E4}"/>
+              </a:ext>
+            </a:extLst>
+          </p:cNvPr>
+          <p:cNvSpPr>
+            <a:spLocks noGrp="1"/>
+          </p:cNvSpPr>
+          <p:nvPr>
+            <p:ph idx="1"/>
+          </p:nvPr>
+        </p:nvSpPr>
+        <p:spPr/>
+        <p:txBody>
+          <a:bodyPr/>
+          <a:lstStyle/>
+          <a:p>
+            <a:r>
+              <a:rPr lang="en-US" dirty="0"/>
+              <a:t>Implement a GUI prototype with all the views.</a:t>
+            </a:r>
+          </a:p>
+          <a:p>
+            <a:r>
+              <a:rPr lang="en-US" dirty="0"/>
+              <a:t>Construct CO Variance matrix , eigen values and eigenvectors</a:t>
+            </a:r>
+          </a:p>
+          <a:p>
+            <a:r>
+              <a:rPr lang="en-US" dirty="0"/>
+              <a:t>Work on SVD.</a:t>
+            </a:r>
+          </a:p>
+          <a:p>
+            <a:r>
+              <a:rPr lang="en-US" dirty="0"/>
+              <a:t>Implement </a:t>
+            </a:r>
+            <a:r>
+              <a:rPr lang="en-US" dirty="0" err="1"/>
+              <a:t>atleast</a:t>
+            </a:r>
+            <a:r>
+              <a:rPr lang="en-US" dirty="0"/>
+              <a:t> one view.</a:t>
+            </a:r>
+          </a:p>
+          <a:p>
+            <a:endParaRPr lang="en-US" dirty="0"/>
+          </a:p>
+        </p:txBody>
+      </p:sp>
+      <p:sp>
+        <p:nvSpPr>
+          <p:cNvPr id="4" name="Slide Number Placeholder 3">
+            <a:extLst>
+              <a:ext uri="{FF2B5EF4-FFF2-40B4-BE49-F238E27FC236}">
+                <a16:creationId xmlns:a16="http://schemas.microsoft.com/office/drawing/2014/main" id="{1E010D3B-7658-466F-BF2A-EA0CFE15A3D9}"/>
+              </a:ext>
+            </a:extLst>
+          </p:cNvPr>
+          <p:cNvSpPr>
+            <a:spLocks noGrp="1"/>
+          </p:cNvSpPr>
+          <p:nvPr>
+            <p:ph type="sldNum" sz="quarter" idx="12"/>
+          </p:nvPr>
+        </p:nvSpPr>
+        <p:spPr/>
+        <p:txBody>
+          <a:bodyPr/>
+          <a:lstStyle/>
+          <a:p>
+            <a:fld id="{D57F1E4F-1CFF-5643-939E-02111984F565}" type="slidenum">
+              <a:rPr lang="en-US" smtClean="0"/>
+              <a:t>7</a:t>
+            </a:fld>
+            <a:endParaRPr lang="en-US" dirty="0"/>
+          </a:p>
+        </p:txBody>
+      </p:sp>
+    </p:spTree>
+    <p:extLst>
+      <p:ext uri="{BB962C8B-B14F-4D97-AF65-F5344CB8AC3E}">
+        <p14:creationId xmlns:p14="http://schemas.microsoft.com/office/powerpoint/2010/main" val="3595973762"/>
+      </p:ext>
+    </p:extLst>
+  </p:cSld>
+  <p:clrMapOvr>
+    <a:masterClrMapping/>
+  </p:clrMapOvr>
+</p:sld>
+</file>
+
+<file path=ppt/slides/slide8.xml><?xml version="1.0" encoding="utf-8"?>
 <p:sld xmlns:a="http://schemas.openxmlformats.org/drawingml/2006/main" xmlns:r="http://schemas.openxmlformats.org/officeDocument/2006/relationships" xmlns:p="http://schemas.openxmlformats.org/presentationml/2006/main">
   <p:cSld>
     <p:bg>
@@ -17101,7 +17371,7 @@
                   <a:spcPts val="600"/>
                 </a:spcAft>
               </a:pPr>
-              <a:t>7</a:t>
+              <a:t>8</a:t>
             </a:fld>
             <a:endParaRPr lang="en-US" b="0" i="0" kern="1200">
               <a:solidFill>
